--- a/ML_note/Figure.pptx
+++ b/ML_note/Figure.pptx
@@ -2,16 +2,18 @@
 <file path=ppt/presentation.xml><?xml version="1.0" encoding="utf-8"?>
 <p:presentation xmlns:a="http://schemas.openxmlformats.org/drawingml/2006/main" xmlns:r="http://schemas.openxmlformats.org/officeDocument/2006/relationships" xmlns:p="http://schemas.openxmlformats.org/presentationml/2006/main" saveSubsetFonts="1">
   <p:sldMasterIdLst>
-    <p:sldMasterId id="2147483648" r:id="rId1"/>
+    <p:sldMasterId id="2147484160" r:id="rId1"/>
   </p:sldMasterIdLst>
   <p:notesMasterIdLst>
-    <p:notesMasterId r:id="rId6"/>
+    <p:notesMasterId r:id="rId8"/>
   </p:notesMasterIdLst>
   <p:sldIdLst>
     <p:sldId id="257" r:id="rId2"/>
     <p:sldId id="258" r:id="rId3"/>
     <p:sldId id="260" r:id="rId4"/>
-    <p:sldId id="259" r:id="rId5"/>
+    <p:sldId id="263" r:id="rId5"/>
+    <p:sldId id="259" r:id="rId6"/>
+    <p:sldId id="261" r:id="rId7"/>
   </p:sldIdLst>
   <p:sldSz cx="12192000" cy="6858000"/>
   <p:notesSz cx="6858000" cy="9144000"/>
@@ -200,7 +202,7 @@
           <a:p>
             <a:fld id="{308824CC-332B-4D57-B609-F7EE827F94D0}" type="datetimeFigureOut">
               <a:rPr lang="zh-TW" altLang="en-US" smtClean="0"/>
-              <a:t>2021/10/7</a:t>
+              <a:t>2021/10/13</a:t>
             </a:fld>
             <a:endParaRPr lang="zh-TW" altLang="en-US"/>
           </a:p>
@@ -533,7 +535,91 @@
           <a:p>
             <a:fld id="{E02124B7-E3D2-4F84-A969-4C55929E7C8A}" type="slidenum">
               <a:rPr lang="zh-TW" altLang="en-US" smtClean="0"/>
-              <a:t>4</a:t>
+              <a:t>3</a:t>
+            </a:fld>
+            <a:endParaRPr lang="zh-TW" altLang="en-US"/>
+          </a:p>
+        </p:txBody>
+      </p:sp>
+    </p:spTree>
+    <p:extLst>
+      <p:ext uri="{BB962C8B-B14F-4D97-AF65-F5344CB8AC3E}">
+        <p14:creationId xmlns:p14="http://schemas.microsoft.com/office/powerpoint/2010/main" val="1720452432"/>
+      </p:ext>
+    </p:extLst>
+  </p:cSld>
+  <p:clrMapOvr>
+    <a:masterClrMapping/>
+  </p:clrMapOvr>
+</p:notes>
+</file>
+
+<file path=ppt/notesSlides/notesSlide2.xml><?xml version="1.0" encoding="utf-8"?>
+<p:notes xmlns:a="http://schemas.openxmlformats.org/drawingml/2006/main" xmlns:r="http://schemas.openxmlformats.org/officeDocument/2006/relationships" xmlns:p="http://schemas.openxmlformats.org/presentationml/2006/main">
+  <p:cSld>
+    <p:spTree>
+      <p:nvGrpSpPr>
+        <p:cNvPr id="1" name=""/>
+        <p:cNvGrpSpPr/>
+        <p:nvPr/>
+      </p:nvGrpSpPr>
+      <p:grpSpPr>
+        <a:xfrm>
+          <a:off x="0" y="0"/>
+          <a:ext cx="0" cy="0"/>
+          <a:chOff x="0" y="0"/>
+          <a:chExt cx="0" cy="0"/>
+        </a:xfrm>
+      </p:grpSpPr>
+      <p:sp>
+        <p:nvSpPr>
+          <p:cNvPr id="2" name="投影片圖像版面配置區 1"/>
+          <p:cNvSpPr>
+            <a:spLocks noGrp="1" noRot="1" noChangeAspect="1"/>
+          </p:cNvSpPr>
+          <p:nvPr>
+            <p:ph type="sldImg"/>
+          </p:nvPr>
+        </p:nvSpPr>
+        <p:spPr/>
+      </p:sp>
+      <p:sp>
+        <p:nvSpPr>
+          <p:cNvPr id="3" name="備忘稿版面配置區 2"/>
+          <p:cNvSpPr>
+            <a:spLocks noGrp="1"/>
+          </p:cNvSpPr>
+          <p:nvPr>
+            <p:ph type="body" idx="1"/>
+          </p:nvPr>
+        </p:nvSpPr>
+        <p:spPr/>
+        <p:txBody>
+          <a:bodyPr/>
+          <a:lstStyle/>
+          <a:p>
+            <a:endParaRPr lang="zh-TW" altLang="en-US" dirty="0"/>
+          </a:p>
+        </p:txBody>
+      </p:sp>
+      <p:sp>
+        <p:nvSpPr>
+          <p:cNvPr id="4" name="投影片編號版面配置區 3"/>
+          <p:cNvSpPr>
+            <a:spLocks noGrp="1"/>
+          </p:cNvSpPr>
+          <p:nvPr>
+            <p:ph type="sldNum" sz="quarter" idx="10"/>
+          </p:nvPr>
+        </p:nvSpPr>
+        <p:spPr/>
+        <p:txBody>
+          <a:bodyPr/>
+          <a:lstStyle/>
+          <a:p>
+            <a:fld id="{E02124B7-E3D2-4F84-A969-4C55929E7C8A}" type="slidenum">
+              <a:rPr lang="zh-TW" altLang="en-US" smtClean="0"/>
+              <a:t>5</a:t>
             </a:fld>
             <a:endParaRPr lang="zh-TW" altLang="en-US"/>
           </a:p>
@@ -683,7 +769,7 @@
           <a:p>
             <a:fld id="{14FDB235-77FE-408C-A961-74967879A6B1}" type="datetimeFigureOut">
               <a:rPr lang="zh-TW" altLang="en-US" smtClean="0"/>
-              <a:t>2021/10/7</a:t>
+              <a:t>2021/10/13</a:t>
             </a:fld>
             <a:endParaRPr lang="zh-TW" altLang="en-US"/>
           </a:p>
@@ -734,7 +820,7 @@
     </p:spTree>
     <p:extLst>
       <p:ext uri="{BB962C8B-B14F-4D97-AF65-F5344CB8AC3E}">
-        <p14:creationId xmlns:p14="http://schemas.microsoft.com/office/powerpoint/2010/main" val="3604539337"/>
+        <p14:creationId xmlns:p14="http://schemas.microsoft.com/office/powerpoint/2010/main" val="226214570"/>
       </p:ext>
     </p:extLst>
   </p:cSld>
@@ -853,7 +939,7 @@
           <a:p>
             <a:fld id="{14FDB235-77FE-408C-A961-74967879A6B1}" type="datetimeFigureOut">
               <a:rPr lang="zh-TW" altLang="en-US" smtClean="0"/>
-              <a:t>2021/10/7</a:t>
+              <a:t>2021/10/13</a:t>
             </a:fld>
             <a:endParaRPr lang="zh-TW" altLang="en-US"/>
           </a:p>
@@ -904,7 +990,7 @@
     </p:spTree>
     <p:extLst>
       <p:ext uri="{BB962C8B-B14F-4D97-AF65-F5344CB8AC3E}">
-        <p14:creationId xmlns:p14="http://schemas.microsoft.com/office/powerpoint/2010/main" val="1629312251"/>
+        <p14:creationId xmlns:p14="http://schemas.microsoft.com/office/powerpoint/2010/main" val="684617198"/>
       </p:ext>
     </p:extLst>
   </p:cSld>
@@ -1033,7 +1119,7 @@
           <a:p>
             <a:fld id="{14FDB235-77FE-408C-A961-74967879A6B1}" type="datetimeFigureOut">
               <a:rPr lang="zh-TW" altLang="en-US" smtClean="0"/>
-              <a:t>2021/10/7</a:t>
+              <a:t>2021/10/13</a:t>
             </a:fld>
             <a:endParaRPr lang="zh-TW" altLang="en-US"/>
           </a:p>
@@ -1084,7 +1170,7 @@
     </p:spTree>
     <p:extLst>
       <p:ext uri="{BB962C8B-B14F-4D97-AF65-F5344CB8AC3E}">
-        <p14:creationId xmlns:p14="http://schemas.microsoft.com/office/powerpoint/2010/main" val="3504382208"/>
+        <p14:creationId xmlns:p14="http://schemas.microsoft.com/office/powerpoint/2010/main" val="3899604542"/>
       </p:ext>
     </p:extLst>
   </p:cSld>
@@ -1203,7 +1289,7 @@
           <a:p>
             <a:fld id="{14FDB235-77FE-408C-A961-74967879A6B1}" type="datetimeFigureOut">
               <a:rPr lang="zh-TW" altLang="en-US" smtClean="0"/>
-              <a:t>2021/10/7</a:t>
+              <a:t>2021/10/13</a:t>
             </a:fld>
             <a:endParaRPr lang="zh-TW" altLang="en-US"/>
           </a:p>
@@ -1254,7 +1340,7 @@
     </p:spTree>
     <p:extLst>
       <p:ext uri="{BB962C8B-B14F-4D97-AF65-F5344CB8AC3E}">
-        <p14:creationId xmlns:p14="http://schemas.microsoft.com/office/powerpoint/2010/main" val="2186194026"/>
+        <p14:creationId xmlns:p14="http://schemas.microsoft.com/office/powerpoint/2010/main" val="1267620674"/>
       </p:ext>
     </p:extLst>
   </p:cSld>
@@ -1449,7 +1535,7 @@
           <a:p>
             <a:fld id="{14FDB235-77FE-408C-A961-74967879A6B1}" type="datetimeFigureOut">
               <a:rPr lang="zh-TW" altLang="en-US" smtClean="0"/>
-              <a:t>2021/10/7</a:t>
+              <a:t>2021/10/13</a:t>
             </a:fld>
             <a:endParaRPr lang="zh-TW" altLang="en-US"/>
           </a:p>
@@ -1500,7 +1586,7 @@
     </p:spTree>
     <p:extLst>
       <p:ext uri="{BB962C8B-B14F-4D97-AF65-F5344CB8AC3E}">
-        <p14:creationId xmlns:p14="http://schemas.microsoft.com/office/powerpoint/2010/main" val="348839854"/>
+        <p14:creationId xmlns:p14="http://schemas.microsoft.com/office/powerpoint/2010/main" val="3876720419"/>
       </p:ext>
     </p:extLst>
   </p:cSld>
@@ -1681,7 +1767,7 @@
           <a:p>
             <a:fld id="{14FDB235-77FE-408C-A961-74967879A6B1}" type="datetimeFigureOut">
               <a:rPr lang="zh-TW" altLang="en-US" smtClean="0"/>
-              <a:t>2021/10/7</a:t>
+              <a:t>2021/10/13</a:t>
             </a:fld>
             <a:endParaRPr lang="zh-TW" altLang="en-US"/>
           </a:p>
@@ -1732,13 +1818,18 @@
     </p:spTree>
     <p:extLst>
       <p:ext uri="{BB962C8B-B14F-4D97-AF65-F5344CB8AC3E}">
-        <p14:creationId xmlns:p14="http://schemas.microsoft.com/office/powerpoint/2010/main" val="3985654056"/>
+        <p14:creationId xmlns:p14="http://schemas.microsoft.com/office/powerpoint/2010/main" val="4227790714"/>
       </p:ext>
     </p:extLst>
   </p:cSld>
   <p:clrMapOvr>
     <a:masterClrMapping/>
   </p:clrMapOvr>
+  <p:extLst>
+    <p:ext uri="{DCECCB84-F9BA-43D5-87BE-67443E8EF086}">
+      <p15:sldGuideLst xmlns:p15="http://schemas.microsoft.com/office/powerpoint/2012/main"/>
+    </p:ext>
+  </p:extLst>
 </p:sldLayout>
 </file>
 
@@ -2048,7 +2139,7 @@
           <a:p>
             <a:fld id="{14FDB235-77FE-408C-A961-74967879A6B1}" type="datetimeFigureOut">
               <a:rPr lang="zh-TW" altLang="en-US" smtClean="0"/>
-              <a:t>2021/10/7</a:t>
+              <a:t>2021/10/13</a:t>
             </a:fld>
             <a:endParaRPr lang="zh-TW" altLang="en-US"/>
           </a:p>
@@ -2099,13 +2190,18 @@
     </p:spTree>
     <p:extLst>
       <p:ext uri="{BB962C8B-B14F-4D97-AF65-F5344CB8AC3E}">
-        <p14:creationId xmlns:p14="http://schemas.microsoft.com/office/powerpoint/2010/main" val="316858696"/>
+        <p14:creationId xmlns:p14="http://schemas.microsoft.com/office/powerpoint/2010/main" val="88060985"/>
       </p:ext>
     </p:extLst>
   </p:cSld>
   <p:clrMapOvr>
     <a:masterClrMapping/>
   </p:clrMapOvr>
+  <p:extLst>
+    <p:ext uri="{DCECCB84-F9BA-43D5-87BE-67443E8EF086}">
+      <p15:sldGuideLst xmlns:p15="http://schemas.microsoft.com/office/powerpoint/2012/main"/>
+    </p:ext>
+  </p:extLst>
 </p:sldLayout>
 </file>
 
@@ -2166,7 +2262,7 @@
           <a:p>
             <a:fld id="{14FDB235-77FE-408C-A961-74967879A6B1}" type="datetimeFigureOut">
               <a:rPr lang="zh-TW" altLang="en-US" smtClean="0"/>
-              <a:t>2021/10/7</a:t>
+              <a:t>2021/10/13</a:t>
             </a:fld>
             <a:endParaRPr lang="zh-TW" altLang="en-US"/>
           </a:p>
@@ -2217,7 +2313,7 @@
     </p:spTree>
     <p:extLst>
       <p:ext uri="{BB962C8B-B14F-4D97-AF65-F5344CB8AC3E}">
-        <p14:creationId xmlns:p14="http://schemas.microsoft.com/office/powerpoint/2010/main" val="2449511266"/>
+        <p14:creationId xmlns:p14="http://schemas.microsoft.com/office/powerpoint/2010/main" val="1994214641"/>
       </p:ext>
     </p:extLst>
   </p:cSld>
@@ -2261,7 +2357,7 @@
           <a:p>
             <a:fld id="{14FDB235-77FE-408C-A961-74967879A6B1}" type="datetimeFigureOut">
               <a:rPr lang="zh-TW" altLang="en-US" smtClean="0"/>
-              <a:t>2021/10/7</a:t>
+              <a:t>2021/10/13</a:t>
             </a:fld>
             <a:endParaRPr lang="zh-TW" altLang="en-US"/>
           </a:p>
@@ -2312,7 +2408,7 @@
     </p:spTree>
     <p:extLst>
       <p:ext uri="{BB962C8B-B14F-4D97-AF65-F5344CB8AC3E}">
-        <p14:creationId xmlns:p14="http://schemas.microsoft.com/office/powerpoint/2010/main" val="1398147013"/>
+        <p14:creationId xmlns:p14="http://schemas.microsoft.com/office/powerpoint/2010/main" val="688504195"/>
       </p:ext>
     </p:extLst>
   </p:cSld>
@@ -2538,7 +2634,7 @@
           <a:p>
             <a:fld id="{14FDB235-77FE-408C-A961-74967879A6B1}" type="datetimeFigureOut">
               <a:rPr lang="zh-TW" altLang="en-US" smtClean="0"/>
-              <a:t>2021/10/7</a:t>
+              <a:t>2021/10/13</a:t>
             </a:fld>
             <a:endParaRPr lang="zh-TW" altLang="en-US"/>
           </a:p>
@@ -2589,13 +2685,18 @@
     </p:spTree>
     <p:extLst>
       <p:ext uri="{BB962C8B-B14F-4D97-AF65-F5344CB8AC3E}">
-        <p14:creationId xmlns:p14="http://schemas.microsoft.com/office/powerpoint/2010/main" val="2987539174"/>
+        <p14:creationId xmlns:p14="http://schemas.microsoft.com/office/powerpoint/2010/main" val="2958012305"/>
       </p:ext>
     </p:extLst>
   </p:cSld>
   <p:clrMapOvr>
     <a:masterClrMapping/>
   </p:clrMapOvr>
+  <p:extLst>
+    <p:ext uri="{DCECCB84-F9BA-43D5-87BE-67443E8EF086}">
+      <p15:sldGuideLst xmlns:p15="http://schemas.microsoft.com/office/powerpoint/2012/main"/>
+    </p:ext>
+  </p:extLst>
 </p:sldLayout>
 </file>
 
@@ -2791,7 +2892,7 @@
           <a:p>
             <a:fld id="{14FDB235-77FE-408C-A961-74967879A6B1}" type="datetimeFigureOut">
               <a:rPr lang="zh-TW" altLang="en-US" smtClean="0"/>
-              <a:t>2021/10/7</a:t>
+              <a:t>2021/10/13</a:t>
             </a:fld>
             <a:endParaRPr lang="zh-TW" altLang="en-US"/>
           </a:p>
@@ -2812,7 +2913,7 @@
           <a:bodyPr/>
           <a:lstStyle/>
           <a:p>
-            <a:endParaRPr lang="zh-TW" altLang="en-US"/>
+            <a:endParaRPr lang="en-US" dirty="0"/>
           </a:p>
         </p:txBody>
       </p:sp>
@@ -2842,7 +2943,7 @@
     </p:spTree>
     <p:extLst>
       <p:ext uri="{BB962C8B-B14F-4D97-AF65-F5344CB8AC3E}">
-        <p14:creationId xmlns:p14="http://schemas.microsoft.com/office/powerpoint/2010/main" val="730725050"/>
+        <p14:creationId xmlns:p14="http://schemas.microsoft.com/office/powerpoint/2010/main" val="1968184441"/>
       </p:ext>
     </p:extLst>
   </p:cSld>
@@ -3004,7 +3105,7 @@
           <a:p>
             <a:fld id="{14FDB235-77FE-408C-A961-74967879A6B1}" type="datetimeFigureOut">
               <a:rPr lang="zh-TW" altLang="en-US" smtClean="0"/>
-              <a:t>2021/10/7</a:t>
+              <a:t>2021/10/13</a:t>
             </a:fld>
             <a:endParaRPr lang="zh-TW" altLang="en-US"/>
           </a:p>
@@ -3091,23 +3192,23 @@
     </p:spTree>
     <p:extLst>
       <p:ext uri="{BB962C8B-B14F-4D97-AF65-F5344CB8AC3E}">
-        <p14:creationId xmlns:p14="http://schemas.microsoft.com/office/powerpoint/2010/main" val="397112217"/>
+        <p14:creationId xmlns:p14="http://schemas.microsoft.com/office/powerpoint/2010/main" val="990363793"/>
       </p:ext>
     </p:extLst>
   </p:cSld>
   <p:clrMap bg1="lt1" tx1="dk1" bg2="lt2" tx2="dk2" accent1="accent1" accent2="accent2" accent3="accent3" accent4="accent4" accent5="accent5" accent6="accent6" hlink="hlink" folHlink="folHlink"/>
   <p:sldLayoutIdLst>
-    <p:sldLayoutId id="2147483649" r:id="rId1"/>
-    <p:sldLayoutId id="2147483650" r:id="rId2"/>
-    <p:sldLayoutId id="2147483651" r:id="rId3"/>
-    <p:sldLayoutId id="2147483652" r:id="rId4"/>
-    <p:sldLayoutId id="2147483653" r:id="rId5"/>
-    <p:sldLayoutId id="2147483654" r:id="rId6"/>
-    <p:sldLayoutId id="2147483655" r:id="rId7"/>
-    <p:sldLayoutId id="2147483656" r:id="rId8"/>
-    <p:sldLayoutId id="2147483657" r:id="rId9"/>
-    <p:sldLayoutId id="2147483658" r:id="rId10"/>
-    <p:sldLayoutId id="2147483659" r:id="rId11"/>
+    <p:sldLayoutId id="2147484161" r:id="rId1"/>
+    <p:sldLayoutId id="2147484162" r:id="rId2"/>
+    <p:sldLayoutId id="2147484163" r:id="rId3"/>
+    <p:sldLayoutId id="2147484164" r:id="rId4"/>
+    <p:sldLayoutId id="2147484165" r:id="rId5"/>
+    <p:sldLayoutId id="2147484166" r:id="rId6"/>
+    <p:sldLayoutId id="2147484167" r:id="rId7"/>
+    <p:sldLayoutId id="2147484168" r:id="rId8"/>
+    <p:sldLayoutId id="2147484169" r:id="rId9"/>
+    <p:sldLayoutId id="2147484170" r:id="rId10"/>
+    <p:sldLayoutId id="2147484171" r:id="rId11"/>
   </p:sldLayoutIdLst>
   <p:txStyles>
     <p:titleStyle>
@@ -3389,6 +3490,11 @@
       </a:lvl9pPr>
     </p:otherStyle>
   </p:txStyles>
+  <p:extLst>
+    <p:ext uri="{27BBF7A9-308A-43DC-89C8-2F10F3537804}">
+      <p15:sldGuideLst xmlns:p15="http://schemas.microsoft.com/office/powerpoint/2012/main"/>
+    </p:ext>
+  </p:extLst>
 </p:sldMaster>
 </file>
 
@@ -3424,9 +3530,7 @@
             <a:avLst/>
           </a:prstGeom>
           <a:ln>
-            <a:solidFill>
-              <a:schemeClr val="bg1"/>
-            </a:solidFill>
+            <a:noFill/>
           </a:ln>
         </p:spPr>
         <p:style>
@@ -3498,8 +3602,8 @@
           </a:p>
         </p:txBody>
       </p:sp>
-      <mc:AlternateContent xmlns:mc="http://schemas.openxmlformats.org/markup-compatibility/2006" xmlns:a14="http://schemas.microsoft.com/office/drawing/2010/main">
-        <mc:Choice Requires="a14">
+      <mc:AlternateContent xmlns:mc="http://schemas.openxmlformats.org/markup-compatibility/2006">
+        <mc:Choice xmlns:a14="http://schemas.microsoft.com/office/drawing/2010/main" Requires="a14">
           <p:sp>
             <p:nvSpPr>
               <p:cNvPr id="4" name="矩形 3"/>
@@ -3514,6 +3618,12 @@
               <a:prstGeom prst="rect">
                 <a:avLst/>
               </a:prstGeom>
+              <a:solidFill>
+                <a:srgbClr val="A6D0E4"/>
+              </a:solidFill>
+              <a:ln>
+                <a:noFill/>
+              </a:ln>
             </p:spPr>
             <p:style>
               <a:lnRef idx="2">
@@ -3585,7 +3695,7 @@
             </p:txBody>
           </p:sp>
         </mc:Choice>
-        <mc:Fallback xmlns="">
+        <mc:Fallback>
           <p:sp>
             <p:nvSpPr>
               <p:cNvPr id="4" name="矩形 3"/>
@@ -3605,9 +3715,12 @@
               <a:blipFill rotWithShape="0">
                 <a:blip r:embed="rId2"/>
                 <a:stretch>
-                  <a:fillRect l="-5941"/>
+                  <a:fillRect l="-7071"/>
                 </a:stretch>
               </a:blipFill>
+              <a:ln>
+                <a:noFill/>
+              </a:ln>
             </p:spPr>
             <p:txBody>
               <a:bodyPr/>
@@ -3624,8 +3737,8 @@
           </p:sp>
         </mc:Fallback>
       </mc:AlternateContent>
-      <mc:AlternateContent xmlns:mc="http://schemas.openxmlformats.org/markup-compatibility/2006" xmlns:a14="http://schemas.microsoft.com/office/drawing/2010/main">
-        <mc:Choice Requires="a14">
+      <mc:AlternateContent xmlns:mc="http://schemas.openxmlformats.org/markup-compatibility/2006">
+        <mc:Choice xmlns:a14="http://schemas.microsoft.com/office/drawing/2010/main" Requires="a14">
           <p:sp>
             <p:nvSpPr>
               <p:cNvPr id="5" name="矩形 4"/>
@@ -3640,6 +3753,12 @@
               <a:prstGeom prst="rect">
                 <a:avLst/>
               </a:prstGeom>
+              <a:solidFill>
+                <a:srgbClr val="A6D0E4"/>
+              </a:solidFill>
+              <a:ln>
+                <a:noFill/>
+              </a:ln>
             </p:spPr>
             <p:style>
               <a:lnRef idx="2">
@@ -3711,7 +3830,7 @@
             </p:txBody>
           </p:sp>
         </mc:Choice>
-        <mc:Fallback xmlns="">
+        <mc:Fallback>
           <p:sp>
             <p:nvSpPr>
               <p:cNvPr id="5" name="矩形 4"/>
@@ -3734,6 +3853,9 @@
                   <a:fillRect/>
                 </a:stretch>
               </a:blipFill>
+              <a:ln>
+                <a:noFill/>
+              </a:ln>
             </p:spPr>
             <p:txBody>
               <a:bodyPr/>
@@ -3750,8 +3872,8 @@
           </p:sp>
         </mc:Fallback>
       </mc:AlternateContent>
-      <mc:AlternateContent xmlns:mc="http://schemas.openxmlformats.org/markup-compatibility/2006" xmlns:a14="http://schemas.microsoft.com/office/drawing/2010/main">
-        <mc:Choice Requires="a14">
+      <mc:AlternateContent xmlns:mc="http://schemas.openxmlformats.org/markup-compatibility/2006">
+        <mc:Choice xmlns:a14="http://schemas.microsoft.com/office/drawing/2010/main" Requires="a14">
           <p:sp>
             <p:nvSpPr>
               <p:cNvPr id="6" name="矩形 5"/>
@@ -3766,6 +3888,12 @@
               <a:prstGeom prst="rect">
                 <a:avLst/>
               </a:prstGeom>
+              <a:solidFill>
+                <a:srgbClr val="A6D0E4"/>
+              </a:solidFill>
+              <a:ln>
+                <a:noFill/>
+              </a:ln>
             </p:spPr>
             <p:style>
               <a:lnRef idx="2">
@@ -3837,7 +3965,7 @@
             </p:txBody>
           </p:sp>
         </mc:Choice>
-        <mc:Fallback xmlns="">
+        <mc:Fallback>
           <p:sp>
             <p:nvSpPr>
               <p:cNvPr id="6" name="矩形 5"/>
@@ -3857,9 +3985,12 @@
               <a:blipFill rotWithShape="0">
                 <a:blip r:embed="rId4"/>
                 <a:stretch>
-                  <a:fillRect l="-6931"/>
+                  <a:fillRect l="-8081"/>
                 </a:stretch>
               </a:blipFill>
+              <a:ln>
+                <a:noFill/>
+              </a:ln>
             </p:spPr>
             <p:txBody>
               <a:bodyPr/>
@@ -3893,9 +4024,9 @@
           <a:prstGeom prst="straightConnector1">
             <a:avLst/>
           </a:prstGeom>
-          <a:ln>
+          <a:ln w="38100">
             <a:solidFill>
-              <a:schemeClr val="tx1"/>
+              <a:srgbClr val="344857"/>
             </a:solidFill>
             <a:tailEnd type="triangle"/>
           </a:ln>
@@ -3932,9 +4063,9 @@
           <a:prstGeom prst="straightConnector1">
             <a:avLst/>
           </a:prstGeom>
-          <a:ln>
+          <a:ln w="38100">
             <a:solidFill>
-              <a:schemeClr val="tx1"/>
+              <a:srgbClr val="344857"/>
             </a:solidFill>
             <a:tailEnd type="triangle"/>
           </a:ln>
@@ -4137,9 +4268,7 @@
             <a:avLst/>
           </a:prstGeom>
           <a:ln>
-            <a:solidFill>
-              <a:schemeClr val="bg1"/>
-            </a:solidFill>
+            <a:noFill/>
           </a:ln>
         </p:spPr>
         <p:style>
@@ -4165,8 +4294,8 @@
           </a:p>
         </p:txBody>
       </p:sp>
-      <mc:AlternateContent xmlns:mc="http://schemas.openxmlformats.org/markup-compatibility/2006" xmlns:a14="http://schemas.microsoft.com/office/drawing/2010/main">
-        <mc:Choice Requires="a14">
+      <mc:AlternateContent xmlns:mc="http://schemas.openxmlformats.org/markup-compatibility/2006">
+        <mc:Choice xmlns:a14="http://schemas.microsoft.com/office/drawing/2010/main" Requires="a14">
           <p:sp>
             <p:nvSpPr>
               <p:cNvPr id="22" name="矩形 21"/>
@@ -4181,6 +4310,12 @@
               <a:prstGeom prst="rect">
                 <a:avLst/>
               </a:prstGeom>
+              <a:solidFill>
+                <a:srgbClr val="FFECDA"/>
+              </a:solidFill>
+              <a:ln>
+                <a:noFill/>
+              </a:ln>
             </p:spPr>
             <p:style>
               <a:lnRef idx="2">
@@ -4252,7 +4387,7 @@
             </p:txBody>
           </p:sp>
         </mc:Choice>
-        <mc:Fallback xmlns="">
+        <mc:Fallback>
           <p:sp>
             <p:nvSpPr>
               <p:cNvPr id="22" name="矩形 21"/>
@@ -4272,9 +4407,12 @@
               <a:blipFill rotWithShape="0">
                 <a:blip r:embed="rId7"/>
                 <a:stretch>
-                  <a:fillRect l="-6931"/>
+                  <a:fillRect l="-8081"/>
                 </a:stretch>
               </a:blipFill>
+              <a:ln>
+                <a:noFill/>
+              </a:ln>
             </p:spPr>
             <p:txBody>
               <a:bodyPr/>
@@ -4291,8 +4429,8 @@
           </p:sp>
         </mc:Fallback>
       </mc:AlternateContent>
-      <mc:AlternateContent xmlns:mc="http://schemas.openxmlformats.org/markup-compatibility/2006" xmlns:a14="http://schemas.microsoft.com/office/drawing/2010/main">
-        <mc:Choice Requires="a14">
+      <mc:AlternateContent xmlns:mc="http://schemas.openxmlformats.org/markup-compatibility/2006">
+        <mc:Choice xmlns:a14="http://schemas.microsoft.com/office/drawing/2010/main" Requires="a14">
           <p:sp>
             <p:nvSpPr>
               <p:cNvPr id="23" name="矩形 22"/>
@@ -4307,6 +4445,12 @@
               <a:prstGeom prst="rect">
                 <a:avLst/>
               </a:prstGeom>
+              <a:solidFill>
+                <a:srgbClr val="FFECDA"/>
+              </a:solidFill>
+              <a:ln>
+                <a:noFill/>
+              </a:ln>
             </p:spPr>
             <p:style>
               <a:lnRef idx="2">
@@ -4378,7 +4522,7 @@
             </p:txBody>
           </p:sp>
         </mc:Choice>
-        <mc:Fallback xmlns="">
+        <mc:Fallback>
           <p:sp>
             <p:nvSpPr>
               <p:cNvPr id="23" name="矩形 22"/>
@@ -4401,6 +4545,9 @@
                   <a:fillRect/>
                 </a:stretch>
               </a:blipFill>
+              <a:ln>
+                <a:noFill/>
+              </a:ln>
             </p:spPr>
             <p:txBody>
               <a:bodyPr/>
@@ -4417,8 +4564,8 @@
           </p:sp>
         </mc:Fallback>
       </mc:AlternateContent>
-      <mc:AlternateContent xmlns:mc="http://schemas.openxmlformats.org/markup-compatibility/2006" xmlns:a14="http://schemas.microsoft.com/office/drawing/2010/main">
-        <mc:Choice Requires="a14">
+      <mc:AlternateContent xmlns:mc="http://schemas.openxmlformats.org/markup-compatibility/2006">
+        <mc:Choice xmlns:a14="http://schemas.microsoft.com/office/drawing/2010/main" Requires="a14">
           <p:sp>
             <p:nvSpPr>
               <p:cNvPr id="24" name="矩形 23"/>
@@ -4433,6 +4580,12 @@
               <a:prstGeom prst="rect">
                 <a:avLst/>
               </a:prstGeom>
+              <a:solidFill>
+                <a:srgbClr val="FFECDA"/>
+              </a:solidFill>
+              <a:ln>
+                <a:noFill/>
+              </a:ln>
             </p:spPr>
             <p:style>
               <a:lnRef idx="2">
@@ -4504,7 +4657,7 @@
             </p:txBody>
           </p:sp>
         </mc:Choice>
-        <mc:Fallback xmlns="">
+        <mc:Fallback>
           <p:sp>
             <p:nvSpPr>
               <p:cNvPr id="24" name="矩形 23"/>
@@ -4524,9 +4677,12 @@
               <a:blipFill rotWithShape="0">
                 <a:blip r:embed="rId9"/>
                 <a:stretch>
-                  <a:fillRect l="-5882"/>
+                  <a:fillRect l="-7000"/>
                 </a:stretch>
               </a:blipFill>
+              <a:ln>
+                <a:noFill/>
+              </a:ln>
             </p:spPr>
             <p:txBody>
               <a:bodyPr/>
@@ -4560,9 +4716,9 @@
           <a:prstGeom prst="straightConnector1">
             <a:avLst/>
           </a:prstGeom>
-          <a:ln>
+          <a:ln w="38100">
             <a:solidFill>
-              <a:schemeClr val="tx1"/>
+              <a:srgbClr val="344857"/>
             </a:solidFill>
             <a:tailEnd type="triangle"/>
           </a:ln>
@@ -4599,9 +4755,9 @@
           <a:prstGeom prst="straightConnector1">
             <a:avLst/>
           </a:prstGeom>
-          <a:ln>
+          <a:ln w="38100">
             <a:solidFill>
-              <a:schemeClr val="tx1"/>
+              <a:srgbClr val="344857"/>
             </a:solidFill>
             <a:tailEnd type="triangle"/>
           </a:ln>
@@ -4789,8 +4945,8 @@
           </p:sp>
         </mc:Fallback>
       </mc:AlternateContent>
-      <mc:AlternateContent xmlns:mc="http://schemas.openxmlformats.org/markup-compatibility/2006" xmlns:a14="http://schemas.microsoft.com/office/drawing/2010/main">
-        <mc:Choice Requires="a14">
+      <mc:AlternateContent xmlns:mc="http://schemas.openxmlformats.org/markup-compatibility/2006">
+        <mc:Choice xmlns:a14="http://schemas.microsoft.com/office/drawing/2010/main" Requires="a14">
           <p:sp>
             <p:nvSpPr>
               <p:cNvPr id="29" name="矩形 28"/>
@@ -4805,6 +4961,12 @@
               <a:prstGeom prst="rect">
                 <a:avLst/>
               </a:prstGeom>
+              <a:solidFill>
+                <a:srgbClr val="A6D0E4"/>
+              </a:solidFill>
+              <a:ln>
+                <a:noFill/>
+              </a:ln>
             </p:spPr>
             <p:style>
               <a:lnRef idx="2">
@@ -4876,7 +5038,7 @@
             </p:txBody>
           </p:sp>
         </mc:Choice>
-        <mc:Fallback xmlns="">
+        <mc:Fallback>
           <p:sp>
             <p:nvSpPr>
               <p:cNvPr id="29" name="矩形 28"/>
@@ -4896,9 +5058,12 @@
               <a:blipFill rotWithShape="0">
                 <a:blip r:embed="rId12"/>
                 <a:stretch>
-                  <a:fillRect l="-6931"/>
+                  <a:fillRect l="-8081"/>
                 </a:stretch>
               </a:blipFill>
+              <a:ln>
+                <a:noFill/>
+              </a:ln>
             </p:spPr>
             <p:txBody>
               <a:bodyPr/>
@@ -4915,8 +5080,8 @@
           </p:sp>
         </mc:Fallback>
       </mc:AlternateContent>
-      <mc:AlternateContent xmlns:mc="http://schemas.openxmlformats.org/markup-compatibility/2006" xmlns:a14="http://schemas.microsoft.com/office/drawing/2010/main">
-        <mc:Choice Requires="a14">
+      <mc:AlternateContent xmlns:mc="http://schemas.openxmlformats.org/markup-compatibility/2006">
+        <mc:Choice xmlns:a14="http://schemas.microsoft.com/office/drawing/2010/main" Requires="a14">
           <p:sp>
             <p:nvSpPr>
               <p:cNvPr id="30" name="矩形 29"/>
@@ -4931,6 +5096,12 @@
               <a:prstGeom prst="rect">
                 <a:avLst/>
               </a:prstGeom>
+              <a:solidFill>
+                <a:srgbClr val="A6D0E4"/>
+              </a:solidFill>
+              <a:ln>
+                <a:noFill/>
+              </a:ln>
             </p:spPr>
             <p:style>
               <a:lnRef idx="2">
@@ -5002,7 +5173,7 @@
             </p:txBody>
           </p:sp>
         </mc:Choice>
-        <mc:Fallback xmlns="">
+        <mc:Fallback>
           <p:sp>
             <p:nvSpPr>
               <p:cNvPr id="30" name="矩形 29"/>
@@ -5025,6 +5196,9 @@
                   <a:fillRect/>
                 </a:stretch>
               </a:blipFill>
+              <a:ln>
+                <a:noFill/>
+              </a:ln>
             </p:spPr>
             <p:txBody>
               <a:bodyPr/>
@@ -5041,8 +5215,8 @@
           </p:sp>
         </mc:Fallback>
       </mc:AlternateContent>
-      <mc:AlternateContent xmlns:mc="http://schemas.openxmlformats.org/markup-compatibility/2006" xmlns:a14="http://schemas.microsoft.com/office/drawing/2010/main">
-        <mc:Choice Requires="a14">
+      <mc:AlternateContent xmlns:mc="http://schemas.openxmlformats.org/markup-compatibility/2006">
+        <mc:Choice xmlns:a14="http://schemas.microsoft.com/office/drawing/2010/main" Requires="a14">
           <p:sp>
             <p:nvSpPr>
               <p:cNvPr id="31" name="矩形 30"/>
@@ -5057,6 +5231,12 @@
               <a:prstGeom prst="rect">
                 <a:avLst/>
               </a:prstGeom>
+              <a:solidFill>
+                <a:srgbClr val="A6D0E4"/>
+              </a:solidFill>
+              <a:ln>
+                <a:noFill/>
+              </a:ln>
             </p:spPr>
             <p:style>
               <a:lnRef idx="2">
@@ -5128,7 +5308,7 @@
             </p:txBody>
           </p:sp>
         </mc:Choice>
-        <mc:Fallback xmlns="">
+        <mc:Fallback>
           <p:sp>
             <p:nvSpPr>
               <p:cNvPr id="31" name="矩形 30"/>
@@ -5148,9 +5328,12 @@
               <a:blipFill rotWithShape="0">
                 <a:blip r:embed="rId14"/>
                 <a:stretch>
-                  <a:fillRect l="-5882"/>
+                  <a:fillRect l="-7000"/>
                 </a:stretch>
               </a:blipFill>
+              <a:ln>
+                <a:noFill/>
+              </a:ln>
             </p:spPr>
             <p:txBody>
               <a:bodyPr/>
@@ -5184,9 +5367,9 @@
           <a:prstGeom prst="straightConnector1">
             <a:avLst/>
           </a:prstGeom>
-          <a:ln>
+          <a:ln w="38100">
             <a:solidFill>
-              <a:schemeClr val="tx1"/>
+              <a:srgbClr val="344857"/>
             </a:solidFill>
             <a:tailEnd type="triangle"/>
           </a:ln>
@@ -5223,9 +5406,9 @@
           <a:prstGeom prst="straightConnector1">
             <a:avLst/>
           </a:prstGeom>
-          <a:ln>
+          <a:ln w="38100">
             <a:solidFill>
-              <a:schemeClr val="tx1"/>
+              <a:srgbClr val="344857"/>
             </a:solidFill>
             <a:tailEnd type="triangle"/>
           </a:ln>
@@ -5262,9 +5445,9 @@
           <a:prstGeom prst="straightConnector1">
             <a:avLst/>
           </a:prstGeom>
-          <a:ln>
+          <a:ln w="38100">
             <a:solidFill>
-              <a:schemeClr val="tx1"/>
+              <a:srgbClr val="344857"/>
             </a:solidFill>
             <a:tailEnd type="triangle"/>
           </a:ln>
@@ -5536,8 +5719,8 @@
           </p:sp>
         </mc:Fallback>
       </mc:AlternateContent>
-      <mc:AlternateContent xmlns:mc="http://schemas.openxmlformats.org/markup-compatibility/2006" xmlns:a14="http://schemas.microsoft.com/office/drawing/2010/main">
-        <mc:Choice Requires="a14">
+      <mc:AlternateContent xmlns:mc="http://schemas.openxmlformats.org/markup-compatibility/2006">
+        <mc:Choice xmlns:a14="http://schemas.microsoft.com/office/drawing/2010/main" Requires="a14">
           <p:sp>
             <p:nvSpPr>
               <p:cNvPr id="48" name="矩形 47"/>
@@ -5552,6 +5735,12 @@
               <a:prstGeom prst="rect">
                 <a:avLst/>
               </a:prstGeom>
+              <a:solidFill>
+                <a:srgbClr val="FFECDA"/>
+              </a:solidFill>
+              <a:ln>
+                <a:noFill/>
+              </a:ln>
             </p:spPr>
             <p:style>
               <a:lnRef idx="2">
@@ -5623,7 +5812,7 @@
             </p:txBody>
           </p:sp>
         </mc:Choice>
-        <mc:Fallback xmlns="">
+        <mc:Fallback>
           <p:sp>
             <p:nvSpPr>
               <p:cNvPr id="48" name="矩形 47"/>
@@ -5643,9 +5832,12 @@
               <a:blipFill rotWithShape="0">
                 <a:blip r:embed="rId18"/>
                 <a:stretch>
-                  <a:fillRect l="-6931"/>
+                  <a:fillRect l="-8081"/>
                 </a:stretch>
               </a:blipFill>
+              <a:ln>
+                <a:noFill/>
+              </a:ln>
             </p:spPr>
             <p:txBody>
               <a:bodyPr/>
@@ -5662,8 +5854,8 @@
           </p:sp>
         </mc:Fallback>
       </mc:AlternateContent>
-      <mc:AlternateContent xmlns:mc="http://schemas.openxmlformats.org/markup-compatibility/2006" xmlns:a14="http://schemas.microsoft.com/office/drawing/2010/main">
-        <mc:Choice Requires="a14">
+      <mc:AlternateContent xmlns:mc="http://schemas.openxmlformats.org/markup-compatibility/2006">
+        <mc:Choice xmlns:a14="http://schemas.microsoft.com/office/drawing/2010/main" Requires="a14">
           <p:sp>
             <p:nvSpPr>
               <p:cNvPr id="49" name="矩形 48"/>
@@ -5678,6 +5870,12 @@
               <a:prstGeom prst="rect">
                 <a:avLst/>
               </a:prstGeom>
+              <a:solidFill>
+                <a:srgbClr val="FFECDA"/>
+              </a:solidFill>
+              <a:ln>
+                <a:noFill/>
+              </a:ln>
             </p:spPr>
             <p:style>
               <a:lnRef idx="2">
@@ -5749,7 +5947,7 @@
             </p:txBody>
           </p:sp>
         </mc:Choice>
-        <mc:Fallback xmlns="">
+        <mc:Fallback>
           <p:sp>
             <p:nvSpPr>
               <p:cNvPr id="49" name="矩形 48"/>
@@ -5772,6 +5970,9 @@
                   <a:fillRect/>
                 </a:stretch>
               </a:blipFill>
+              <a:ln>
+                <a:noFill/>
+              </a:ln>
             </p:spPr>
             <p:txBody>
               <a:bodyPr/>
@@ -5788,8 +5989,8 @@
           </p:sp>
         </mc:Fallback>
       </mc:AlternateContent>
-      <mc:AlternateContent xmlns:mc="http://schemas.openxmlformats.org/markup-compatibility/2006" xmlns:a14="http://schemas.microsoft.com/office/drawing/2010/main">
-        <mc:Choice Requires="a14">
+      <mc:AlternateContent xmlns:mc="http://schemas.openxmlformats.org/markup-compatibility/2006">
+        <mc:Choice xmlns:a14="http://schemas.microsoft.com/office/drawing/2010/main" Requires="a14">
           <p:sp>
             <p:nvSpPr>
               <p:cNvPr id="50" name="矩形 49"/>
@@ -5804,6 +6005,12 @@
               <a:prstGeom prst="rect">
                 <a:avLst/>
               </a:prstGeom>
+              <a:solidFill>
+                <a:srgbClr val="FFECDA"/>
+              </a:solidFill>
+              <a:ln>
+                <a:noFill/>
+              </a:ln>
             </p:spPr>
             <p:style>
               <a:lnRef idx="2">
@@ -5875,7 +6082,7 @@
             </p:txBody>
           </p:sp>
         </mc:Choice>
-        <mc:Fallback xmlns="">
+        <mc:Fallback>
           <p:sp>
             <p:nvSpPr>
               <p:cNvPr id="50" name="矩形 49"/>
@@ -5895,9 +6102,12 @@
               <a:blipFill rotWithShape="0">
                 <a:blip r:embed="rId20"/>
                 <a:stretch>
-                  <a:fillRect l="-6931"/>
+                  <a:fillRect l="-8081"/>
                 </a:stretch>
               </a:blipFill>
+              <a:ln>
+                <a:noFill/>
+              </a:ln>
             </p:spPr>
             <p:txBody>
               <a:bodyPr/>
@@ -5931,9 +6141,9 @@
           <a:prstGeom prst="straightConnector1">
             <a:avLst/>
           </a:prstGeom>
-          <a:ln>
+          <a:ln w="38100">
             <a:solidFill>
-              <a:schemeClr val="tx1"/>
+              <a:srgbClr val="344857"/>
             </a:solidFill>
             <a:tailEnd type="triangle"/>
           </a:ln>
@@ -5970,9 +6180,9 @@
           <a:prstGeom prst="straightConnector1">
             <a:avLst/>
           </a:prstGeom>
-          <a:ln>
+          <a:ln w="38100">
             <a:solidFill>
-              <a:schemeClr val="tx1"/>
+              <a:srgbClr val="344857"/>
             </a:solidFill>
             <a:tailEnd type="triangle"/>
           </a:ln>
@@ -6160,8 +6370,8 @@
           </p:sp>
         </mc:Fallback>
       </mc:AlternateContent>
-      <mc:AlternateContent xmlns:mc="http://schemas.openxmlformats.org/markup-compatibility/2006" xmlns:a14="http://schemas.microsoft.com/office/drawing/2010/main">
-        <mc:Choice Requires="a14">
+      <mc:AlternateContent xmlns:mc="http://schemas.openxmlformats.org/markup-compatibility/2006">
+        <mc:Choice xmlns:a14="http://schemas.microsoft.com/office/drawing/2010/main" Requires="a14">
           <p:sp>
             <p:nvSpPr>
               <p:cNvPr id="55" name="矩形 54"/>
@@ -6176,6 +6386,12 @@
               <a:prstGeom prst="rect">
                 <a:avLst/>
               </a:prstGeom>
+              <a:solidFill>
+                <a:srgbClr val="A6D0E4"/>
+              </a:solidFill>
+              <a:ln>
+                <a:noFill/>
+              </a:ln>
             </p:spPr>
             <p:style>
               <a:lnRef idx="2">
@@ -6247,7 +6463,7 @@
             </p:txBody>
           </p:sp>
         </mc:Choice>
-        <mc:Fallback xmlns="">
+        <mc:Fallback>
           <p:sp>
             <p:nvSpPr>
               <p:cNvPr id="55" name="矩形 54"/>
@@ -6267,9 +6483,12 @@
               <a:blipFill rotWithShape="0">
                 <a:blip r:embed="rId23"/>
                 <a:stretch>
-                  <a:fillRect l="-2970"/>
+                  <a:fillRect l="-4040"/>
                 </a:stretch>
               </a:blipFill>
+              <a:ln>
+                <a:noFill/>
+              </a:ln>
             </p:spPr>
             <p:txBody>
               <a:bodyPr/>
@@ -6286,8 +6505,8 @@
           </p:sp>
         </mc:Fallback>
       </mc:AlternateContent>
-      <mc:AlternateContent xmlns:mc="http://schemas.openxmlformats.org/markup-compatibility/2006" xmlns:a14="http://schemas.microsoft.com/office/drawing/2010/main">
-        <mc:Choice Requires="a14">
+      <mc:AlternateContent xmlns:mc="http://schemas.openxmlformats.org/markup-compatibility/2006">
+        <mc:Choice xmlns:a14="http://schemas.microsoft.com/office/drawing/2010/main" Requires="a14">
           <p:sp>
             <p:nvSpPr>
               <p:cNvPr id="56" name="矩形 55"/>
@@ -6302,6 +6521,12 @@
               <a:prstGeom prst="rect">
                 <a:avLst/>
               </a:prstGeom>
+              <a:solidFill>
+                <a:srgbClr val="A6D0E4"/>
+              </a:solidFill>
+              <a:ln>
+                <a:noFill/>
+              </a:ln>
             </p:spPr>
             <p:style>
               <a:lnRef idx="2">
@@ -6373,7 +6598,7 @@
             </p:txBody>
           </p:sp>
         </mc:Choice>
-        <mc:Fallback xmlns="">
+        <mc:Fallback>
           <p:sp>
             <p:nvSpPr>
               <p:cNvPr id="56" name="矩形 55"/>
@@ -6396,6 +6621,9 @@
                   <a:fillRect/>
                 </a:stretch>
               </a:blipFill>
+              <a:ln>
+                <a:noFill/>
+              </a:ln>
             </p:spPr>
             <p:txBody>
               <a:bodyPr/>
@@ -6412,8 +6640,8 @@
           </p:sp>
         </mc:Fallback>
       </mc:AlternateContent>
-      <mc:AlternateContent xmlns:mc="http://schemas.openxmlformats.org/markup-compatibility/2006" xmlns:a14="http://schemas.microsoft.com/office/drawing/2010/main">
-        <mc:Choice Requires="a14">
+      <mc:AlternateContent xmlns:mc="http://schemas.openxmlformats.org/markup-compatibility/2006">
+        <mc:Choice xmlns:a14="http://schemas.microsoft.com/office/drawing/2010/main" Requires="a14">
           <p:sp>
             <p:nvSpPr>
               <p:cNvPr id="57" name="矩形 56"/>
@@ -6428,6 +6656,12 @@
               <a:prstGeom prst="rect">
                 <a:avLst/>
               </a:prstGeom>
+              <a:solidFill>
+                <a:srgbClr val="A6D0E4"/>
+              </a:solidFill>
+              <a:ln>
+                <a:noFill/>
+              </a:ln>
             </p:spPr>
             <p:style>
               <a:lnRef idx="2">
@@ -6499,7 +6733,7 @@
             </p:txBody>
           </p:sp>
         </mc:Choice>
-        <mc:Fallback xmlns="">
+        <mc:Fallback>
           <p:sp>
             <p:nvSpPr>
               <p:cNvPr id="57" name="矩形 56"/>
@@ -6519,9 +6753,12 @@
               <a:blipFill rotWithShape="0">
                 <a:blip r:embed="rId25"/>
                 <a:stretch>
-                  <a:fillRect l="-2970"/>
+                  <a:fillRect l="-4040"/>
                 </a:stretch>
               </a:blipFill>
+              <a:ln>
+                <a:noFill/>
+              </a:ln>
             </p:spPr>
             <p:txBody>
               <a:bodyPr/>
@@ -6555,9 +6792,9 @@
           <a:prstGeom prst="straightConnector1">
             <a:avLst/>
           </a:prstGeom>
-          <a:ln>
+          <a:ln w="38100">
             <a:solidFill>
-              <a:schemeClr val="tx1"/>
+              <a:srgbClr val="344857"/>
             </a:solidFill>
             <a:tailEnd type="triangle"/>
           </a:ln>
@@ -6594,9 +6831,9 @@
           <a:prstGeom prst="straightConnector1">
             <a:avLst/>
           </a:prstGeom>
-          <a:ln>
+          <a:ln w="38100">
             <a:solidFill>
-              <a:schemeClr val="tx1"/>
+              <a:srgbClr val="344857"/>
             </a:solidFill>
             <a:tailEnd type="triangle"/>
           </a:ln>
@@ -6633,9 +6870,9 @@
           <a:prstGeom prst="straightConnector1">
             <a:avLst/>
           </a:prstGeom>
-          <a:ln>
+          <a:ln w="38100">
             <a:solidFill>
-              <a:schemeClr val="tx1"/>
+              <a:srgbClr val="344857"/>
             </a:solidFill>
             <a:tailEnd type="triangle"/>
           </a:ln>
@@ -6907,8 +7144,8 @@
           </p:sp>
         </mc:Fallback>
       </mc:AlternateContent>
-      <mc:AlternateContent xmlns:mc="http://schemas.openxmlformats.org/markup-compatibility/2006" xmlns:a14="http://schemas.microsoft.com/office/drawing/2010/main">
-        <mc:Choice Requires="a14">
+      <mc:AlternateContent xmlns:mc="http://schemas.openxmlformats.org/markup-compatibility/2006">
+        <mc:Choice xmlns:a14="http://schemas.microsoft.com/office/drawing/2010/main" Requires="a14">
           <p:sp>
             <p:nvSpPr>
               <p:cNvPr id="64" name="矩形 63"/>
@@ -6923,6 +7160,12 @@
               <a:prstGeom prst="rect">
                 <a:avLst/>
               </a:prstGeom>
+              <a:solidFill>
+                <a:srgbClr val="D4A5A5"/>
+              </a:solidFill>
+              <a:ln>
+                <a:noFill/>
+              </a:ln>
             </p:spPr>
             <p:style>
               <a:lnRef idx="2">
@@ -6994,7 +7237,7 @@
             </p:txBody>
           </p:sp>
         </mc:Choice>
-        <mc:Fallback xmlns="">
+        <mc:Fallback>
           <p:sp>
             <p:nvSpPr>
               <p:cNvPr id="64" name="矩形 63"/>
@@ -7014,9 +7257,12 @@
               <a:blipFill rotWithShape="0">
                 <a:blip r:embed="rId29"/>
                 <a:stretch>
-                  <a:fillRect l="-1961"/>
+                  <a:fillRect l="-3000"/>
                 </a:stretch>
               </a:blipFill>
+              <a:ln>
+                <a:noFill/>
+              </a:ln>
             </p:spPr>
             <p:txBody>
               <a:bodyPr/>
@@ -7033,8 +7279,8 @@
           </p:sp>
         </mc:Fallback>
       </mc:AlternateContent>
-      <mc:AlternateContent xmlns:mc="http://schemas.openxmlformats.org/markup-compatibility/2006" xmlns:a14="http://schemas.microsoft.com/office/drawing/2010/main">
-        <mc:Choice Requires="a14">
+      <mc:AlternateContent xmlns:mc="http://schemas.openxmlformats.org/markup-compatibility/2006">
+        <mc:Choice xmlns:a14="http://schemas.microsoft.com/office/drawing/2010/main" Requires="a14">
           <p:sp>
             <p:nvSpPr>
               <p:cNvPr id="65" name="矩形 64"/>
@@ -7049,6 +7295,12 @@
               <a:prstGeom prst="rect">
                 <a:avLst/>
               </a:prstGeom>
+              <a:solidFill>
+                <a:srgbClr val="D4A5A5"/>
+              </a:solidFill>
+              <a:ln>
+                <a:noFill/>
+              </a:ln>
             </p:spPr>
             <p:style>
               <a:lnRef idx="2">
@@ -7120,7 +7372,7 @@
             </p:txBody>
           </p:sp>
         </mc:Choice>
-        <mc:Fallback xmlns="">
+        <mc:Fallback>
           <p:sp>
             <p:nvSpPr>
               <p:cNvPr id="65" name="矩形 64"/>
@@ -7143,6 +7395,9 @@
                   <a:fillRect/>
                 </a:stretch>
               </a:blipFill>
+              <a:ln>
+                <a:noFill/>
+              </a:ln>
             </p:spPr>
             <p:txBody>
               <a:bodyPr/>
@@ -7159,8 +7414,8 @@
           </p:sp>
         </mc:Fallback>
       </mc:AlternateContent>
-      <mc:AlternateContent xmlns:mc="http://schemas.openxmlformats.org/markup-compatibility/2006" xmlns:a14="http://schemas.microsoft.com/office/drawing/2010/main">
-        <mc:Choice Requires="a14">
+      <mc:AlternateContent xmlns:mc="http://schemas.openxmlformats.org/markup-compatibility/2006">
+        <mc:Choice xmlns:a14="http://schemas.microsoft.com/office/drawing/2010/main" Requires="a14">
           <p:sp>
             <p:nvSpPr>
               <p:cNvPr id="66" name="矩形 65"/>
@@ -7175,6 +7430,12 @@
               <a:prstGeom prst="rect">
                 <a:avLst/>
               </a:prstGeom>
+              <a:solidFill>
+                <a:srgbClr val="D4A5A5"/>
+              </a:solidFill>
+              <a:ln>
+                <a:noFill/>
+              </a:ln>
             </p:spPr>
             <p:style>
               <a:lnRef idx="2">
@@ -7246,7 +7507,7 @@
             </p:txBody>
           </p:sp>
         </mc:Choice>
-        <mc:Fallback xmlns="">
+        <mc:Fallback>
           <p:sp>
             <p:nvSpPr>
               <p:cNvPr id="66" name="矩形 65"/>
@@ -7266,9 +7527,12 @@
               <a:blipFill rotWithShape="0">
                 <a:blip r:embed="rId31"/>
                 <a:stretch>
-                  <a:fillRect l="-2970"/>
+                  <a:fillRect l="-4040"/>
                 </a:stretch>
               </a:blipFill>
+              <a:ln>
+                <a:noFill/>
+              </a:ln>
             </p:spPr>
             <p:txBody>
               <a:bodyPr/>
@@ -7302,45 +7566,9 @@
           <a:prstGeom prst="straightConnector1">
             <a:avLst/>
           </a:prstGeom>
-          <a:ln>
+          <a:ln w="38100">
             <a:solidFill>
-              <a:schemeClr val="tx1"/>
-            </a:solidFill>
-            <a:tailEnd type="triangle"/>
-          </a:ln>
-        </p:spPr>
-        <p:style>
-          <a:lnRef idx="1">
-            <a:schemeClr val="accent1"/>
-          </a:lnRef>
-          <a:fillRef idx="0">
-            <a:schemeClr val="accent1"/>
-          </a:fillRef>
-          <a:effectRef idx="0">
-            <a:schemeClr val="accent1"/>
-          </a:effectRef>
-          <a:fontRef idx="minor">
-            <a:schemeClr val="tx1"/>
-          </a:fontRef>
-        </p:style>
-      </p:cxnSp>
-      <p:cxnSp>
-        <p:nvCxnSpPr>
-          <p:cNvPr id="70" name="直線單箭頭接點 69"/>
-          <p:cNvCxnSpPr/>
-          <p:nvPr/>
-        </p:nvCxnSpPr>
-        <p:spPr>
-          <a:xfrm>
-            <a:off x="1892719" y="4646227"/>
-            <a:ext cx="0" cy="484212"/>
-          </a:xfrm>
-          <a:prstGeom prst="straightConnector1">
-            <a:avLst/>
-          </a:prstGeom>
-          <a:ln>
-            <a:solidFill>
-              <a:schemeClr val="tx1"/>
+              <a:srgbClr val="344857"/>
             </a:solidFill>
             <a:tailEnd type="triangle"/>
           </a:ln>
@@ -7377,9 +7605,9 @@
           <a:prstGeom prst="straightConnector1">
             <a:avLst/>
           </a:prstGeom>
-          <a:ln>
+          <a:ln w="38100">
             <a:solidFill>
-              <a:schemeClr val="tx1"/>
+              <a:srgbClr val="344857"/>
             </a:solidFill>
             <a:tailEnd type="triangle"/>
           </a:ln>
@@ -7416,9 +7644,9 @@
           <a:prstGeom prst="straightConnector1">
             <a:avLst/>
           </a:prstGeom>
-          <a:ln>
+          <a:ln w="38100">
             <a:solidFill>
-              <a:schemeClr val="tx1"/>
+              <a:srgbClr val="344857"/>
             </a:solidFill>
             <a:tailEnd type="triangle"/>
           </a:ln>
@@ -7700,6 +7928,13 @@
   <p:clrMapOvr>
     <a:masterClrMapping/>
   </p:clrMapOvr>
+  <p:timing>
+    <p:tnLst>
+      <p:par>
+        <p:cTn id="1" dur="indefinite" restart="never" nodeType="tmRoot"/>
+      </p:par>
+    </p:tnLst>
+  </p:timing>
 </p:sld>
 </file>
 
@@ -7728,8 +7963,8 @@
         </p:nvSpPr>
         <p:spPr>
           <a:xfrm>
-            <a:off x="3219449" y="933450"/>
-            <a:ext cx="6353175" cy="3267074"/>
+            <a:off x="1498295" y="856332"/>
+            <a:ext cx="6939592" cy="3267074"/>
           </a:xfrm>
           <a:prstGeom prst="rect">
             <a:avLst/>
@@ -7765,18 +8000,25 @@
       </p:sp>
       <p:sp>
         <p:nvSpPr>
-          <p:cNvPr id="45" name="矩形 44"/>
+          <p:cNvPr id="24" name="矩形 23"/>
           <p:cNvSpPr/>
           <p:nvPr/>
         </p:nvSpPr>
         <p:spPr>
           <a:xfrm>
-            <a:off x="4645845" y="2209800"/>
-            <a:ext cx="4212406" cy="914400"/>
+            <a:off x="1666160" y="2129364"/>
+            <a:ext cx="1375254" cy="914400"/>
           </a:xfrm>
           <a:prstGeom prst="rect">
             <a:avLst/>
           </a:prstGeom>
+          <a:solidFill>
+            <a:srgbClr val="FFECDA"/>
+          </a:solidFill>
+          <a:ln w="38100">
+            <a:noFill/>
+            <a:prstDash val="dash"/>
+          </a:ln>
         </p:spPr>
         <p:style>
           <a:lnRef idx="2">
@@ -7801,8 +8043,53 @@
           </a:p>
         </p:txBody>
       </p:sp>
-      <mc:AlternateContent xmlns:mc="http://schemas.openxmlformats.org/markup-compatibility/2006" xmlns:a14="http://schemas.microsoft.com/office/drawing/2010/main">
-        <mc:Choice Requires="a14">
+      <p:sp>
+        <p:nvSpPr>
+          <p:cNvPr id="45" name="矩形 44"/>
+          <p:cNvSpPr/>
+          <p:nvPr/>
+        </p:nvSpPr>
+        <p:spPr>
+          <a:xfrm>
+            <a:off x="3511107" y="2132682"/>
+            <a:ext cx="4212406" cy="914400"/>
+          </a:xfrm>
+          <a:prstGeom prst="rect">
+            <a:avLst/>
+          </a:prstGeom>
+          <a:solidFill>
+            <a:srgbClr val="FFECDA"/>
+          </a:solidFill>
+          <a:ln w="38100">
+            <a:noFill/>
+            <a:prstDash val="dash"/>
+          </a:ln>
+        </p:spPr>
+        <p:style>
+          <a:lnRef idx="2">
+            <a:schemeClr val="dk1"/>
+          </a:lnRef>
+          <a:fillRef idx="1">
+            <a:schemeClr val="lt1"/>
+          </a:fillRef>
+          <a:effectRef idx="0">
+            <a:schemeClr val="dk1"/>
+          </a:effectRef>
+          <a:fontRef idx="minor">
+            <a:schemeClr val="dk1"/>
+          </a:fontRef>
+        </p:style>
+        <p:txBody>
+          <a:bodyPr rtlCol="0" anchor="ctr"/>
+          <a:lstStyle/>
+          <a:p>
+            <a:pPr algn="ctr"/>
+            <a:endParaRPr lang="zh-TW" altLang="en-US" dirty="0"/>
+          </a:p>
+        </p:txBody>
+      </p:sp>
+      <mc:AlternateContent xmlns:mc="http://schemas.openxmlformats.org/markup-compatibility/2006">
+        <mc:Choice xmlns:a14="http://schemas.microsoft.com/office/drawing/2010/main" Requires="a14">
           <p:sp>
             <p:nvSpPr>
               <p:cNvPr id="32" name="矩形 31"/>
@@ -7811,12 +8098,20 @@
             </p:nvSpPr>
             <p:spPr>
               <a:xfrm>
-                <a:off x="3413443" y="2382431"/>
+                <a:off x="2278705" y="2305313"/>
                 <a:ext cx="605927" cy="562508"/>
               </a:xfrm>
               <a:prstGeom prst="rect">
                 <a:avLst/>
               </a:prstGeom>
+              <a:solidFill>
+                <a:srgbClr val="FFECDA"/>
+              </a:solidFill>
+              <a:ln w="38100">
+                <a:solidFill>
+                  <a:srgbClr val="FFB6B9"/>
+                </a:solidFill>
+              </a:ln>
             </p:spPr>
             <p:style>
               <a:lnRef idx="2">
@@ -7888,7 +8183,7 @@
             </p:txBody>
           </p:sp>
         </mc:Choice>
-        <mc:Fallback xmlns="">
+        <mc:Fallback>
           <p:sp>
             <p:nvSpPr>
               <p:cNvPr id="32" name="矩形 31"/>
@@ -7899,7 +8194,7 @@
             </p:nvSpPr>
             <p:spPr>
               <a:xfrm>
-                <a:off x="3413443" y="2382431"/>
+                <a:off x="2278705" y="2305313"/>
                 <a:ext cx="605927" cy="562508"/>
               </a:xfrm>
               <a:prstGeom prst="rect">
@@ -7908,9 +8203,14 @@
               <a:blipFill rotWithShape="0">
                 <a:blip r:embed="rId2"/>
                 <a:stretch>
-                  <a:fillRect l="-6931"/>
+                  <a:fillRect l="-4762"/>
                 </a:stretch>
               </a:blipFill>
+              <a:ln w="38100">
+                <a:solidFill>
+                  <a:srgbClr val="FFB6B9"/>
+                </a:solidFill>
+              </a:ln>
             </p:spPr>
             <p:txBody>
               <a:bodyPr/>
@@ -7927,8 +8227,8 @@
           </p:sp>
         </mc:Fallback>
       </mc:AlternateContent>
-      <mc:AlternateContent xmlns:mc="http://schemas.openxmlformats.org/markup-compatibility/2006" xmlns:a14="http://schemas.microsoft.com/office/drawing/2010/main">
-        <mc:Choice Requires="a14">
+      <mc:AlternateContent xmlns:mc="http://schemas.openxmlformats.org/markup-compatibility/2006">
+        <mc:Choice xmlns:a14="http://schemas.microsoft.com/office/drawing/2010/main" Requires="a14">
           <p:sp>
             <p:nvSpPr>
               <p:cNvPr id="33" name="矩形 32"/>
@@ -7937,12 +8237,20 @@
             </p:nvSpPr>
             <p:spPr>
               <a:xfrm>
-                <a:off x="5033551" y="2383344"/>
+                <a:off x="3898813" y="2306226"/>
                 <a:ext cx="1252949" cy="562508"/>
               </a:xfrm>
               <a:prstGeom prst="rect">
                 <a:avLst/>
               </a:prstGeom>
+              <a:solidFill>
+                <a:srgbClr val="FFECDA"/>
+              </a:solidFill>
+              <a:ln w="38100">
+                <a:solidFill>
+                  <a:srgbClr val="FFB6B9"/>
+                </a:solidFill>
+              </a:ln>
             </p:spPr>
             <p:style>
               <a:lnRef idx="2">
@@ -8112,7 +8420,7 @@
             </p:txBody>
           </p:sp>
         </mc:Choice>
-        <mc:Fallback xmlns="">
+        <mc:Fallback>
           <p:sp>
             <p:nvSpPr>
               <p:cNvPr id="33" name="矩形 32"/>
@@ -8123,7 +8431,7 @@
             </p:nvSpPr>
             <p:spPr>
               <a:xfrm>
-                <a:off x="5033551" y="2383344"/>
+                <a:off x="3898813" y="2306226"/>
                 <a:ext cx="1252949" cy="562508"/>
               </a:xfrm>
               <a:prstGeom prst="rect">
@@ -8135,6 +8443,11 @@
                   <a:fillRect/>
                 </a:stretch>
               </a:blipFill>
+              <a:ln w="38100">
+                <a:solidFill>
+                  <a:srgbClr val="FFB6B9"/>
+                </a:solidFill>
+              </a:ln>
             </p:spPr>
             <p:txBody>
               <a:bodyPr/>
@@ -8151,8 +8464,8 @@
           </p:sp>
         </mc:Fallback>
       </mc:AlternateContent>
-      <mc:AlternateContent xmlns:mc="http://schemas.openxmlformats.org/markup-compatibility/2006" xmlns:a14="http://schemas.microsoft.com/office/drawing/2010/main">
-        <mc:Choice Requires="a14">
+      <mc:AlternateContent xmlns:mc="http://schemas.openxmlformats.org/markup-compatibility/2006">
+        <mc:Choice xmlns:a14="http://schemas.microsoft.com/office/drawing/2010/main" Requires="a14">
           <p:sp>
             <p:nvSpPr>
               <p:cNvPr id="34" name="矩形 33"/>
@@ -8161,12 +8474,18 @@
             </p:nvSpPr>
             <p:spPr>
               <a:xfrm>
-                <a:off x="5366922" y="1071521"/>
+                <a:off x="4232184" y="994403"/>
                 <a:ext cx="605927" cy="562508"/>
               </a:xfrm>
               <a:prstGeom prst="rect">
                 <a:avLst/>
               </a:prstGeom>
+              <a:solidFill>
+                <a:srgbClr val="D4A5A5"/>
+              </a:solidFill>
+              <a:ln>
+                <a:noFill/>
+              </a:ln>
             </p:spPr>
             <p:style>
               <a:lnRef idx="2">
@@ -8238,7 +8557,7 @@
             </p:txBody>
           </p:sp>
         </mc:Choice>
-        <mc:Fallback xmlns="">
+        <mc:Fallback>
           <p:sp>
             <p:nvSpPr>
               <p:cNvPr id="34" name="矩形 33"/>
@@ -8249,7 +8568,7 @@
             </p:nvSpPr>
             <p:spPr>
               <a:xfrm>
-                <a:off x="5366922" y="1071521"/>
+                <a:off x="4232184" y="994403"/>
                 <a:ext cx="605927" cy="562508"/>
               </a:xfrm>
               <a:prstGeom prst="rect">
@@ -8261,6 +8580,9 @@
                   <a:fillRect/>
                 </a:stretch>
               </a:blipFill>
+              <a:ln>
+                <a:noFill/>
+              </a:ln>
             </p:spPr>
             <p:txBody>
               <a:bodyPr/>
@@ -8288,15 +8610,15 @@
         </p:nvCxnSpPr>
         <p:spPr>
           <a:xfrm>
-            <a:off x="4019370" y="2663685"/>
+            <a:off x="2884632" y="2586567"/>
             <a:ext cx="1014181" cy="913"/>
           </a:xfrm>
           <a:prstGeom prst="straightConnector1">
             <a:avLst/>
           </a:prstGeom>
-          <a:ln>
+          <a:ln w="38100">
             <a:solidFill>
-              <a:schemeClr val="tx1"/>
+              <a:srgbClr val="344857"/>
             </a:solidFill>
             <a:tailEnd type="triangle"/>
           </a:ln>
@@ -8327,15 +8649,15 @@
         </p:nvCxnSpPr>
         <p:spPr>
           <a:xfrm flipH="1">
-            <a:off x="5660026" y="1634029"/>
+            <a:off x="4525288" y="1556911"/>
             <a:ext cx="9860" cy="749315"/>
           </a:xfrm>
           <a:prstGeom prst="straightConnector1">
             <a:avLst/>
           </a:prstGeom>
-          <a:ln>
+          <a:ln w="38100">
             <a:solidFill>
-              <a:schemeClr val="tx1"/>
+              <a:srgbClr val="344857"/>
             </a:solidFill>
             <a:tailEnd type="triangle"/>
           </a:ln>
@@ -8355,8 +8677,8 @@
           </a:fontRef>
         </p:style>
       </p:cxnSp>
-      <mc:AlternateContent xmlns:mc="http://schemas.openxmlformats.org/markup-compatibility/2006" xmlns:a14="http://schemas.microsoft.com/office/drawing/2010/main">
-        <mc:Choice Requires="a14">
+      <mc:AlternateContent xmlns:mc="http://schemas.openxmlformats.org/markup-compatibility/2006">
+        <mc:Choice xmlns:a14="http://schemas.microsoft.com/office/drawing/2010/main" Requires="a14">
           <p:sp>
             <p:nvSpPr>
               <p:cNvPr id="55" name="矩形 54"/>
@@ -8365,12 +8687,20 @@
             </p:nvSpPr>
             <p:spPr>
               <a:xfrm>
-                <a:off x="6757977" y="2383344"/>
+                <a:off x="5623239" y="2306226"/>
                 <a:ext cx="605927" cy="562508"/>
               </a:xfrm>
               <a:prstGeom prst="rect">
                 <a:avLst/>
               </a:prstGeom>
+              <a:solidFill>
+                <a:srgbClr val="FFECDA"/>
+              </a:solidFill>
+              <a:ln w="38100">
+                <a:solidFill>
+                  <a:srgbClr val="FFB6B9"/>
+                </a:solidFill>
+              </a:ln>
             </p:spPr>
             <p:style>
               <a:lnRef idx="2">
@@ -8442,7 +8772,7 @@
             </p:txBody>
           </p:sp>
         </mc:Choice>
-        <mc:Fallback xmlns="">
+        <mc:Fallback>
           <p:sp>
             <p:nvSpPr>
               <p:cNvPr id="55" name="矩形 54"/>
@@ -8453,7 +8783,7 @@
             </p:nvSpPr>
             <p:spPr>
               <a:xfrm>
-                <a:off x="6757977" y="2383344"/>
+                <a:off x="5623239" y="2306226"/>
                 <a:ext cx="605927" cy="562508"/>
               </a:xfrm>
               <a:prstGeom prst="rect">
@@ -8465,6 +8795,11 @@
                   <a:fillRect/>
                 </a:stretch>
               </a:blipFill>
+              <a:ln w="38100">
+                <a:solidFill>
+                  <a:srgbClr val="FFB6B9"/>
+                </a:solidFill>
+              </a:ln>
             </p:spPr>
             <p:txBody>
               <a:bodyPr/>
@@ -8492,15 +8827,15 @@
         </p:nvCxnSpPr>
         <p:spPr>
           <a:xfrm>
-            <a:off x="6286500" y="2664598"/>
+            <a:off x="5151762" y="2587480"/>
             <a:ext cx="471477" cy="0"/>
           </a:xfrm>
           <a:prstGeom prst="straightConnector1">
             <a:avLst/>
           </a:prstGeom>
-          <a:ln>
+          <a:ln w="38100">
             <a:solidFill>
-              <a:schemeClr val="tx1"/>
+              <a:srgbClr val="344857"/>
             </a:solidFill>
             <a:tailEnd type="triangle"/>
           </a:ln>
@@ -8520,8 +8855,8 @@
           </a:fontRef>
         </p:style>
       </p:cxnSp>
-      <mc:AlternateContent xmlns:mc="http://schemas.openxmlformats.org/markup-compatibility/2006" xmlns:a14="http://schemas.microsoft.com/office/drawing/2010/main">
-        <mc:Choice Requires="a14">
+      <mc:AlternateContent xmlns:mc="http://schemas.openxmlformats.org/markup-compatibility/2006">
+        <mc:Choice xmlns:a14="http://schemas.microsoft.com/office/drawing/2010/main" Requires="a14">
           <p:sp>
             <p:nvSpPr>
               <p:cNvPr id="61" name="矩形 60"/>
@@ -8530,12 +8865,20 @@
             </p:nvSpPr>
             <p:spPr>
               <a:xfrm>
-                <a:off x="7835381" y="2383344"/>
+                <a:off x="6700643" y="2306226"/>
                 <a:ext cx="605927" cy="562508"/>
               </a:xfrm>
               <a:prstGeom prst="rect">
                 <a:avLst/>
               </a:prstGeom>
+              <a:solidFill>
+                <a:srgbClr val="FFECDA"/>
+              </a:solidFill>
+              <a:ln w="38100">
+                <a:solidFill>
+                  <a:srgbClr val="FFB6B9"/>
+                </a:solidFill>
+              </a:ln>
             </p:spPr>
             <p:style>
               <a:lnRef idx="2">
@@ -8607,7 +8950,7 @@
             </p:txBody>
           </p:sp>
         </mc:Choice>
-        <mc:Fallback xmlns="">
+        <mc:Fallback>
           <p:sp>
             <p:nvSpPr>
               <p:cNvPr id="61" name="矩形 60"/>
@@ -8618,7 +8961,7 @@
             </p:nvSpPr>
             <p:spPr>
               <a:xfrm>
-                <a:off x="7835381" y="2383344"/>
+                <a:off x="6700643" y="2306226"/>
                 <a:ext cx="605927" cy="562508"/>
               </a:xfrm>
               <a:prstGeom prst="rect">
@@ -8630,6 +8973,11 @@
                   <a:fillRect/>
                 </a:stretch>
               </a:blipFill>
+              <a:ln w="38100">
+                <a:solidFill>
+                  <a:srgbClr val="FFB6B9"/>
+                </a:solidFill>
+              </a:ln>
             </p:spPr>
             <p:txBody>
               <a:bodyPr/>
@@ -8657,15 +9005,15 @@
         </p:nvCxnSpPr>
         <p:spPr>
           <a:xfrm>
-            <a:off x="7363904" y="2664598"/>
+            <a:off x="6229166" y="2587480"/>
             <a:ext cx="471477" cy="0"/>
           </a:xfrm>
           <a:prstGeom prst="straightConnector1">
             <a:avLst/>
           </a:prstGeom>
-          <a:ln>
+          <a:ln w="38100">
             <a:solidFill>
-              <a:schemeClr val="tx1"/>
+              <a:srgbClr val="344857"/>
             </a:solidFill>
             <a:tailEnd type="triangle"/>
           </a:ln>
@@ -8685,8 +9033,8 @@
           </a:fontRef>
         </p:style>
       </p:cxnSp>
-      <mc:AlternateContent xmlns:mc="http://schemas.openxmlformats.org/markup-compatibility/2006" xmlns:a14="http://schemas.microsoft.com/office/drawing/2010/main">
-        <mc:Choice Requires="a14">
+      <mc:AlternateContent xmlns:mc="http://schemas.openxmlformats.org/markup-compatibility/2006">
+        <mc:Choice xmlns:a14="http://schemas.microsoft.com/office/drawing/2010/main" Requires="a14">
           <p:sp>
             <p:nvSpPr>
               <p:cNvPr id="75" name="矩形 74"/>
@@ -8695,12 +9043,18 @@
             </p:nvSpPr>
             <p:spPr>
               <a:xfrm>
-                <a:off x="6219274" y="3578998"/>
+                <a:off x="5084536" y="3501880"/>
                 <a:ext cx="605927" cy="562508"/>
               </a:xfrm>
               <a:prstGeom prst="rect">
                 <a:avLst/>
               </a:prstGeom>
+              <a:solidFill>
+                <a:srgbClr val="A6D0E4"/>
+              </a:solidFill>
+              <a:ln>
+                <a:noFill/>
+              </a:ln>
             </p:spPr>
             <p:style>
               <a:lnRef idx="2">
@@ -8772,7 +9126,7 @@
             </p:txBody>
           </p:sp>
         </mc:Choice>
-        <mc:Fallback xmlns="">
+        <mc:Fallback>
           <p:sp>
             <p:nvSpPr>
               <p:cNvPr id="75" name="矩形 74"/>
@@ -8783,7 +9137,7 @@
             </p:nvSpPr>
             <p:spPr>
               <a:xfrm>
-                <a:off x="6219274" y="3578998"/>
+                <a:off x="5084536" y="3501880"/>
                 <a:ext cx="605927" cy="562508"/>
               </a:xfrm>
               <a:prstGeom prst="rect">
@@ -8795,6 +9149,9 @@
                   <a:fillRect/>
                 </a:stretch>
               </a:blipFill>
+              <a:ln>
+                <a:noFill/>
+              </a:ln>
             </p:spPr>
             <p:txBody>
               <a:bodyPr/>
@@ -8821,15 +9178,15 @@
         </p:nvCxnSpPr>
         <p:spPr>
           <a:xfrm flipV="1">
-            <a:off x="8441308" y="2663685"/>
+            <a:off x="7306570" y="2586567"/>
             <a:ext cx="888420" cy="913"/>
           </a:xfrm>
           <a:prstGeom prst="straightConnector1">
             <a:avLst/>
           </a:prstGeom>
-          <a:ln>
+          <a:ln w="38100">
             <a:solidFill>
-              <a:schemeClr val="tx1"/>
+              <a:srgbClr val="344857"/>
             </a:solidFill>
             <a:tailEnd type="triangle"/>
           </a:ln>
@@ -8861,15 +9218,18 @@
         </p:nvCxnSpPr>
         <p:spPr>
           <a:xfrm>
-            <a:off x="5972849" y="1352775"/>
+            <a:off x="4838111" y="1275657"/>
             <a:ext cx="549389" cy="2226223"/>
           </a:xfrm>
           <a:prstGeom prst="bentConnector2">
             <a:avLst/>
           </a:prstGeom>
-          <a:ln>
+          <a:ln w="38100">
             <a:solidFill>
-              <a:schemeClr val="accent5"/>
+              <a:schemeClr val="accent5">
+                <a:lumMod val="60000"/>
+                <a:lumOff val="40000"/>
+              </a:schemeClr>
             </a:solidFill>
             <a:tailEnd type="triangle"/>
           </a:ln>
@@ -8901,15 +9261,18 @@
         </p:nvCxnSpPr>
         <p:spPr>
           <a:xfrm rot="16200000" flipH="1">
-            <a:off x="4510184" y="2151161"/>
+            <a:off x="3375446" y="2074043"/>
             <a:ext cx="915313" cy="2502867"/>
           </a:xfrm>
           <a:prstGeom prst="bentConnector2">
             <a:avLst/>
           </a:prstGeom>
-          <a:ln>
+          <a:ln w="38100">
             <a:solidFill>
-              <a:schemeClr val="accent5"/>
+              <a:schemeClr val="accent5">
+                <a:lumMod val="60000"/>
+                <a:lumOff val="40000"/>
+              </a:schemeClr>
             </a:solidFill>
             <a:tailEnd type="triangle"/>
           </a:ln>
@@ -8929,8 +9292,8 @@
           </a:fontRef>
         </p:style>
       </p:cxnSp>
-      <mc:AlternateContent xmlns:mc="http://schemas.openxmlformats.org/markup-compatibility/2006" xmlns:a14="http://schemas.microsoft.com/office/drawing/2010/main">
-        <mc:Choice Requires="a14">
+      <mc:AlternateContent xmlns:mc="http://schemas.openxmlformats.org/markup-compatibility/2006">
+        <mc:Choice xmlns:a14="http://schemas.microsoft.com/office/drawing/2010/main" Requires="a14">
           <p:sp>
             <p:nvSpPr>
               <p:cNvPr id="121" name="文字方塊 120"/>
@@ -8939,13 +9302,16 @@
             </p:nvSpPr>
             <p:spPr>
               <a:xfrm>
-                <a:off x="4158835" y="2294809"/>
+                <a:off x="2979303" y="2228355"/>
                 <a:ext cx="638978" cy="369332"/>
               </a:xfrm>
               <a:prstGeom prst="rect">
                 <a:avLst/>
               </a:prstGeom>
               <a:noFill/>
+              <a:ln w="38100">
+                <a:noFill/>
+              </a:ln>
             </p:spPr>
             <p:txBody>
               <a:bodyPr wrap="square" rtlCol="0">
@@ -8974,7 +9340,7 @@
             </p:txBody>
           </p:sp>
         </mc:Choice>
-        <mc:Fallback xmlns="">
+        <mc:Fallback>
           <p:sp>
             <p:nvSpPr>
               <p:cNvPr id="121" name="文字方塊 120"/>
@@ -8985,7 +9351,7 @@
             </p:nvSpPr>
             <p:spPr>
               <a:xfrm>
-                <a:off x="4158835" y="2294809"/>
+                <a:off x="2979303" y="2228355"/>
                 <a:ext cx="638978" cy="369332"/>
               </a:xfrm>
               <a:prstGeom prst="rect">
@@ -8997,6 +9363,9 @@
                   <a:fillRect/>
                 </a:stretch>
               </a:blipFill>
+              <a:ln w="38100">
+                <a:noFill/>
+              </a:ln>
             </p:spPr>
             <p:txBody>
               <a:bodyPr/>
@@ -9013,8 +9382,8 @@
           </p:sp>
         </mc:Fallback>
       </mc:AlternateContent>
-      <mc:AlternateContent xmlns:mc="http://schemas.openxmlformats.org/markup-compatibility/2006" xmlns:a14="http://schemas.microsoft.com/office/drawing/2010/main">
-        <mc:Choice Requires="a14">
+      <mc:AlternateContent xmlns:mc="http://schemas.openxmlformats.org/markup-compatibility/2006">
+        <mc:Choice xmlns:a14="http://schemas.microsoft.com/office/drawing/2010/main" Requires="a14">
           <p:sp>
             <p:nvSpPr>
               <p:cNvPr id="124" name="文字方塊 123"/>
@@ -9023,13 +9392,16 @@
             </p:nvSpPr>
             <p:spPr>
               <a:xfrm>
-                <a:off x="5047433" y="1753696"/>
+                <a:off x="3912695" y="1676578"/>
                 <a:ext cx="638978" cy="369332"/>
               </a:xfrm>
               <a:prstGeom prst="rect">
                 <a:avLst/>
               </a:prstGeom>
               <a:noFill/>
+              <a:ln w="38100">
+                <a:noFill/>
+              </a:ln>
             </p:spPr>
             <p:txBody>
               <a:bodyPr wrap="square" rtlCol="0">
@@ -9058,7 +9430,7 @@
             </p:txBody>
           </p:sp>
         </mc:Choice>
-        <mc:Fallback xmlns="">
+        <mc:Fallback>
           <p:sp>
             <p:nvSpPr>
               <p:cNvPr id="124" name="文字方塊 123"/>
@@ -9069,7 +9441,7 @@
             </p:nvSpPr>
             <p:spPr>
               <a:xfrm>
-                <a:off x="5047433" y="1753696"/>
+                <a:off x="3912695" y="1676578"/>
                 <a:ext cx="638978" cy="369332"/>
               </a:xfrm>
               <a:prstGeom prst="rect">
@@ -9081,6 +9453,9 @@
                   <a:fillRect/>
                 </a:stretch>
               </a:blipFill>
+              <a:ln w="38100">
+                <a:noFill/>
+              </a:ln>
             </p:spPr>
             <p:txBody>
               <a:bodyPr/>
@@ -9097,8 +9472,8 @@
           </p:sp>
         </mc:Fallback>
       </mc:AlternateContent>
-      <mc:AlternateContent xmlns:mc="http://schemas.openxmlformats.org/markup-compatibility/2006" xmlns:a14="http://schemas.microsoft.com/office/drawing/2010/main">
-        <mc:Choice Requires="a14">
+      <mc:AlternateContent xmlns:mc="http://schemas.openxmlformats.org/markup-compatibility/2006">
+        <mc:Choice xmlns:a14="http://schemas.microsoft.com/office/drawing/2010/main" Requires="a14">
           <p:sp>
             <p:nvSpPr>
               <p:cNvPr id="125" name="文字方塊 124"/>
@@ -9107,7 +9482,129 @@
             </p:nvSpPr>
             <p:spPr>
               <a:xfrm>
-                <a:off x="4158835" y="3405928"/>
+                <a:off x="3024097" y="3328810"/>
+                <a:ext cx="638978" cy="369332"/>
+              </a:xfrm>
+              <a:prstGeom prst="rect">
+                <a:avLst/>
+              </a:prstGeom>
+              <a:noFill/>
+              <a:ln>
+                <a:noFill/>
+              </a:ln>
+            </p:spPr>
+            <p:txBody>
+              <a:bodyPr wrap="square" rtlCol="0">
+                <a:spAutoFit/>
+              </a:bodyPr>
+              <a:lstStyle/>
+              <a:p>
+                <a:pPr/>
+                <a14:m>
+                  <m:oMathPara xmlns:m="http://schemas.openxmlformats.org/officeDocument/2006/math">
+                    <m:oMathParaPr>
+                      <m:jc m:val="centerGroup"/>
+                    </m:oMathParaPr>
+                    <m:oMath xmlns:m="http://schemas.openxmlformats.org/officeDocument/2006/math">
+                      <m:sSub>
+                        <m:sSubPr>
+                          <m:ctrlPr>
+                            <a:rPr lang="en-US" altLang="zh-TW" i="1" smtClean="0">
+                              <a:solidFill>
+                                <a:schemeClr val="accent5"/>
+                              </a:solidFill>
+                              <a:latin typeface="Cambria Math" panose="02040503050406030204" pitchFamily="18" charset="0"/>
+                            </a:rPr>
+                          </m:ctrlPr>
+                        </m:sSubPr>
+                        <m:e>
+                          <m:r>
+                            <a:rPr lang="en-US" altLang="zh-TW" b="0" i="1" smtClean="0">
+                              <a:solidFill>
+                                <a:schemeClr val="accent5"/>
+                              </a:solidFill>
+                              <a:latin typeface="Cambria Math" panose="02040503050406030204" pitchFamily="18" charset="0"/>
+                            </a:rPr>
+                            <m:t>𝑈</m:t>
+                          </m:r>
+                        </m:e>
+                        <m:sub>
+                          <m:r>
+                            <a:rPr lang="en-US" altLang="zh-TW" b="0" i="1" smtClean="0">
+                              <a:solidFill>
+                                <a:schemeClr val="accent5"/>
+                              </a:solidFill>
+                              <a:latin typeface="Cambria Math" panose="02040503050406030204" pitchFamily="18" charset="0"/>
+                            </a:rPr>
+                            <m:t>𝑜</m:t>
+                          </m:r>
+                        </m:sub>
+                      </m:sSub>
+                    </m:oMath>
+                  </m:oMathPara>
+                </a14:m>
+                <a:endParaRPr lang="zh-TW" altLang="en-US" dirty="0">
+                  <a:solidFill>
+                    <a:schemeClr val="accent5"/>
+                  </a:solidFill>
+                </a:endParaRPr>
+              </a:p>
+            </p:txBody>
+          </p:sp>
+        </mc:Choice>
+        <mc:Fallback>
+          <p:sp>
+            <p:nvSpPr>
+              <p:cNvPr id="125" name="文字方塊 124"/>
+              <p:cNvSpPr txBox="1">
+                <a:spLocks noRot="1" noChangeAspect="1" noMove="1" noResize="1" noEditPoints="1" noAdjustHandles="1" noChangeArrowheads="1" noChangeShapeType="1" noTextEdit="1"/>
+              </p:cNvSpPr>
+              <p:nvPr/>
+            </p:nvSpPr>
+            <p:spPr>
+              <a:xfrm>
+                <a:off x="3024097" y="3328810"/>
+                <a:ext cx="638978" cy="369332"/>
+              </a:xfrm>
+              <a:prstGeom prst="rect">
+                <a:avLst/>
+              </a:prstGeom>
+              <a:blipFill rotWithShape="0">
+                <a:blip r:embed="rId10"/>
+                <a:stretch>
+                  <a:fillRect/>
+                </a:stretch>
+              </a:blipFill>
+              <a:ln>
+                <a:noFill/>
+              </a:ln>
+            </p:spPr>
+            <p:txBody>
+              <a:bodyPr/>
+              <a:lstStyle/>
+              <a:p>
+                <a:r>
+                  <a:rPr lang="zh-TW" altLang="en-US">
+                    <a:noFill/>
+                  </a:rPr>
+                  <a:t> </a:t>
+                </a:r>
+              </a:p>
+            </p:txBody>
+          </p:sp>
+        </mc:Fallback>
+      </mc:AlternateContent>
+      <mc:AlternateContent xmlns:mc="http://schemas.openxmlformats.org/markup-compatibility/2006">
+        <mc:Choice xmlns:a14="http://schemas.microsoft.com/office/drawing/2010/main" Requires="a14">
+          <p:sp>
+            <p:nvSpPr>
+              <p:cNvPr id="126" name="文字方塊 125"/>
+              <p:cNvSpPr txBox="1"/>
+              <p:nvPr/>
+            </p:nvSpPr>
+            <p:spPr>
+              <a:xfrm>
+                <a:off x="5374169" y="1491912"/>
                 <a:ext cx="638978" cy="369332"/>
               </a:xfrm>
               <a:prstGeom prst="rect">
@@ -9128,15 +9625,40 @@
                       <m:jc m:val="centerGroup"/>
                     </m:oMathParaPr>
                     <m:oMath xmlns:m="http://schemas.openxmlformats.org/officeDocument/2006/math">
-                      <m:r>
-                        <a:rPr lang="en-US" altLang="zh-TW" b="0" i="1" smtClean="0">
-                          <a:solidFill>
-                            <a:schemeClr val="accent5"/>
-                          </a:solidFill>
-                          <a:latin typeface="Cambria Math" panose="02040503050406030204" pitchFamily="18" charset="0"/>
-                        </a:rPr>
-                        <m:t>𝑈</m:t>
-                      </m:r>
+                      <m:sSub>
+                        <m:sSubPr>
+                          <m:ctrlPr>
+                            <a:rPr lang="en-US" altLang="zh-TW" i="1" smtClean="0">
+                              <a:solidFill>
+                                <a:schemeClr val="accent5"/>
+                              </a:solidFill>
+                              <a:latin typeface="Cambria Math" panose="02040503050406030204" pitchFamily="18" charset="0"/>
+                            </a:rPr>
+                          </m:ctrlPr>
+                        </m:sSubPr>
+                        <m:e>
+                          <m:r>
+                            <a:rPr lang="en-US" altLang="zh-TW" b="0" i="1" smtClean="0">
+                              <a:solidFill>
+                                <a:schemeClr val="accent5"/>
+                              </a:solidFill>
+                              <a:latin typeface="Cambria Math" panose="02040503050406030204" pitchFamily="18" charset="0"/>
+                            </a:rPr>
+                            <m:t>𝑊</m:t>
+                          </m:r>
+                        </m:e>
+                        <m:sub>
+                          <m:r>
+                            <a:rPr lang="en-US" altLang="zh-TW" b="0" i="1" smtClean="0">
+                              <a:solidFill>
+                                <a:schemeClr val="accent5"/>
+                              </a:solidFill>
+                              <a:latin typeface="Cambria Math" panose="02040503050406030204" pitchFamily="18" charset="0"/>
+                            </a:rPr>
+                            <m:t>𝑜</m:t>
+                          </m:r>
+                        </m:sub>
+                      </m:sSub>
                     </m:oMath>
                   </m:oMathPara>
                 </a14:m>
@@ -9149,98 +9671,7 @@
             </p:txBody>
           </p:sp>
         </mc:Choice>
-        <mc:Fallback xmlns="">
-          <p:sp>
-            <p:nvSpPr>
-              <p:cNvPr id="125" name="文字方塊 124"/>
-              <p:cNvSpPr txBox="1">
-                <a:spLocks noRot="1" noChangeAspect="1" noMove="1" noResize="1" noEditPoints="1" noAdjustHandles="1" noChangeArrowheads="1" noChangeShapeType="1" noTextEdit="1"/>
-              </p:cNvSpPr>
-              <p:nvPr/>
-            </p:nvSpPr>
-            <p:spPr>
-              <a:xfrm>
-                <a:off x="4158835" y="3405928"/>
-                <a:ext cx="638978" cy="369332"/>
-              </a:xfrm>
-              <a:prstGeom prst="rect">
-                <a:avLst/>
-              </a:prstGeom>
-              <a:blipFill rotWithShape="0">
-                <a:blip r:embed="rId10"/>
-                <a:stretch>
-                  <a:fillRect/>
-                </a:stretch>
-              </a:blipFill>
-            </p:spPr>
-            <p:txBody>
-              <a:bodyPr/>
-              <a:lstStyle/>
-              <a:p>
-                <a:r>
-                  <a:rPr lang="zh-TW" altLang="en-US">
-                    <a:noFill/>
-                  </a:rPr>
-                  <a:t> </a:t>
-                </a:r>
-              </a:p>
-            </p:txBody>
-          </p:sp>
-        </mc:Fallback>
-      </mc:AlternateContent>
-      <mc:AlternateContent xmlns:mc="http://schemas.openxmlformats.org/markup-compatibility/2006" xmlns:a14="http://schemas.microsoft.com/office/drawing/2010/main">
-        <mc:Choice Requires="a14">
-          <p:sp>
-            <p:nvSpPr>
-              <p:cNvPr id="126" name="文字方塊 125"/>
-              <p:cNvSpPr txBox="1"/>
-              <p:nvPr/>
-            </p:nvSpPr>
-            <p:spPr>
-              <a:xfrm>
-                <a:off x="6396036" y="1557989"/>
-                <a:ext cx="638978" cy="369332"/>
-              </a:xfrm>
-              <a:prstGeom prst="rect">
-                <a:avLst/>
-              </a:prstGeom>
-              <a:noFill/>
-            </p:spPr>
-            <p:txBody>
-              <a:bodyPr wrap="square" rtlCol="0">
-                <a:spAutoFit/>
-              </a:bodyPr>
-              <a:lstStyle/>
-              <a:p>
-                <a:pPr/>
-                <a14:m>
-                  <m:oMathPara xmlns:m="http://schemas.openxmlformats.org/officeDocument/2006/math">
-                    <m:oMathParaPr>
-                      <m:jc m:val="centerGroup"/>
-                    </m:oMathParaPr>
-                    <m:oMath xmlns:m="http://schemas.openxmlformats.org/officeDocument/2006/math">
-                      <m:r>
-                        <a:rPr lang="en-US" altLang="zh-TW" b="0" i="1" smtClean="0">
-                          <a:solidFill>
-                            <a:schemeClr val="accent5"/>
-                          </a:solidFill>
-                          <a:latin typeface="Cambria Math" panose="02040503050406030204" pitchFamily="18" charset="0"/>
-                        </a:rPr>
-                        <m:t>𝑊</m:t>
-                      </m:r>
-                    </m:oMath>
-                  </m:oMathPara>
-                </a14:m>
-                <a:endParaRPr lang="zh-TW" altLang="en-US" dirty="0">
-                  <a:solidFill>
-                    <a:schemeClr val="accent5"/>
-                  </a:solidFill>
-                </a:endParaRPr>
-              </a:p>
-            </p:txBody>
-          </p:sp>
-        </mc:Choice>
-        <mc:Fallback xmlns="">
+        <mc:Fallback>
           <p:sp>
             <p:nvSpPr>
               <p:cNvPr id="126" name="文字方塊 125"/>
@@ -9251,7 +9682,7 @@
             </p:nvSpPr>
             <p:spPr>
               <a:xfrm>
-                <a:off x="6396036" y="1557989"/>
+                <a:off x="5374169" y="1491912"/>
                 <a:ext cx="638978" cy="369332"/>
               </a:xfrm>
               <a:prstGeom prst="rect">
@@ -9291,15 +9722,15 @@
         </p:nvCxnSpPr>
         <p:spPr>
           <a:xfrm flipV="1">
-            <a:off x="6825201" y="2945852"/>
+            <a:off x="5690463" y="2868734"/>
             <a:ext cx="1313144" cy="914400"/>
           </a:xfrm>
           <a:prstGeom prst="bentConnector2">
             <a:avLst/>
           </a:prstGeom>
-          <a:ln>
+          <a:ln w="38100">
             <a:solidFill>
-              <a:schemeClr val="tx1"/>
+              <a:srgbClr val="344857"/>
             </a:solidFill>
             <a:tailEnd type="triangle"/>
           </a:ln>
@@ -9319,6 +9750,44 @@
           </a:fontRef>
         </p:style>
       </p:cxnSp>
+      <p:cxnSp>
+        <p:nvCxnSpPr>
+          <p:cNvPr id="26" name="直線單箭頭接點 25"/>
+          <p:cNvCxnSpPr>
+            <a:endCxn id="32" idx="1"/>
+          </p:cNvCxnSpPr>
+          <p:nvPr/>
+        </p:nvCxnSpPr>
+        <p:spPr>
+          <a:xfrm>
+            <a:off x="1807228" y="2586567"/>
+            <a:ext cx="471477" cy="0"/>
+          </a:xfrm>
+          <a:prstGeom prst="straightConnector1">
+            <a:avLst/>
+          </a:prstGeom>
+          <a:ln w="38100">
+            <a:solidFill>
+              <a:srgbClr val="344857"/>
+            </a:solidFill>
+            <a:tailEnd type="triangle"/>
+          </a:ln>
+        </p:spPr>
+        <p:style>
+          <a:lnRef idx="1">
+            <a:schemeClr val="accent1"/>
+          </a:lnRef>
+          <a:fillRef idx="0">
+            <a:schemeClr val="accent1"/>
+          </a:fillRef>
+          <a:effectRef idx="0">
+            <a:schemeClr val="accent1"/>
+          </a:effectRef>
+          <a:fontRef idx="minor">
+            <a:schemeClr val="tx1"/>
+          </a:fontRef>
+        </p:style>
+      </p:cxnSp>
     </p:spTree>
     <p:extLst>
       <p:ext uri="{BB962C8B-B14F-4D97-AF65-F5344CB8AC3E}">
@@ -9329,6 +9798,13 @@
   <p:clrMapOvr>
     <a:masterClrMapping/>
   </p:clrMapOvr>
+  <p:timing>
+    <p:tnLst>
+      <p:par>
+        <p:cTn id="1" dur="indefinite" restart="never" nodeType="tmRoot"/>
+      </p:par>
+    </p:tnLst>
+  </p:timing>
 </p:sld>
 </file>
 
@@ -9357,8 +9833,8 @@
         </p:nvSpPr>
         <p:spPr>
           <a:xfrm>
-            <a:off x="352425" y="161925"/>
-            <a:ext cx="7458075" cy="3695700"/>
+            <a:off x="371663" y="0"/>
+            <a:ext cx="6029138" cy="3695700"/>
           </a:xfrm>
           <a:prstGeom prst="rect">
             <a:avLst/>
@@ -9406,6 +9882,12 @@
               <a:prstGeom prst="rect">
                 <a:avLst/>
               </a:prstGeom>
+              <a:solidFill>
+                <a:srgbClr val="D4A5A5"/>
+              </a:solidFill>
+              <a:ln>
+                <a:noFill/>
+              </a:ln>
             </p:spPr>
             <p:style>
               <a:lnRef idx="2">
@@ -9433,7 +9915,7 @@
                     </m:oMathParaPr>
                     <m:oMath xmlns:m="http://schemas.openxmlformats.org/officeDocument/2006/math">
                       <m:r>
-                        <a:rPr lang="en-US" altLang="zh-TW" b="1" i="1" smtClean="0">
+                        <a:rPr lang="en-US" altLang="zh-TW" sz="2400" b="1" i="1" smtClean="0">
                           <a:latin typeface="Cambria Math" panose="02040503050406030204" pitchFamily="18" charset="0"/>
                         </a:rPr>
                         <m:t>𝒙</m:t>
@@ -9441,7 +9923,7 @@
                     </m:oMath>
                   </m:oMathPara>
                 </a14:m>
-                <a:endParaRPr lang="zh-TW" altLang="en-US" b="1" dirty="0"/>
+                <a:endParaRPr lang="zh-TW" altLang="en-US" sz="2400" b="1" dirty="0"/>
               </a:p>
             </p:txBody>
           </p:sp>
@@ -9464,11 +9946,14 @@
                 <a:avLst/>
               </a:prstGeom>
               <a:blipFill rotWithShape="0">
-                <a:blip r:embed="rId2"/>
+                <a:blip r:embed="rId3"/>
                 <a:stretch>
                   <a:fillRect/>
                 </a:stretch>
               </a:blipFill>
+              <a:ln>
+                <a:noFill/>
+              </a:ln>
             </p:spPr>
             <p:txBody>
               <a:bodyPr/>
@@ -9501,6 +9986,12 @@
               <a:prstGeom prst="rect">
                 <a:avLst/>
               </a:prstGeom>
+              <a:solidFill>
+                <a:srgbClr val="FFECDA"/>
+              </a:solidFill>
+              <a:ln>
+                <a:noFill/>
+              </a:ln>
             </p:spPr>
             <p:style>
               <a:lnRef idx="2">
@@ -9528,7 +10019,7 @@
                     </m:oMathParaPr>
                     <m:oMath xmlns:m="http://schemas.openxmlformats.org/officeDocument/2006/math">
                       <m:r>
-                        <a:rPr lang="en-US" altLang="zh-TW" b="0" i="1" smtClean="0">
+                        <a:rPr lang="en-US" altLang="zh-TW" sz="2400" b="0" i="1" smtClean="0">
                           <a:latin typeface="Cambria Math" panose="02040503050406030204" pitchFamily="18" charset="0"/>
                         </a:rPr>
                         <m:t>𝑉</m:t>
@@ -9536,7 +10027,7 @@
                     </m:oMath>
                   </m:oMathPara>
                 </a14:m>
-                <a:endParaRPr lang="zh-TW" altLang="en-US" dirty="0"/>
+                <a:endParaRPr lang="zh-TW" altLang="en-US" sz="2400" dirty="0"/>
               </a:p>
             </p:txBody>
           </p:sp>
@@ -9559,11 +10050,14 @@
                 <a:avLst/>
               </a:prstGeom>
               <a:blipFill rotWithShape="0">
-                <a:blip r:embed="rId3"/>
+                <a:blip r:embed="rId4"/>
                 <a:stretch>
                   <a:fillRect/>
                 </a:stretch>
               </a:blipFill>
+              <a:ln>
+                <a:noFill/>
+              </a:ln>
             </p:spPr>
             <p:txBody>
               <a:bodyPr/>
@@ -9596,6 +10090,12 @@
               <a:prstGeom prst="rect">
                 <a:avLst/>
               </a:prstGeom>
+              <a:solidFill>
+                <a:srgbClr val="FFECDA"/>
+              </a:solidFill>
+              <a:ln>
+                <a:noFill/>
+              </a:ln>
             </p:spPr>
             <p:style>
               <a:lnRef idx="2">
@@ -9623,7 +10123,7 @@
                     </m:oMathParaPr>
                     <m:oMath xmlns:m="http://schemas.openxmlformats.org/officeDocument/2006/math">
                       <m:r>
-                        <a:rPr lang="en-US" altLang="zh-TW" b="0" i="1" smtClean="0">
+                        <a:rPr lang="en-US" altLang="zh-TW" sz="2400" b="0" i="1" smtClean="0">
                           <a:latin typeface="Cambria Math" panose="02040503050406030204" pitchFamily="18" charset="0"/>
                         </a:rPr>
                         <m:t>𝑄</m:t>
@@ -9631,7 +10131,7 @@
                     </m:oMath>
                   </m:oMathPara>
                 </a14:m>
-                <a:endParaRPr lang="zh-TW" altLang="en-US" dirty="0"/>
+                <a:endParaRPr lang="zh-TW" altLang="en-US" sz="2400" dirty="0"/>
               </a:p>
             </p:txBody>
           </p:sp>
@@ -9654,11 +10154,14 @@
                 <a:avLst/>
               </a:prstGeom>
               <a:blipFill rotWithShape="0">
-                <a:blip r:embed="rId4"/>
+                <a:blip r:embed="rId5"/>
                 <a:stretch>
-                  <a:fillRect/>
+                  <a:fillRect b="-13158"/>
                 </a:stretch>
               </a:blipFill>
+              <a:ln>
+                <a:noFill/>
+              </a:ln>
             </p:spPr>
             <p:txBody>
               <a:bodyPr/>
@@ -9691,6 +10194,12 @@
               <a:prstGeom prst="rect">
                 <a:avLst/>
               </a:prstGeom>
+              <a:solidFill>
+                <a:srgbClr val="FFECDA"/>
+              </a:solidFill>
+              <a:ln>
+                <a:noFill/>
+              </a:ln>
             </p:spPr>
             <p:style>
               <a:lnRef idx="2">
@@ -9718,7 +10227,7 @@
                     </m:oMathParaPr>
                     <m:oMath xmlns:m="http://schemas.openxmlformats.org/officeDocument/2006/math">
                       <m:r>
-                        <a:rPr lang="en-US" altLang="zh-TW" b="0" i="1" smtClean="0">
+                        <a:rPr lang="en-US" altLang="zh-TW" sz="2400" b="0" i="1" smtClean="0">
                           <a:latin typeface="Cambria Math" panose="02040503050406030204" pitchFamily="18" charset="0"/>
                         </a:rPr>
                         <m:t>𝐾</m:t>
@@ -9726,7 +10235,7 @@
                     </m:oMath>
                   </m:oMathPara>
                 </a14:m>
-                <a:endParaRPr lang="zh-TW" altLang="en-US" dirty="0"/>
+                <a:endParaRPr lang="zh-TW" altLang="en-US" sz="2400" dirty="0"/>
               </a:p>
             </p:txBody>
           </p:sp>
@@ -9749,11 +10258,14 @@
                 <a:avLst/>
               </a:prstGeom>
               <a:blipFill rotWithShape="0">
-                <a:blip r:embed="rId5"/>
+                <a:blip r:embed="rId6"/>
                 <a:stretch>
                   <a:fillRect/>
                 </a:stretch>
               </a:blipFill>
+              <a:ln>
+                <a:noFill/>
+              </a:ln>
             </p:spPr>
             <p:txBody>
               <a:bodyPr/>
@@ -9787,9 +10299,9 @@
           <a:prstGeom prst="straightConnector1">
             <a:avLst/>
           </a:prstGeom>
-          <a:ln>
+          <a:ln w="38100">
             <a:solidFill>
-              <a:schemeClr val="tx1"/>
+              <a:srgbClr val="344857"/>
             </a:solidFill>
             <a:tailEnd type="triangle"/>
           </a:ln>
@@ -9825,6 +10337,12 @@
               <a:prstGeom prst="rect">
                 <a:avLst/>
               </a:prstGeom>
+              <a:solidFill>
+                <a:srgbClr val="A6D0E4"/>
+              </a:solidFill>
+              <a:ln>
+                <a:noFill/>
+              </a:ln>
             </p:spPr>
             <p:style>
               <a:lnRef idx="2">
@@ -9852,7 +10370,7 @@
                     </m:oMathParaPr>
                     <m:oMath xmlns:m="http://schemas.openxmlformats.org/officeDocument/2006/math">
                       <m:r>
-                        <a:rPr lang="en-US" altLang="zh-TW" b="1" i="1" smtClean="0">
+                        <a:rPr lang="en-US" altLang="zh-TW" sz="2400" b="1" i="1" smtClean="0">
                           <a:latin typeface="Cambria Math" panose="02040503050406030204" pitchFamily="18" charset="0"/>
                         </a:rPr>
                         <m:t>𝒐</m:t>
@@ -9860,7 +10378,7 @@
                     </m:oMath>
                   </m:oMathPara>
                 </a14:m>
-                <a:endParaRPr lang="zh-TW" altLang="en-US" b="1" dirty="0"/>
+                <a:endParaRPr lang="zh-TW" altLang="en-US" sz="2400" b="1" dirty="0"/>
               </a:p>
             </p:txBody>
           </p:sp>
@@ -9883,11 +10401,14 @@
                 <a:avLst/>
               </a:prstGeom>
               <a:blipFill rotWithShape="0">
-                <a:blip r:embed="rId6"/>
+                <a:blip r:embed="rId7"/>
                 <a:stretch>
                   <a:fillRect/>
                 </a:stretch>
               </a:blipFill>
+              <a:ln>
+                <a:noFill/>
+              </a:ln>
             </p:spPr>
             <p:txBody>
               <a:bodyPr/>
@@ -9921,9 +10442,9 @@
           <a:prstGeom prst="straightConnector1">
             <a:avLst/>
           </a:prstGeom>
-          <a:ln>
+          <a:ln w="38100">
             <a:solidFill>
-              <a:schemeClr val="tx1"/>
+              <a:srgbClr val="344857"/>
             </a:solidFill>
             <a:tailEnd type="triangle"/>
           </a:ln>
@@ -9960,9 +10481,9 @@
           <a:prstGeom prst="straightConnector1">
             <a:avLst/>
           </a:prstGeom>
-          <a:ln>
+          <a:ln w="38100">
             <a:solidFill>
-              <a:schemeClr val="tx1"/>
+              <a:srgbClr val="344857"/>
             </a:solidFill>
             <a:tailEnd type="triangle"/>
           </a:ln>
@@ -9987,7 +10508,6 @@
           <p:cNvPr id="79" name="直線單箭頭接點 78"/>
           <p:cNvCxnSpPr>
             <a:stCxn id="36" idx="2"/>
-            <a:endCxn id="69" idx="0"/>
           </p:cNvCxnSpPr>
           <p:nvPr/>
         </p:nvCxnSpPr>
@@ -9999,9 +10519,9 @@
           <a:prstGeom prst="straightConnector1">
             <a:avLst/>
           </a:prstGeom>
-          <a:ln>
+          <a:ln w="38100">
             <a:solidFill>
-              <a:schemeClr val="tx1"/>
+              <a:srgbClr val="344857"/>
             </a:solidFill>
             <a:tailEnd type="triangle"/>
           </a:ln>
@@ -10026,7 +10546,6 @@
           <p:cNvPr id="82" name="直線單箭頭接點 81"/>
           <p:cNvCxnSpPr>
             <a:stCxn id="37" idx="2"/>
-            <a:endCxn id="69" idx="0"/>
           </p:cNvCxnSpPr>
           <p:nvPr/>
         </p:nvCxnSpPr>
@@ -10038,9 +10557,9 @@
           <a:prstGeom prst="straightConnector1">
             <a:avLst/>
           </a:prstGeom>
-          <a:ln>
+          <a:ln w="38100">
             <a:solidFill>
-              <a:schemeClr val="tx1"/>
+              <a:srgbClr val="344857"/>
             </a:solidFill>
             <a:tailEnd type="triangle"/>
           </a:ln>
@@ -10065,7 +10584,6 @@
           <p:cNvPr id="85" name="直線單箭頭接點 84"/>
           <p:cNvCxnSpPr>
             <a:stCxn id="33" idx="2"/>
-            <a:endCxn id="69" idx="0"/>
           </p:cNvCxnSpPr>
           <p:nvPr/>
         </p:nvCxnSpPr>
@@ -10077,9 +10595,9 @@
           <a:prstGeom prst="straightConnector1">
             <a:avLst/>
           </a:prstGeom>
-          <a:ln>
+          <a:ln w="38100">
             <a:solidFill>
-              <a:schemeClr val="tx1"/>
+              <a:srgbClr val="344857"/>
             </a:solidFill>
             <a:tailEnd type="triangle"/>
           </a:ln>
@@ -10099,8 +10617,8 @@
           </a:fontRef>
         </p:style>
       </p:cxnSp>
-      <mc:AlternateContent xmlns:mc="http://schemas.openxmlformats.org/markup-compatibility/2006">
-        <mc:Choice xmlns:a14="http://schemas.microsoft.com/office/drawing/2010/main" Requires="a14">
+      <mc:AlternateContent xmlns:mc="http://schemas.openxmlformats.org/markup-compatibility/2006" xmlns:a14="http://schemas.microsoft.com/office/drawing/2010/main">
+        <mc:Choice Requires="a14">
           <p:sp>
             <p:nvSpPr>
               <p:cNvPr id="91" name="文字方塊 90"/>
@@ -10163,7 +10681,7 @@
             </p:txBody>
           </p:sp>
         </mc:Choice>
-        <mc:Fallback>
+        <mc:Fallback xmlns="">
           <p:sp>
             <p:nvSpPr>
               <p:cNvPr id="91" name="文字方塊 90"/>
@@ -10181,7 +10699,7 @@
                 <a:avLst/>
               </a:prstGeom>
               <a:blipFill rotWithShape="0">
-                <a:blip r:embed="rId7"/>
+                <a:blip r:embed="rId8"/>
                 <a:stretch>
                   <a:fillRect b="-3125"/>
                 </a:stretch>
@@ -10202,8 +10720,8 @@
           </p:sp>
         </mc:Fallback>
       </mc:AlternateContent>
-      <mc:AlternateContent xmlns:mc="http://schemas.openxmlformats.org/markup-compatibility/2006">
-        <mc:Choice xmlns:a14="http://schemas.microsoft.com/office/drawing/2010/main" Requires="a14">
+      <mc:AlternateContent xmlns:mc="http://schemas.openxmlformats.org/markup-compatibility/2006" xmlns:a14="http://schemas.microsoft.com/office/drawing/2010/main">
+        <mc:Choice Requires="a14">
           <p:sp>
             <p:nvSpPr>
               <p:cNvPr id="92" name="文字方塊 91"/>
@@ -10266,7 +10784,7 @@
             </p:txBody>
           </p:sp>
         </mc:Choice>
-        <mc:Fallback>
+        <mc:Fallback xmlns="">
           <p:sp>
             <p:nvSpPr>
               <p:cNvPr id="92" name="文字方塊 91"/>
@@ -10284,7 +10802,7 @@
                 <a:avLst/>
               </a:prstGeom>
               <a:blipFill rotWithShape="0">
-                <a:blip r:embed="rId8"/>
+                <a:blip r:embed="rId9"/>
                 <a:stretch>
                   <a:fillRect/>
                 </a:stretch>
@@ -10305,8 +10823,8 @@
           </p:sp>
         </mc:Fallback>
       </mc:AlternateContent>
-      <mc:AlternateContent xmlns:mc="http://schemas.openxmlformats.org/markup-compatibility/2006">
-        <mc:Choice xmlns:a14="http://schemas.microsoft.com/office/drawing/2010/main" Requires="a14">
+      <mc:AlternateContent xmlns:mc="http://schemas.openxmlformats.org/markup-compatibility/2006" xmlns:a14="http://schemas.microsoft.com/office/drawing/2010/main">
+        <mc:Choice Requires="a14">
           <p:sp>
             <p:nvSpPr>
               <p:cNvPr id="93" name="文字方塊 92"/>
@@ -10369,7 +10887,7 @@
             </p:txBody>
           </p:sp>
         </mc:Choice>
-        <mc:Fallback>
+        <mc:Fallback xmlns="">
           <p:sp>
             <p:nvSpPr>
               <p:cNvPr id="93" name="文字方塊 92"/>
@@ -10382,272 +10900,6 @@
               <a:xfrm>
                 <a:off x="5002242" y="1084649"/>
                 <a:ext cx="638978" cy="369332"/>
-              </a:xfrm>
-              <a:prstGeom prst="rect">
-                <a:avLst/>
-              </a:prstGeom>
-              <a:blipFill rotWithShape="0">
-                <a:blip r:embed="rId9"/>
-                <a:stretch>
-                  <a:fillRect/>
-                </a:stretch>
-              </a:blipFill>
-            </p:spPr>
-            <p:txBody>
-              <a:bodyPr/>
-              <a:lstStyle/>
-              <a:p>
-                <a:r>
-                  <a:rPr lang="zh-TW" altLang="en-US">
-                    <a:noFill/>
-                  </a:rPr>
-                  <a:t> </a:t>
-                </a:r>
-              </a:p>
-            </p:txBody>
-          </p:sp>
-        </mc:Fallback>
-      </mc:AlternateContent>
-      <mc:AlternateContent xmlns:mc="http://schemas.openxmlformats.org/markup-compatibility/2006">
-        <mc:Choice xmlns:a14="http://schemas.microsoft.com/office/drawing/2010/main" Requires="a14">
-          <p:sp>
-            <p:nvSpPr>
-              <p:cNvPr id="94" name="文字方塊 93"/>
-              <p:cNvSpPr txBox="1"/>
-              <p:nvPr/>
-            </p:nvSpPr>
-            <p:spPr>
-              <a:xfrm>
-                <a:off x="4677397" y="2753143"/>
-                <a:ext cx="2896135" cy="764568"/>
-              </a:xfrm>
-              <a:prstGeom prst="rect">
-                <a:avLst/>
-              </a:prstGeom>
-            </p:spPr>
-            <p:style>
-              <a:lnRef idx="2">
-                <a:schemeClr val="dk1"/>
-              </a:lnRef>
-              <a:fillRef idx="1">
-                <a:schemeClr val="lt1"/>
-              </a:fillRef>
-              <a:effectRef idx="0">
-                <a:schemeClr val="dk1"/>
-              </a:effectRef>
-              <a:fontRef idx="minor">
-                <a:schemeClr val="dk1"/>
-              </a:fontRef>
-            </p:style>
-            <p:txBody>
-              <a:bodyPr wrap="square" rtlCol="0">
-                <a:spAutoFit/>
-              </a:bodyPr>
-              <a:lstStyle/>
-              <a:p>
-                <a14:m>
-                  <m:oMathPara xmlns:m="http://schemas.openxmlformats.org/officeDocument/2006/math">
-                    <m:oMathParaPr>
-                      <m:jc m:val="centerGroup"/>
-                    </m:oMathParaPr>
-                    <m:oMath xmlns:m="http://schemas.openxmlformats.org/officeDocument/2006/math">
-                      <m:r>
-                        <a:rPr lang="en-US" altLang="zh-TW" b="1" i="1" smtClean="0">
-                          <a:solidFill>
-                            <a:schemeClr val="accent5"/>
-                          </a:solidFill>
-                          <a:latin typeface="Cambria Math" panose="02040503050406030204" pitchFamily="18" charset="0"/>
-                        </a:rPr>
-                        <m:t>𝒐</m:t>
-                      </m:r>
-                      <m:r>
-                        <a:rPr lang="en-US" altLang="zh-TW" b="0" i="1" smtClean="0">
-                          <a:solidFill>
-                            <a:schemeClr val="accent5"/>
-                          </a:solidFill>
-                          <a:latin typeface="Cambria Math" panose="02040503050406030204" pitchFamily="18" charset="0"/>
-                        </a:rPr>
-                        <m:t>= </m:t>
-                      </m:r>
-                      <m:r>
-                        <a:rPr lang="en-US" altLang="zh-TW" b="0" i="1" smtClean="0">
-                          <a:solidFill>
-                            <a:schemeClr val="accent5"/>
-                          </a:solidFill>
-                          <a:latin typeface="Cambria Math" panose="02040503050406030204" pitchFamily="18" charset="0"/>
-                        </a:rPr>
-                        <m:t>𝑉</m:t>
-                      </m:r>
-                      <m:r>
-                        <a:rPr lang="en-US" altLang="zh-TW" b="0" i="0" smtClean="0">
-                          <a:solidFill>
-                            <a:schemeClr val="accent5"/>
-                          </a:solidFill>
-                          <a:latin typeface="Cambria Math" panose="02040503050406030204" pitchFamily="18" charset="0"/>
-                        </a:rPr>
-                        <m:t> </m:t>
-                      </m:r>
-                      <m:r>
-                        <a:rPr lang="en-US" altLang="zh-TW" i="1">
-                          <a:solidFill>
-                            <a:schemeClr val="accent5"/>
-                          </a:solidFill>
-                          <a:latin typeface="Cambria Math" panose="02040503050406030204" pitchFamily="18" charset="0"/>
-                        </a:rPr>
-                        <m:t>𝑠𝑜𝑓𝑡𝑚𝑎𝑥</m:t>
-                      </m:r>
-                      <m:r>
-                        <a:rPr lang="en-US" altLang="zh-TW" b="0" i="1" smtClean="0">
-                          <a:solidFill>
-                            <a:schemeClr val="accent5"/>
-                          </a:solidFill>
-                          <a:latin typeface="Cambria Math" panose="02040503050406030204" pitchFamily="18" charset="0"/>
-                        </a:rPr>
-                        <m:t>{</m:t>
-                      </m:r>
-                      <m:f>
-                        <m:fPr>
-                          <m:ctrlPr>
-                            <a:rPr lang="en-US" altLang="zh-TW" b="0" i="1" smtClean="0">
-                              <a:solidFill>
-                                <a:schemeClr val="accent5"/>
-                              </a:solidFill>
-                              <a:latin typeface="Cambria Math" panose="02040503050406030204" pitchFamily="18" charset="0"/>
-                            </a:rPr>
-                          </m:ctrlPr>
-                        </m:fPr>
-                        <m:num>
-                          <m:sSup>
-                            <m:sSupPr>
-                              <m:ctrlPr>
-                                <a:rPr lang="en-US" altLang="zh-TW" b="0" i="1" smtClean="0">
-                                  <a:solidFill>
-                                    <a:schemeClr val="accent5"/>
-                                  </a:solidFill>
-                                  <a:latin typeface="Cambria Math" panose="02040503050406030204" pitchFamily="18" charset="0"/>
-                                </a:rPr>
-                              </m:ctrlPr>
-                            </m:sSupPr>
-                            <m:e>
-                              <m:r>
-                                <a:rPr lang="en-US" altLang="zh-TW" b="0" i="1" smtClean="0">
-                                  <a:solidFill>
-                                    <a:schemeClr val="accent5"/>
-                                  </a:solidFill>
-                                  <a:latin typeface="Cambria Math" panose="02040503050406030204" pitchFamily="18" charset="0"/>
-                                </a:rPr>
-                                <m:t>𝐾</m:t>
-                              </m:r>
-                            </m:e>
-                            <m:sup>
-                              <m:r>
-                                <a:rPr lang="en-US" altLang="zh-TW" b="0" i="1" smtClean="0">
-                                  <a:solidFill>
-                                    <a:schemeClr val="accent5"/>
-                                  </a:solidFill>
-                                  <a:latin typeface="Cambria Math" panose="02040503050406030204" pitchFamily="18" charset="0"/>
-                                </a:rPr>
-                                <m:t>𝑇</m:t>
-                              </m:r>
-                            </m:sup>
-                          </m:sSup>
-                          <m:r>
-                            <a:rPr lang="en-US" altLang="zh-TW" b="0" i="1" smtClean="0">
-                              <a:solidFill>
-                                <a:schemeClr val="accent5"/>
-                              </a:solidFill>
-                              <a:latin typeface="Cambria Math" panose="02040503050406030204" pitchFamily="18" charset="0"/>
-                            </a:rPr>
-                            <m:t>𝑄</m:t>
-                          </m:r>
-                        </m:num>
-                        <m:den>
-                          <m:rad>
-                            <m:radPr>
-                              <m:degHide m:val="on"/>
-                              <m:ctrlPr>
-                                <a:rPr lang="en-US" altLang="zh-TW" b="0" i="1" smtClean="0">
-                                  <a:solidFill>
-                                    <a:schemeClr val="accent5"/>
-                                  </a:solidFill>
-                                  <a:latin typeface="Cambria Math" panose="02040503050406030204" pitchFamily="18" charset="0"/>
-                                </a:rPr>
-                              </m:ctrlPr>
-                            </m:radPr>
-                            <m:deg/>
-                            <m:e>
-                              <m:sSub>
-                                <m:sSubPr>
-                                  <m:ctrlPr>
-                                    <a:rPr lang="en-US" altLang="zh-TW" b="0" i="1" smtClean="0">
-                                      <a:solidFill>
-                                        <a:schemeClr val="accent5"/>
-                                      </a:solidFill>
-                                      <a:latin typeface="Cambria Math" panose="02040503050406030204" pitchFamily="18" charset="0"/>
-                                    </a:rPr>
-                                  </m:ctrlPr>
-                                </m:sSubPr>
-                                <m:e>
-                                  <m:r>
-                                    <a:rPr lang="en-US" altLang="zh-TW" b="0" i="1" smtClean="0">
-                                      <a:solidFill>
-                                        <a:schemeClr val="accent5"/>
-                                      </a:solidFill>
-                                      <a:latin typeface="Cambria Math" panose="02040503050406030204" pitchFamily="18" charset="0"/>
-                                    </a:rPr>
-                                    <m:t>𝑑</m:t>
-                                  </m:r>
-                                </m:e>
-                                <m:sub>
-                                  <m:r>
-                                    <a:rPr lang="en-US" altLang="zh-TW" b="0" i="1" smtClean="0">
-                                      <a:solidFill>
-                                        <a:schemeClr val="accent5"/>
-                                      </a:solidFill>
-                                      <a:latin typeface="Cambria Math" panose="02040503050406030204" pitchFamily="18" charset="0"/>
-                                    </a:rPr>
-                                    <m:t>𝑘</m:t>
-                                  </m:r>
-                                </m:sub>
-                              </m:sSub>
-                            </m:e>
-                          </m:rad>
-                        </m:den>
-                      </m:f>
-                      <m:r>
-                        <a:rPr lang="en-US" altLang="zh-TW" b="0" i="1" smtClean="0">
-                          <a:solidFill>
-                            <a:schemeClr val="accent5"/>
-                          </a:solidFill>
-                          <a:latin typeface="Cambria Math" panose="02040503050406030204" pitchFamily="18" charset="0"/>
-                        </a:rPr>
-                        <m:t>}</m:t>
-                      </m:r>
-                    </m:oMath>
-                  </m:oMathPara>
-                </a14:m>
-                <a:endParaRPr lang="zh-TW" altLang="en-US" dirty="0">
-                  <a:solidFill>
-                    <a:schemeClr val="accent5"/>
-                  </a:solidFill>
-                </a:endParaRPr>
-              </a:p>
-            </p:txBody>
-          </p:sp>
-        </mc:Choice>
-        <mc:Fallback>
-          <p:sp>
-            <p:nvSpPr>
-              <p:cNvPr id="94" name="文字方塊 93"/>
-              <p:cNvSpPr txBox="1">
-                <a:spLocks noRot="1" noChangeAspect="1" noMove="1" noResize="1" noEditPoints="1" noAdjustHandles="1" noChangeArrowheads="1" noChangeShapeType="1" noTextEdit="1"/>
-              </p:cNvSpPr>
-              <p:nvPr/>
-            </p:nvSpPr>
-            <p:spPr>
-              <a:xfrm>
-                <a:off x="4677397" y="2753143"/>
-                <a:ext cx="2896135" cy="764568"/>
               </a:xfrm>
               <a:prstGeom prst="rect">
                 <a:avLst/>
@@ -10684,10 +10936,1022 @@
   <p:clrMapOvr>
     <a:masterClrMapping/>
   </p:clrMapOvr>
+  <p:timing>
+    <p:tnLst>
+      <p:par>
+        <p:cTn id="1" dur="indefinite" restart="never" nodeType="tmRoot"/>
+      </p:par>
+    </p:tnLst>
+  </p:timing>
 </p:sld>
 </file>
 
 <file path=ppt/slides/slide4.xml><?xml version="1.0" encoding="utf-8"?>
+<p:sld xmlns:a="http://schemas.openxmlformats.org/drawingml/2006/main" xmlns:r="http://schemas.openxmlformats.org/officeDocument/2006/relationships" xmlns:p="http://schemas.openxmlformats.org/presentationml/2006/main">
+  <p:cSld>
+    <p:spTree>
+      <p:nvGrpSpPr>
+        <p:cNvPr id="1" name=""/>
+        <p:cNvGrpSpPr/>
+        <p:nvPr/>
+      </p:nvGrpSpPr>
+      <p:grpSpPr>
+        <a:xfrm>
+          <a:off x="0" y="0"/>
+          <a:ext cx="0" cy="0"/>
+          <a:chOff x="0" y="0"/>
+          <a:chExt cx="0" cy="0"/>
+        </a:xfrm>
+      </p:grpSpPr>
+      <p:sp>
+        <p:nvSpPr>
+          <p:cNvPr id="109" name="矩形 108"/>
+          <p:cNvSpPr/>
+          <p:nvPr/>
+        </p:nvSpPr>
+        <p:spPr>
+          <a:xfrm>
+            <a:off x="209321" y="0"/>
+            <a:ext cx="7689772" cy="3977088"/>
+          </a:xfrm>
+          <a:prstGeom prst="rect">
+            <a:avLst/>
+          </a:prstGeom>
+          <a:ln>
+            <a:noFill/>
+          </a:ln>
+        </p:spPr>
+        <p:style>
+          <a:lnRef idx="2">
+            <a:schemeClr val="dk1"/>
+          </a:lnRef>
+          <a:fillRef idx="1">
+            <a:schemeClr val="lt1"/>
+          </a:fillRef>
+          <a:effectRef idx="0">
+            <a:schemeClr val="dk1"/>
+          </a:effectRef>
+          <a:fontRef idx="minor">
+            <a:schemeClr val="dk1"/>
+          </a:fontRef>
+        </p:style>
+        <p:txBody>
+          <a:bodyPr rtlCol="0" anchor="ctr"/>
+          <a:lstStyle/>
+          <a:p>
+            <a:pPr algn="ctr"/>
+            <a:endParaRPr lang="zh-TW" altLang="en-US"/>
+          </a:p>
+        </p:txBody>
+      </p:sp>
+      <p:sp>
+        <p:nvSpPr>
+          <p:cNvPr id="108" name="圓角矩形 107"/>
+          <p:cNvSpPr/>
+          <p:nvPr/>
+        </p:nvSpPr>
+        <p:spPr>
+          <a:xfrm>
+            <a:off x="2754217" y="165252"/>
+            <a:ext cx="2622015" cy="3602515"/>
+          </a:xfrm>
+          <a:prstGeom prst="roundRect">
+            <a:avLst/>
+          </a:prstGeom>
+          <a:solidFill>
+            <a:srgbClr val="FFECDA"/>
+          </a:solidFill>
+          <a:ln>
+            <a:noFill/>
+          </a:ln>
+        </p:spPr>
+        <p:style>
+          <a:lnRef idx="2">
+            <a:schemeClr val="accent1">
+              <a:shade val="50000"/>
+            </a:schemeClr>
+          </a:lnRef>
+          <a:fillRef idx="1">
+            <a:schemeClr val="accent1"/>
+          </a:fillRef>
+          <a:effectRef idx="0">
+            <a:schemeClr val="accent1"/>
+          </a:effectRef>
+          <a:fontRef idx="minor">
+            <a:schemeClr val="lt1"/>
+          </a:fontRef>
+        </p:style>
+        <p:txBody>
+          <a:bodyPr rtlCol="0" anchor="ctr"/>
+          <a:lstStyle/>
+          <a:p>
+            <a:pPr algn="ctr"/>
+            <a:endParaRPr lang="zh-TW" altLang="en-US"/>
+          </a:p>
+        </p:txBody>
+      </p:sp>
+      <mc:AlternateContent xmlns:mc="http://schemas.openxmlformats.org/markup-compatibility/2006">
+        <mc:Choice xmlns:a14="http://schemas.microsoft.com/office/drawing/2010/main" Requires="a14">
+          <p:sp>
+            <p:nvSpPr>
+              <p:cNvPr id="4" name="圓角矩形 3"/>
+              <p:cNvSpPr/>
+              <p:nvPr/>
+            </p:nvSpPr>
+            <p:spPr>
+              <a:xfrm>
+                <a:off x="3098681" y="506563"/>
+                <a:ext cx="1980000" cy="900000"/>
+              </a:xfrm>
+              <a:prstGeom prst="roundRect">
+                <a:avLst/>
+              </a:prstGeom>
+              <a:solidFill>
+                <a:srgbClr val="FFECDA"/>
+              </a:solidFill>
+              <a:ln w="38100">
+                <a:solidFill>
+                  <a:srgbClr val="FFB6B9"/>
+                </a:solidFill>
+              </a:ln>
+            </p:spPr>
+            <p:style>
+              <a:lnRef idx="2">
+                <a:schemeClr val="dk1"/>
+              </a:lnRef>
+              <a:fillRef idx="1">
+                <a:schemeClr val="lt1"/>
+              </a:fillRef>
+              <a:effectRef idx="0">
+                <a:schemeClr val="dk1"/>
+              </a:effectRef>
+              <a:fontRef idx="minor">
+                <a:schemeClr val="dk1"/>
+              </a:fontRef>
+            </p:style>
+            <p:txBody>
+              <a:bodyPr rtlCol="0" anchor="ctr"/>
+              <a:lstStyle/>
+              <a:p>
+                <a:pPr algn="ctr"/>
+                <a:r>
+                  <a:rPr lang="en-US" altLang="zh-TW" sz="2400" dirty="0" smtClean="0">
+                    <a:latin typeface="Times New Roman" panose="02020603050405020304" pitchFamily="18" charset="0"/>
+                    <a:cs typeface="Times New Roman" panose="02020603050405020304" pitchFamily="18" charset="0"/>
+                  </a:rPr>
+                  <a:t>Generator</a:t>
+                </a:r>
+              </a:p>
+              <a:p>
+                <a:pPr algn="ctr"/>
+                <a14:m>
+                  <m:oMath xmlns:m="http://schemas.openxmlformats.org/officeDocument/2006/math">
+                    <m:r>
+                      <a:rPr lang="en-US" altLang="zh-TW" sz="2400" b="0" i="1" smtClean="0">
+                        <a:latin typeface="Cambria Math" panose="02040503050406030204" pitchFamily="18" charset="0"/>
+                        <a:cs typeface="Times New Roman" panose="02020603050405020304" pitchFamily="18" charset="0"/>
+                      </a:rPr>
+                      <m:t>𝐺</m:t>
+                    </m:r>
+                  </m:oMath>
+                </a14:m>
+                <a:r>
+                  <a:rPr lang="en-US" altLang="zh-TW" sz="2400" dirty="0" smtClean="0">
+                    <a:latin typeface="Times New Roman" panose="02020603050405020304" pitchFamily="18" charset="0"/>
+                    <a:cs typeface="Times New Roman" panose="02020603050405020304" pitchFamily="18" charset="0"/>
+                  </a:rPr>
+                  <a:t> </a:t>
+                </a:r>
+                <a:r>
+                  <a:rPr lang="en-US" altLang="zh-TW" sz="2400" dirty="0" smtClean="0">
+                    <a:latin typeface="Times New Roman" panose="02020603050405020304" pitchFamily="18" charset="0"/>
+                    <a:cs typeface="Times New Roman" panose="02020603050405020304" pitchFamily="18" charset="0"/>
+                  </a:rPr>
+                  <a:t> </a:t>
+                </a:r>
+                <a:endParaRPr lang="zh-TW" altLang="en-US" sz="2400" dirty="0">
+                  <a:latin typeface="Times New Roman" panose="02020603050405020304" pitchFamily="18" charset="0"/>
+                  <a:cs typeface="Times New Roman" panose="02020603050405020304" pitchFamily="18" charset="0"/>
+                </a:endParaRPr>
+              </a:p>
+            </p:txBody>
+          </p:sp>
+        </mc:Choice>
+        <mc:Fallback>
+          <p:sp>
+            <p:nvSpPr>
+              <p:cNvPr id="4" name="圓角矩形 3"/>
+              <p:cNvSpPr>
+                <a:spLocks noRot="1" noChangeAspect="1" noMove="1" noResize="1" noEditPoints="1" noAdjustHandles="1" noChangeArrowheads="1" noChangeShapeType="1" noTextEdit="1"/>
+              </p:cNvSpPr>
+              <p:nvPr/>
+            </p:nvSpPr>
+            <p:spPr>
+              <a:xfrm>
+                <a:off x="3098681" y="506563"/>
+                <a:ext cx="1980000" cy="900000"/>
+              </a:xfrm>
+              <a:prstGeom prst="roundRect">
+                <a:avLst/>
+              </a:prstGeom>
+              <a:blipFill rotWithShape="0">
+                <a:blip r:embed="rId2"/>
+                <a:stretch>
+                  <a:fillRect/>
+                </a:stretch>
+              </a:blipFill>
+              <a:ln w="38100">
+                <a:solidFill>
+                  <a:srgbClr val="FFB6B9"/>
+                </a:solidFill>
+              </a:ln>
+            </p:spPr>
+            <p:txBody>
+              <a:bodyPr/>
+              <a:lstStyle/>
+              <a:p>
+                <a:r>
+                  <a:rPr lang="zh-TW" altLang="en-US">
+                    <a:noFill/>
+                  </a:rPr>
+                  <a:t> </a:t>
+                </a:r>
+              </a:p>
+            </p:txBody>
+          </p:sp>
+        </mc:Fallback>
+      </mc:AlternateContent>
+      <mc:AlternateContent xmlns:mc="http://schemas.openxmlformats.org/markup-compatibility/2006">
+        <mc:Choice xmlns:a14="http://schemas.microsoft.com/office/drawing/2010/main" Requires="a14">
+          <p:sp>
+            <p:nvSpPr>
+              <p:cNvPr id="6" name="圓角矩形 5"/>
+              <p:cNvSpPr/>
+              <p:nvPr/>
+            </p:nvSpPr>
+            <p:spPr>
+              <a:xfrm>
+                <a:off x="3098681" y="2725690"/>
+                <a:ext cx="1980000" cy="900000"/>
+              </a:xfrm>
+              <a:prstGeom prst="roundRect">
+                <a:avLst/>
+              </a:prstGeom>
+              <a:solidFill>
+                <a:srgbClr val="FFECDA"/>
+              </a:solidFill>
+              <a:ln w="38100">
+                <a:solidFill>
+                  <a:srgbClr val="FFB6B9"/>
+                </a:solidFill>
+              </a:ln>
+            </p:spPr>
+            <p:style>
+              <a:lnRef idx="2">
+                <a:schemeClr val="dk1"/>
+              </a:lnRef>
+              <a:fillRef idx="1">
+                <a:schemeClr val="lt1"/>
+              </a:fillRef>
+              <a:effectRef idx="0">
+                <a:schemeClr val="dk1"/>
+              </a:effectRef>
+              <a:fontRef idx="minor">
+                <a:schemeClr val="dk1"/>
+              </a:fontRef>
+            </p:style>
+            <p:txBody>
+              <a:bodyPr rtlCol="0" anchor="ctr"/>
+              <a:lstStyle/>
+              <a:p>
+                <a:pPr algn="ctr"/>
+                <a:r>
+                  <a:rPr lang="en-US" altLang="zh-TW" sz="2400" dirty="0" smtClean="0">
+                    <a:latin typeface="Times New Roman" panose="02020603050405020304" pitchFamily="18" charset="0"/>
+                    <a:cs typeface="Times New Roman" panose="02020603050405020304" pitchFamily="18" charset="0"/>
+                  </a:rPr>
+                  <a:t>Discriminator</a:t>
+                </a:r>
+              </a:p>
+              <a:p>
+                <a:pPr algn="ctr"/>
+                <a14:m>
+                  <m:oMathPara xmlns:m="http://schemas.openxmlformats.org/officeDocument/2006/math">
+                    <m:oMathParaPr>
+                      <m:jc m:val="center"/>
+                    </m:oMathParaPr>
+                    <m:oMath xmlns:m="http://schemas.openxmlformats.org/officeDocument/2006/math">
+                      <m:r>
+                        <a:rPr lang="en-US" altLang="zh-TW" sz="2400" b="0" i="1" smtClean="0">
+                          <a:latin typeface="Cambria Math" panose="02040503050406030204" pitchFamily="18" charset="0"/>
+                          <a:cs typeface="Times New Roman" panose="02020603050405020304" pitchFamily="18" charset="0"/>
+                        </a:rPr>
+                        <m:t>𝐷</m:t>
+                      </m:r>
+                    </m:oMath>
+                  </m:oMathPara>
+                </a14:m>
+                <a:endParaRPr lang="zh-TW" altLang="en-US" sz="2400" dirty="0">
+                  <a:latin typeface="Times New Roman" panose="02020603050405020304" pitchFamily="18" charset="0"/>
+                  <a:cs typeface="Times New Roman" panose="02020603050405020304" pitchFamily="18" charset="0"/>
+                </a:endParaRPr>
+              </a:p>
+            </p:txBody>
+          </p:sp>
+        </mc:Choice>
+        <mc:Fallback>
+          <p:sp>
+            <p:nvSpPr>
+              <p:cNvPr id="6" name="圓角矩形 5"/>
+              <p:cNvSpPr>
+                <a:spLocks noRot="1" noChangeAspect="1" noMove="1" noResize="1" noEditPoints="1" noAdjustHandles="1" noChangeArrowheads="1" noChangeShapeType="1" noTextEdit="1"/>
+              </p:cNvSpPr>
+              <p:nvPr/>
+            </p:nvSpPr>
+            <p:spPr>
+              <a:xfrm>
+                <a:off x="3098681" y="2725690"/>
+                <a:ext cx="1980000" cy="900000"/>
+              </a:xfrm>
+              <a:prstGeom prst="roundRect">
+                <a:avLst/>
+              </a:prstGeom>
+              <a:blipFill rotWithShape="0">
+                <a:blip r:embed="rId3"/>
+                <a:stretch>
+                  <a:fillRect l="-906" r="-604"/>
+                </a:stretch>
+              </a:blipFill>
+              <a:ln w="38100">
+                <a:solidFill>
+                  <a:srgbClr val="FFB6B9"/>
+                </a:solidFill>
+              </a:ln>
+            </p:spPr>
+            <p:txBody>
+              <a:bodyPr/>
+              <a:lstStyle/>
+              <a:p>
+                <a:r>
+                  <a:rPr lang="zh-TW" altLang="en-US">
+                    <a:noFill/>
+                  </a:rPr>
+                  <a:t> </a:t>
+                </a:r>
+              </a:p>
+            </p:txBody>
+          </p:sp>
+        </mc:Fallback>
+      </mc:AlternateContent>
+      <mc:AlternateContent xmlns:mc="http://schemas.openxmlformats.org/markup-compatibility/2006">
+        <mc:Choice xmlns:a14="http://schemas.microsoft.com/office/drawing/2010/main" Requires="a14">
+          <p:sp>
+            <p:nvSpPr>
+              <p:cNvPr id="7" name="圓角矩形 6"/>
+              <p:cNvSpPr/>
+              <p:nvPr/>
+            </p:nvSpPr>
+            <p:spPr>
+              <a:xfrm>
+                <a:off x="475195" y="506565"/>
+                <a:ext cx="1980000" cy="900000"/>
+              </a:xfrm>
+              <a:prstGeom prst="roundRect">
+                <a:avLst/>
+              </a:prstGeom>
+              <a:solidFill>
+                <a:srgbClr val="D4A5A5"/>
+              </a:solidFill>
+              <a:ln>
+                <a:noFill/>
+              </a:ln>
+            </p:spPr>
+            <p:style>
+              <a:lnRef idx="2">
+                <a:schemeClr val="dk1"/>
+              </a:lnRef>
+              <a:fillRef idx="1">
+                <a:schemeClr val="lt1"/>
+              </a:fillRef>
+              <a:effectRef idx="0">
+                <a:schemeClr val="dk1"/>
+              </a:effectRef>
+              <a:fontRef idx="minor">
+                <a:schemeClr val="dk1"/>
+              </a:fontRef>
+            </p:style>
+            <p:txBody>
+              <a:bodyPr rtlCol="0" anchor="ctr"/>
+              <a:lstStyle/>
+              <a:p>
+                <a:pPr algn="ctr"/>
+                <a:r>
+                  <a:rPr lang="en-US" altLang="zh-TW" sz="2400" dirty="0" smtClean="0">
+                    <a:latin typeface="Times New Roman" panose="02020603050405020304" pitchFamily="18" charset="0"/>
+                    <a:cs typeface="Times New Roman" panose="02020603050405020304" pitchFamily="18" charset="0"/>
+                  </a:rPr>
+                  <a:t>Random</a:t>
+                </a:r>
+              </a:p>
+              <a:p>
+                <a:pPr algn="ctr"/>
+                <a14:m>
+                  <m:oMathPara xmlns:m="http://schemas.openxmlformats.org/officeDocument/2006/math">
+                    <m:oMathParaPr>
+                      <m:jc m:val="center"/>
+                    </m:oMathParaPr>
+                    <m:oMath xmlns:m="http://schemas.openxmlformats.org/officeDocument/2006/math">
+                      <m:r>
+                        <a:rPr lang="en-US" altLang="zh-TW" sz="2400" b="0" i="1" smtClean="0">
+                          <a:latin typeface="Cambria Math" panose="02040503050406030204" pitchFamily="18" charset="0"/>
+                          <a:cs typeface="Times New Roman" panose="02020603050405020304" pitchFamily="18" charset="0"/>
+                        </a:rPr>
+                        <m:t>𝑧</m:t>
+                      </m:r>
+                    </m:oMath>
+                  </m:oMathPara>
+                </a14:m>
+                <a:endParaRPr lang="zh-TW" altLang="en-US" sz="2400" dirty="0">
+                  <a:latin typeface="Times New Roman" panose="02020603050405020304" pitchFamily="18" charset="0"/>
+                  <a:cs typeface="Times New Roman" panose="02020603050405020304" pitchFamily="18" charset="0"/>
+                </a:endParaRPr>
+              </a:p>
+            </p:txBody>
+          </p:sp>
+        </mc:Choice>
+        <mc:Fallback>
+          <p:sp>
+            <p:nvSpPr>
+              <p:cNvPr id="7" name="圓角矩形 6"/>
+              <p:cNvSpPr>
+                <a:spLocks noRot="1" noChangeAspect="1" noMove="1" noResize="1" noEditPoints="1" noAdjustHandles="1" noChangeArrowheads="1" noChangeShapeType="1" noTextEdit="1"/>
+              </p:cNvSpPr>
+              <p:nvPr/>
+            </p:nvSpPr>
+            <p:spPr>
+              <a:xfrm>
+                <a:off x="475195" y="506565"/>
+                <a:ext cx="1980000" cy="900000"/>
+              </a:xfrm>
+              <a:prstGeom prst="roundRect">
+                <a:avLst/>
+              </a:prstGeom>
+              <a:blipFill rotWithShape="0">
+                <a:blip r:embed="rId4"/>
+                <a:stretch>
+                  <a:fillRect t="-1351"/>
+                </a:stretch>
+              </a:blipFill>
+              <a:ln>
+                <a:noFill/>
+              </a:ln>
+            </p:spPr>
+            <p:txBody>
+              <a:bodyPr/>
+              <a:lstStyle/>
+              <a:p>
+                <a:r>
+                  <a:rPr lang="zh-TW" altLang="en-US">
+                    <a:noFill/>
+                  </a:rPr>
+                  <a:t> </a:t>
+                </a:r>
+              </a:p>
+            </p:txBody>
+          </p:sp>
+        </mc:Fallback>
+      </mc:AlternateContent>
+      <mc:AlternateContent xmlns:mc="http://schemas.openxmlformats.org/markup-compatibility/2006">
+        <mc:Choice xmlns:a14="http://schemas.microsoft.com/office/drawing/2010/main" Requires="a14">
+          <p:sp>
+            <p:nvSpPr>
+              <p:cNvPr id="8" name="圓角矩形 7"/>
+              <p:cNvSpPr/>
+              <p:nvPr/>
+            </p:nvSpPr>
+            <p:spPr>
+              <a:xfrm>
+                <a:off x="5722167" y="506563"/>
+                <a:ext cx="1980000" cy="900000"/>
+              </a:xfrm>
+              <a:prstGeom prst="roundRect">
+                <a:avLst/>
+              </a:prstGeom>
+              <a:solidFill>
+                <a:srgbClr val="A6D0E4"/>
+              </a:solidFill>
+              <a:ln>
+                <a:noFill/>
+              </a:ln>
+            </p:spPr>
+            <p:style>
+              <a:lnRef idx="2">
+                <a:schemeClr val="dk1"/>
+              </a:lnRef>
+              <a:fillRef idx="1">
+                <a:schemeClr val="lt1"/>
+              </a:fillRef>
+              <a:effectRef idx="0">
+                <a:schemeClr val="dk1"/>
+              </a:effectRef>
+              <a:fontRef idx="minor">
+                <a:schemeClr val="dk1"/>
+              </a:fontRef>
+            </p:style>
+            <p:txBody>
+              <a:bodyPr rtlCol="0" anchor="ctr"/>
+              <a:lstStyle/>
+              <a:p>
+                <a:pPr algn="ctr"/>
+                <a:r>
+                  <a:rPr lang="en-US" altLang="zh-TW" sz="2400" dirty="0" smtClean="0">
+                    <a:latin typeface="Times New Roman" panose="02020603050405020304" pitchFamily="18" charset="0"/>
+                    <a:cs typeface="Times New Roman" panose="02020603050405020304" pitchFamily="18" charset="0"/>
+                  </a:rPr>
+                  <a:t>Fake</a:t>
+                </a:r>
+              </a:p>
+              <a:p>
+                <a:pPr algn="ctr"/>
+                <a14:m>
+                  <m:oMathPara xmlns:m="http://schemas.openxmlformats.org/officeDocument/2006/math">
+                    <m:oMathParaPr>
+                      <m:jc m:val="center"/>
+                    </m:oMathParaPr>
+                    <m:oMath xmlns:m="http://schemas.openxmlformats.org/officeDocument/2006/math">
+                      <m:r>
+                        <a:rPr lang="en-US" altLang="zh-TW" sz="2400" b="0" i="1" smtClean="0">
+                          <a:latin typeface="Cambria Math" panose="02040503050406030204" pitchFamily="18" charset="0"/>
+                          <a:cs typeface="Times New Roman" panose="02020603050405020304" pitchFamily="18" charset="0"/>
+                        </a:rPr>
+                        <m:t>𝐺</m:t>
+                      </m:r>
+                      <m:r>
+                        <a:rPr lang="en-US" altLang="zh-TW" sz="2400" b="0" i="1" smtClean="0">
+                          <a:latin typeface="Cambria Math" panose="02040503050406030204" pitchFamily="18" charset="0"/>
+                          <a:cs typeface="Times New Roman" panose="02020603050405020304" pitchFamily="18" charset="0"/>
+                        </a:rPr>
+                        <m:t>(</m:t>
+                      </m:r>
+                      <m:r>
+                        <a:rPr lang="en-US" altLang="zh-TW" sz="2400" b="0" i="1" smtClean="0">
+                          <a:latin typeface="Cambria Math" panose="02040503050406030204" pitchFamily="18" charset="0"/>
+                          <a:cs typeface="Times New Roman" panose="02020603050405020304" pitchFamily="18" charset="0"/>
+                        </a:rPr>
+                        <m:t>𝑧</m:t>
+                      </m:r>
+                      <m:r>
+                        <a:rPr lang="en-US" altLang="zh-TW" sz="2400" b="0" i="1" smtClean="0">
+                          <a:latin typeface="Cambria Math" panose="02040503050406030204" pitchFamily="18" charset="0"/>
+                          <a:cs typeface="Times New Roman" panose="02020603050405020304" pitchFamily="18" charset="0"/>
+                        </a:rPr>
+                        <m:t>)</m:t>
+                      </m:r>
+                    </m:oMath>
+                  </m:oMathPara>
+                </a14:m>
+                <a:endParaRPr lang="zh-TW" altLang="en-US" sz="2400" dirty="0">
+                  <a:latin typeface="Times New Roman" panose="02020603050405020304" pitchFamily="18" charset="0"/>
+                  <a:cs typeface="Times New Roman" panose="02020603050405020304" pitchFamily="18" charset="0"/>
+                </a:endParaRPr>
+              </a:p>
+            </p:txBody>
+          </p:sp>
+        </mc:Choice>
+        <mc:Fallback>
+          <p:sp>
+            <p:nvSpPr>
+              <p:cNvPr id="8" name="圓角矩形 7"/>
+              <p:cNvSpPr>
+                <a:spLocks noRot="1" noChangeAspect="1" noMove="1" noResize="1" noEditPoints="1" noAdjustHandles="1" noChangeArrowheads="1" noChangeShapeType="1" noTextEdit="1"/>
+              </p:cNvSpPr>
+              <p:nvPr/>
+            </p:nvSpPr>
+            <p:spPr>
+              <a:xfrm>
+                <a:off x="5722167" y="506563"/>
+                <a:ext cx="1980000" cy="900000"/>
+              </a:xfrm>
+              <a:prstGeom prst="roundRect">
+                <a:avLst/>
+              </a:prstGeom>
+              <a:blipFill rotWithShape="0">
+                <a:blip r:embed="rId5"/>
+                <a:stretch>
+                  <a:fillRect t="-1351" b="-5405"/>
+                </a:stretch>
+              </a:blipFill>
+              <a:ln>
+                <a:noFill/>
+              </a:ln>
+            </p:spPr>
+            <p:txBody>
+              <a:bodyPr/>
+              <a:lstStyle/>
+              <a:p>
+                <a:r>
+                  <a:rPr lang="zh-TW" altLang="en-US">
+                    <a:noFill/>
+                  </a:rPr>
+                  <a:t> </a:t>
+                </a:r>
+              </a:p>
+            </p:txBody>
+          </p:sp>
+        </mc:Fallback>
+      </mc:AlternateContent>
+      <p:cxnSp>
+        <p:nvCxnSpPr>
+          <p:cNvPr id="9" name="直線單箭頭接點 8"/>
+          <p:cNvCxnSpPr>
+            <a:stCxn id="7" idx="3"/>
+            <a:endCxn id="4" idx="1"/>
+          </p:cNvCxnSpPr>
+          <p:nvPr/>
+        </p:nvCxnSpPr>
+        <p:spPr>
+          <a:xfrm flipV="1">
+            <a:off x="2455195" y="956563"/>
+            <a:ext cx="643486" cy="2"/>
+          </a:xfrm>
+          <a:prstGeom prst="straightConnector1">
+            <a:avLst/>
+          </a:prstGeom>
+          <a:ln w="38100">
+            <a:solidFill>
+              <a:srgbClr val="344857"/>
+            </a:solidFill>
+            <a:tailEnd type="triangle"/>
+          </a:ln>
+        </p:spPr>
+        <p:style>
+          <a:lnRef idx="1">
+            <a:schemeClr val="accent1"/>
+          </a:lnRef>
+          <a:fillRef idx="0">
+            <a:schemeClr val="accent1"/>
+          </a:fillRef>
+          <a:effectRef idx="0">
+            <a:schemeClr val="accent1"/>
+          </a:effectRef>
+          <a:fontRef idx="minor">
+            <a:schemeClr val="tx1"/>
+          </a:fontRef>
+        </p:style>
+      </p:cxnSp>
+      <p:cxnSp>
+        <p:nvCxnSpPr>
+          <p:cNvPr id="13" name="直線單箭頭接點 12"/>
+          <p:cNvCxnSpPr>
+            <a:stCxn id="24" idx="3"/>
+            <a:endCxn id="6" idx="1"/>
+          </p:cNvCxnSpPr>
+          <p:nvPr/>
+        </p:nvCxnSpPr>
+        <p:spPr>
+          <a:xfrm>
+            <a:off x="2455195" y="3175690"/>
+            <a:ext cx="643486" cy="0"/>
+          </a:xfrm>
+          <a:prstGeom prst="straightConnector1">
+            <a:avLst/>
+          </a:prstGeom>
+          <a:ln w="38100">
+            <a:solidFill>
+              <a:srgbClr val="344857"/>
+            </a:solidFill>
+            <a:tailEnd type="triangle"/>
+          </a:ln>
+        </p:spPr>
+        <p:style>
+          <a:lnRef idx="1">
+            <a:schemeClr val="accent1"/>
+          </a:lnRef>
+          <a:fillRef idx="0">
+            <a:schemeClr val="accent1"/>
+          </a:fillRef>
+          <a:effectRef idx="0">
+            <a:schemeClr val="accent1"/>
+          </a:effectRef>
+          <a:fontRef idx="minor">
+            <a:schemeClr val="tx1"/>
+          </a:fontRef>
+        </p:style>
+      </p:cxnSp>
+      <p:cxnSp>
+        <p:nvCxnSpPr>
+          <p:cNvPr id="17" name="直線單箭頭接點 16"/>
+          <p:cNvCxnSpPr>
+            <a:stCxn id="4" idx="3"/>
+            <a:endCxn id="8" idx="1"/>
+          </p:cNvCxnSpPr>
+          <p:nvPr/>
+        </p:nvCxnSpPr>
+        <p:spPr>
+          <a:xfrm>
+            <a:off x="5078681" y="956563"/>
+            <a:ext cx="643486" cy="0"/>
+          </a:xfrm>
+          <a:prstGeom prst="straightConnector1">
+            <a:avLst/>
+          </a:prstGeom>
+          <a:ln w="38100">
+            <a:solidFill>
+              <a:srgbClr val="344857"/>
+            </a:solidFill>
+            <a:tailEnd type="triangle"/>
+          </a:ln>
+        </p:spPr>
+        <p:style>
+          <a:lnRef idx="1">
+            <a:schemeClr val="accent1"/>
+          </a:lnRef>
+          <a:fillRef idx="0">
+            <a:schemeClr val="accent1"/>
+          </a:fillRef>
+          <a:effectRef idx="0">
+            <a:schemeClr val="accent1"/>
+          </a:effectRef>
+          <a:fontRef idx="minor">
+            <a:schemeClr val="tx1"/>
+          </a:fontRef>
+        </p:style>
+      </p:cxnSp>
+      <mc:AlternateContent xmlns:mc="http://schemas.openxmlformats.org/markup-compatibility/2006">
+        <mc:Choice xmlns:a14="http://schemas.microsoft.com/office/drawing/2010/main" Requires="a14">
+          <p:sp>
+            <p:nvSpPr>
+              <p:cNvPr id="24" name="圓角矩形 23"/>
+              <p:cNvSpPr/>
+              <p:nvPr/>
+            </p:nvSpPr>
+            <p:spPr>
+              <a:xfrm>
+                <a:off x="475195" y="2725690"/>
+                <a:ext cx="1980000" cy="900000"/>
+              </a:xfrm>
+              <a:prstGeom prst="roundRect">
+                <a:avLst/>
+              </a:prstGeom>
+              <a:solidFill>
+                <a:srgbClr val="D4A5A5"/>
+              </a:solidFill>
+              <a:ln>
+                <a:noFill/>
+              </a:ln>
+            </p:spPr>
+            <p:style>
+              <a:lnRef idx="2">
+                <a:schemeClr val="dk1"/>
+              </a:lnRef>
+              <a:fillRef idx="1">
+                <a:schemeClr val="lt1"/>
+              </a:fillRef>
+              <a:effectRef idx="0">
+                <a:schemeClr val="dk1"/>
+              </a:effectRef>
+              <a:fontRef idx="minor">
+                <a:schemeClr val="dk1"/>
+              </a:fontRef>
+            </p:style>
+            <p:txBody>
+              <a:bodyPr rtlCol="0" anchor="ctr"/>
+              <a:lstStyle/>
+              <a:p>
+                <a:pPr algn="ctr"/>
+                <a:r>
+                  <a:rPr lang="en-US" altLang="zh-TW" sz="2400" dirty="0" smtClean="0">
+                    <a:latin typeface="Times New Roman" panose="02020603050405020304" pitchFamily="18" charset="0"/>
+                    <a:cs typeface="Times New Roman" panose="02020603050405020304" pitchFamily="18" charset="0"/>
+                  </a:rPr>
+                  <a:t>Real</a:t>
+                </a:r>
+              </a:p>
+              <a:p>
+                <a:pPr algn="ctr"/>
+                <a14:m>
+                  <m:oMath xmlns:m="http://schemas.openxmlformats.org/officeDocument/2006/math">
+                    <m:r>
+                      <a:rPr lang="en-US" altLang="zh-TW" sz="2400" b="0" i="1" smtClean="0">
+                        <a:latin typeface="Cambria Math" panose="02040503050406030204" pitchFamily="18" charset="0"/>
+                        <a:cs typeface="Times New Roman" panose="02020603050405020304" pitchFamily="18" charset="0"/>
+                      </a:rPr>
+                      <m:t>𝑥</m:t>
+                    </m:r>
+                  </m:oMath>
+                </a14:m>
+                <a:r>
+                  <a:rPr lang="en-US" altLang="zh-TW" sz="2400" dirty="0" smtClean="0">
+                    <a:latin typeface="Times New Roman" panose="02020603050405020304" pitchFamily="18" charset="0"/>
+                    <a:cs typeface="Times New Roman" panose="02020603050405020304" pitchFamily="18" charset="0"/>
+                  </a:rPr>
+                  <a:t> </a:t>
+                </a:r>
+                <a:endParaRPr lang="zh-TW" altLang="en-US" sz="2400" dirty="0">
+                  <a:latin typeface="Times New Roman" panose="02020603050405020304" pitchFamily="18" charset="0"/>
+                  <a:cs typeface="Times New Roman" panose="02020603050405020304" pitchFamily="18" charset="0"/>
+                </a:endParaRPr>
+              </a:p>
+            </p:txBody>
+          </p:sp>
+        </mc:Choice>
+        <mc:Fallback>
+          <p:sp>
+            <p:nvSpPr>
+              <p:cNvPr id="24" name="圓角矩形 23"/>
+              <p:cNvSpPr>
+                <a:spLocks noRot="1" noChangeAspect="1" noMove="1" noResize="1" noEditPoints="1" noAdjustHandles="1" noChangeArrowheads="1" noChangeShapeType="1" noTextEdit="1"/>
+              </p:cNvSpPr>
+              <p:nvPr/>
+            </p:nvSpPr>
+            <p:spPr>
+              <a:xfrm>
+                <a:off x="475195" y="2725690"/>
+                <a:ext cx="1980000" cy="900000"/>
+              </a:xfrm>
+              <a:prstGeom prst="roundRect">
+                <a:avLst/>
+              </a:prstGeom>
+              <a:blipFill rotWithShape="0">
+                <a:blip r:embed="rId6"/>
+                <a:stretch>
+                  <a:fillRect t="-1351"/>
+                </a:stretch>
+              </a:blipFill>
+              <a:ln>
+                <a:noFill/>
+              </a:ln>
+            </p:spPr>
+            <p:txBody>
+              <a:bodyPr/>
+              <a:lstStyle/>
+              <a:p>
+                <a:r>
+                  <a:rPr lang="zh-TW" altLang="en-US">
+                    <a:noFill/>
+                  </a:rPr>
+                  <a:t> </a:t>
+                </a:r>
+              </a:p>
+            </p:txBody>
+          </p:sp>
+        </mc:Fallback>
+      </mc:AlternateContent>
+      <p:cxnSp>
+        <p:nvCxnSpPr>
+          <p:cNvPr id="39" name="直線單箭頭接點 38"/>
+          <p:cNvCxnSpPr>
+            <a:stCxn id="6" idx="3"/>
+            <a:endCxn id="43" idx="1"/>
+          </p:cNvCxnSpPr>
+          <p:nvPr/>
+        </p:nvCxnSpPr>
+        <p:spPr>
+          <a:xfrm>
+            <a:off x="5078681" y="3175690"/>
+            <a:ext cx="643486" cy="0"/>
+          </a:xfrm>
+          <a:prstGeom prst="straightConnector1">
+            <a:avLst/>
+          </a:prstGeom>
+          <a:ln w="38100">
+            <a:solidFill>
+              <a:srgbClr val="344857"/>
+            </a:solidFill>
+            <a:tailEnd type="triangle"/>
+          </a:ln>
+        </p:spPr>
+        <p:style>
+          <a:lnRef idx="1">
+            <a:schemeClr val="accent1"/>
+          </a:lnRef>
+          <a:fillRef idx="0">
+            <a:schemeClr val="accent1"/>
+          </a:fillRef>
+          <a:effectRef idx="0">
+            <a:schemeClr val="accent1"/>
+          </a:effectRef>
+          <a:fontRef idx="minor">
+            <a:schemeClr val="tx1"/>
+          </a:fontRef>
+        </p:style>
+      </p:cxnSp>
+      <p:sp>
+        <p:nvSpPr>
+          <p:cNvPr id="43" name="圓角矩形 42"/>
+          <p:cNvSpPr/>
+          <p:nvPr/>
+        </p:nvSpPr>
+        <p:spPr>
+          <a:xfrm>
+            <a:off x="5722167" y="2725690"/>
+            <a:ext cx="1980000" cy="900000"/>
+          </a:xfrm>
+          <a:prstGeom prst="roundRect">
+            <a:avLst/>
+          </a:prstGeom>
+          <a:solidFill>
+            <a:srgbClr val="A6D0E4"/>
+          </a:solidFill>
+          <a:ln>
+            <a:noFill/>
+          </a:ln>
+        </p:spPr>
+        <p:style>
+          <a:lnRef idx="2">
+            <a:schemeClr val="dk1"/>
+          </a:lnRef>
+          <a:fillRef idx="1">
+            <a:schemeClr val="lt1"/>
+          </a:fillRef>
+          <a:effectRef idx="0">
+            <a:schemeClr val="dk1"/>
+          </a:effectRef>
+          <a:fontRef idx="minor">
+            <a:schemeClr val="dk1"/>
+          </a:fontRef>
+        </p:style>
+        <p:txBody>
+          <a:bodyPr rtlCol="0" anchor="ctr"/>
+          <a:lstStyle/>
+          <a:p>
+            <a:pPr algn="ctr"/>
+            <a:r>
+              <a:rPr lang="en-US" altLang="zh-TW" sz="2400" dirty="0" smtClean="0">
+                <a:latin typeface="Times New Roman" panose="02020603050405020304" pitchFamily="18" charset="0"/>
+                <a:cs typeface="Times New Roman" panose="02020603050405020304" pitchFamily="18" charset="0"/>
+              </a:rPr>
+              <a:t>Real / Fake ?</a:t>
+            </a:r>
+            <a:r>
+              <a:rPr lang="en-US" altLang="zh-TW" sz="2400" dirty="0" smtClean="0">
+                <a:latin typeface="Times New Roman" panose="02020603050405020304" pitchFamily="18" charset="0"/>
+                <a:cs typeface="Times New Roman" panose="02020603050405020304" pitchFamily="18" charset="0"/>
+              </a:rPr>
+              <a:t>  </a:t>
+            </a:r>
+            <a:endParaRPr lang="zh-TW" altLang="en-US" sz="2400" dirty="0">
+              <a:latin typeface="Times New Roman" panose="02020603050405020304" pitchFamily="18" charset="0"/>
+              <a:cs typeface="Times New Roman" panose="02020603050405020304" pitchFamily="18" charset="0"/>
+            </a:endParaRPr>
+          </a:p>
+        </p:txBody>
+      </p:sp>
+      <p:cxnSp>
+        <p:nvCxnSpPr>
+          <p:cNvPr id="102" name="肘形接點 101"/>
+          <p:cNvCxnSpPr>
+            <a:stCxn id="8" idx="2"/>
+            <a:endCxn id="6" idx="0"/>
+          </p:cNvCxnSpPr>
+          <p:nvPr/>
+        </p:nvCxnSpPr>
+        <p:spPr>
+          <a:xfrm rot="5400000">
+            <a:off x="4740861" y="754383"/>
+            <a:ext cx="1319127" cy="2623486"/>
+          </a:xfrm>
+          <a:prstGeom prst="bentConnector3">
+            <a:avLst>
+              <a:gd name="adj1" fmla="val 50000"/>
+            </a:avLst>
+          </a:prstGeom>
+          <a:ln w="38100">
+            <a:solidFill>
+              <a:srgbClr val="344857"/>
+            </a:solidFill>
+            <a:tailEnd type="triangle"/>
+          </a:ln>
+        </p:spPr>
+        <p:style>
+          <a:lnRef idx="1">
+            <a:schemeClr val="accent1"/>
+          </a:lnRef>
+          <a:fillRef idx="0">
+            <a:schemeClr val="accent1"/>
+          </a:fillRef>
+          <a:effectRef idx="0">
+            <a:schemeClr val="accent1"/>
+          </a:effectRef>
+          <a:fontRef idx="minor">
+            <a:schemeClr val="tx1"/>
+          </a:fontRef>
+        </p:style>
+      </p:cxnSp>
+    </p:spTree>
+    <p:extLst>
+      <p:ext uri="{BB962C8B-B14F-4D97-AF65-F5344CB8AC3E}">
+        <p14:creationId xmlns:p14="http://schemas.microsoft.com/office/powerpoint/2010/main" val="1800457039"/>
+      </p:ext>
+    </p:extLst>
+  </p:cSld>
+  <p:clrMapOvr>
+    <a:masterClrMapping/>
+  </p:clrMapOvr>
+</p:sld>
+</file>
+
+<file path=ppt/slides/slide5.xml><?xml version="1.0" encoding="utf-8"?>
 <p:sld xmlns:a="http://schemas.openxmlformats.org/drawingml/2006/main" xmlns:r="http://schemas.openxmlformats.org/officeDocument/2006/relationships" xmlns:p="http://schemas.openxmlformats.org/presentationml/2006/main">
   <p:cSld>
     <p:spTree>
@@ -10712,16 +11976,17 @@
         </p:nvSpPr>
         <p:spPr>
           <a:xfrm>
-            <a:off x="818597" y="400594"/>
-            <a:ext cx="9213677" cy="5442856"/>
+            <a:off x="165253" y="101960"/>
+            <a:ext cx="11135017" cy="6420026"/>
           </a:xfrm>
           <a:prstGeom prst="rect">
             <a:avLst/>
           </a:prstGeom>
-          <a:ln>
+          <a:ln w="12700">
             <a:solidFill>
               <a:schemeClr val="bg1"/>
             </a:solidFill>
+            <a:prstDash val="solid"/>
           </a:ln>
         </p:spPr>
         <p:style>
@@ -10743,24 +12008,30 @@
           <a:lstStyle/>
           <a:p>
             <a:pPr algn="ctr"/>
-            <a:endParaRPr lang="zh-TW" altLang="en-US"/>
+            <a:endParaRPr lang="zh-TW" altLang="en-US" dirty="0"/>
           </a:p>
         </p:txBody>
       </p:sp>
       <p:sp>
         <p:nvSpPr>
-          <p:cNvPr id="4" name="矩形 3"/>
+          <p:cNvPr id="4" name="圓角矩形 3"/>
           <p:cNvSpPr/>
           <p:nvPr/>
         </p:nvSpPr>
         <p:spPr>
           <a:xfrm>
-            <a:off x="4130305" y="557714"/>
-            <a:ext cx="2427249" cy="417645"/>
+            <a:off x="4334767" y="202937"/>
+            <a:ext cx="2520000" cy="720000"/>
           </a:xfrm>
-          <a:prstGeom prst="rect">
+          <a:prstGeom prst="roundRect">
             <a:avLst/>
           </a:prstGeom>
+          <a:solidFill>
+            <a:srgbClr val="DBD0C0"/>
+          </a:solidFill>
+          <a:ln>
+            <a:noFill/>
+          </a:ln>
         </p:spPr>
         <p:style>
           <a:lnRef idx="2">
@@ -10782,13 +12053,27 @@
           <a:p>
             <a:pPr algn="ctr"/>
             <a:r>
-              <a:rPr lang="en-US" altLang="zh-TW" dirty="0" smtClean="0">
+              <a:rPr lang="en-US" altLang="zh-TW" sz="2000" dirty="0" smtClean="0">
                 <a:latin typeface="Times New Roman" panose="02020603050405020304" pitchFamily="18" charset="0"/>
                 <a:cs typeface="Times New Roman" panose="02020603050405020304" pitchFamily="18" charset="0"/>
               </a:rPr>
-              <a:t>Loss on training data</a:t>
+              <a:t>Loss on </a:t>
             </a:r>
-            <a:endParaRPr lang="zh-TW" altLang="en-US" dirty="0">
+            <a:r>
+              <a:rPr lang="en-US" altLang="zh-TW" sz="2000" dirty="0" smtClean="0">
+                <a:latin typeface="Times New Roman" panose="02020603050405020304" pitchFamily="18" charset="0"/>
+                <a:cs typeface="Times New Roman" panose="02020603050405020304" pitchFamily="18" charset="0"/>
+              </a:rPr>
+              <a:t>training </a:t>
+            </a:r>
+            <a:r>
+              <a:rPr lang="en-US" altLang="zh-TW" sz="2000" dirty="0" smtClean="0">
+                <a:latin typeface="Times New Roman" panose="02020603050405020304" pitchFamily="18" charset="0"/>
+                <a:cs typeface="Times New Roman" panose="02020603050405020304" pitchFamily="18" charset="0"/>
+              </a:rPr>
+              <a:t>data</a:t>
+            </a:r>
+            <a:endParaRPr lang="zh-TW" altLang="en-US" sz="2000" dirty="0">
               <a:latin typeface="Times New Roman" panose="02020603050405020304" pitchFamily="18" charset="0"/>
               <a:cs typeface="Times New Roman" panose="02020603050405020304" pitchFamily="18" charset="0"/>
             </a:endParaRPr>
@@ -10806,15 +12091,15 @@
         </p:nvCxnSpPr>
         <p:spPr>
           <a:xfrm flipH="1">
-            <a:off x="3057529" y="975359"/>
-            <a:ext cx="2286401" cy="843192"/>
+            <a:off x="3057529" y="922937"/>
+            <a:ext cx="2537238" cy="895614"/>
           </a:xfrm>
           <a:prstGeom prst="straightConnector1">
             <a:avLst/>
           </a:prstGeom>
-          <a:ln>
+          <a:ln w="38100">
             <a:solidFill>
-              <a:schemeClr val="tx1"/>
+              <a:srgbClr val="344857"/>
             </a:solidFill>
             <a:tailEnd type="triangle"/>
           </a:ln>
@@ -10839,21 +12124,21 @@
           <p:cNvPr id="10" name="直線單箭頭接點 9"/>
           <p:cNvCxnSpPr>
             <a:stCxn id="4" idx="2"/>
-            <a:endCxn id="13" idx="0"/>
+            <a:endCxn id="33" idx="0"/>
           </p:cNvCxnSpPr>
           <p:nvPr/>
         </p:nvCxnSpPr>
         <p:spPr>
           <a:xfrm>
-            <a:off x="5343930" y="975359"/>
-            <a:ext cx="2609086" cy="1255541"/>
+            <a:off x="5594767" y="922937"/>
+            <a:ext cx="2513215" cy="845294"/>
           </a:xfrm>
           <a:prstGeom prst="straightConnector1">
             <a:avLst/>
           </a:prstGeom>
-          <a:ln>
+          <a:ln w="38100">
             <a:solidFill>
-              <a:schemeClr val="tx1"/>
+              <a:srgbClr val="344857"/>
             </a:solidFill>
             <a:tailEnd type="triangle"/>
           </a:ln>
@@ -10875,61 +12160,13 @@
       </p:cxnSp>
       <p:sp>
         <p:nvSpPr>
-          <p:cNvPr id="13" name="矩形 12"/>
+          <p:cNvPr id="23" name="矩形 22"/>
           <p:cNvSpPr/>
           <p:nvPr/>
         </p:nvSpPr>
         <p:spPr>
           <a:xfrm>
-            <a:off x="6739391" y="2230900"/>
-            <a:ext cx="2427249" cy="417646"/>
-          </a:xfrm>
-          <a:prstGeom prst="rect">
-            <a:avLst/>
-          </a:prstGeom>
-        </p:spPr>
-        <p:style>
-          <a:lnRef idx="2">
-            <a:schemeClr val="dk1"/>
-          </a:lnRef>
-          <a:fillRef idx="1">
-            <a:schemeClr val="lt1"/>
-          </a:fillRef>
-          <a:effectRef idx="0">
-            <a:schemeClr val="dk1"/>
-          </a:effectRef>
-          <a:fontRef idx="minor">
-            <a:schemeClr val="dk1"/>
-          </a:fontRef>
-        </p:style>
-        <p:txBody>
-          <a:bodyPr rtlCol="0" anchor="ctr"/>
-          <a:lstStyle/>
-          <a:p>
-            <a:pPr algn="ctr"/>
-            <a:r>
-              <a:rPr lang="en-US" altLang="zh-TW" dirty="0" smtClean="0">
-                <a:latin typeface="Times New Roman" panose="02020603050405020304" pitchFamily="18" charset="0"/>
-                <a:cs typeface="Times New Roman" panose="02020603050405020304" pitchFamily="18" charset="0"/>
-              </a:rPr>
-              <a:t>Loss on testing data</a:t>
-            </a:r>
-            <a:endParaRPr lang="zh-TW" altLang="en-US" dirty="0">
-              <a:latin typeface="Times New Roman" panose="02020603050405020304" pitchFamily="18" charset="0"/>
-              <a:cs typeface="Times New Roman" panose="02020603050405020304" pitchFamily="18" charset="0"/>
-            </a:endParaRPr>
-          </a:p>
-        </p:txBody>
-      </p:sp>
-      <p:sp>
-        <p:nvSpPr>
-          <p:cNvPr id="22" name="矩形 21"/>
-          <p:cNvSpPr/>
-          <p:nvPr/>
-        </p:nvSpPr>
-        <p:spPr>
-          <a:xfrm>
-            <a:off x="3292310" y="1084046"/>
+            <a:off x="7031597" y="1048091"/>
             <a:ext cx="977882" cy="417645"/>
           </a:xfrm>
           <a:prstGeom prst="rect">
@@ -10960,72 +12197,13 @@
           <a:p>
             <a:pPr algn="ctr"/>
             <a:r>
-              <a:rPr lang="en-US" altLang="zh-TW" dirty="0">
-                <a:latin typeface="Times New Roman" panose="02020603050405020304" pitchFamily="18" charset="0"/>
-                <a:cs typeface="Times New Roman" panose="02020603050405020304" pitchFamily="18" charset="0"/>
-              </a:rPr>
-              <a:t>l</a:t>
-            </a:r>
-            <a:r>
-              <a:rPr lang="en-US" altLang="zh-TW" dirty="0" smtClean="0">
-                <a:latin typeface="Times New Roman" panose="02020603050405020304" pitchFamily="18" charset="0"/>
-                <a:cs typeface="Times New Roman" panose="02020603050405020304" pitchFamily="18" charset="0"/>
-              </a:rPr>
-              <a:t>arge</a:t>
-            </a:r>
-            <a:endParaRPr lang="zh-TW" altLang="en-US" dirty="0">
-              <a:latin typeface="Times New Roman" panose="02020603050405020304" pitchFamily="18" charset="0"/>
-              <a:cs typeface="Times New Roman" panose="02020603050405020304" pitchFamily="18" charset="0"/>
-            </a:endParaRPr>
-          </a:p>
-        </p:txBody>
-      </p:sp>
-      <p:sp>
-        <p:nvSpPr>
-          <p:cNvPr id="23" name="矩形 22"/>
-          <p:cNvSpPr/>
-          <p:nvPr/>
-        </p:nvSpPr>
-        <p:spPr>
-          <a:xfrm>
-            <a:off x="6758431" y="1271761"/>
-            <a:ext cx="977882" cy="417645"/>
-          </a:xfrm>
-          <a:prstGeom prst="rect">
-            <a:avLst/>
-          </a:prstGeom>
-          <a:noFill/>
-          <a:ln>
-            <a:noFill/>
-          </a:ln>
-        </p:spPr>
-        <p:style>
-          <a:lnRef idx="2">
-            <a:schemeClr val="dk1"/>
-          </a:lnRef>
-          <a:fillRef idx="1">
-            <a:schemeClr val="lt1"/>
-          </a:fillRef>
-          <a:effectRef idx="0">
-            <a:schemeClr val="dk1"/>
-          </a:effectRef>
-          <a:fontRef idx="minor">
-            <a:schemeClr val="dk1"/>
-          </a:fontRef>
-        </p:style>
-        <p:txBody>
-          <a:bodyPr rtlCol="0" anchor="ctr"/>
-          <a:lstStyle/>
-          <a:p>
-            <a:pPr algn="ctr"/>
-            <a:r>
-              <a:rPr lang="en-US" altLang="zh-TW" dirty="0" smtClean="0">
+              <a:rPr lang="en-US" altLang="zh-TW" sz="2000" i="1" dirty="0" smtClean="0">
                 <a:latin typeface="Times New Roman" panose="02020603050405020304" pitchFamily="18" charset="0"/>
                 <a:cs typeface="Times New Roman" panose="02020603050405020304" pitchFamily="18" charset="0"/>
               </a:rPr>
               <a:t>small</a:t>
             </a:r>
-            <a:endParaRPr lang="zh-TW" altLang="en-US" dirty="0">
+            <a:endParaRPr lang="zh-TW" altLang="en-US" sz="2000" i="1" dirty="0">
               <a:latin typeface="Times New Roman" panose="02020603050405020304" pitchFamily="18" charset="0"/>
               <a:cs typeface="Times New Roman" panose="02020603050405020304" pitchFamily="18" charset="0"/>
             </a:endParaRPr>
@@ -11036,22 +12214,22 @@
         <p:nvCxnSpPr>
           <p:cNvPr id="24" name="直線單箭頭接點 23"/>
           <p:cNvCxnSpPr>
-            <a:stCxn id="13" idx="2"/>
-            <a:endCxn id="155" idx="0"/>
+            <a:stCxn id="33" idx="2"/>
+            <a:endCxn id="155" idx="1"/>
           </p:cNvCxnSpPr>
           <p:nvPr/>
         </p:nvCxnSpPr>
         <p:spPr>
           <a:xfrm>
-            <a:off x="7953016" y="2648546"/>
-            <a:ext cx="1553528" cy="961247"/>
+            <a:off x="8107982" y="2488231"/>
+            <a:ext cx="1700828" cy="1055158"/>
           </a:xfrm>
           <a:prstGeom prst="straightConnector1">
             <a:avLst/>
           </a:prstGeom>
-          <a:ln>
+          <a:ln w="38100">
             <a:solidFill>
-              <a:schemeClr val="tx1"/>
+              <a:srgbClr val="344857"/>
             </a:solidFill>
             <a:tailEnd type="triangle"/>
           </a:ln>
@@ -11075,22 +12253,22 @@
         <p:nvCxnSpPr>
           <p:cNvPr id="28" name="直線單箭頭接點 27"/>
           <p:cNvCxnSpPr>
-            <a:stCxn id="13" idx="2"/>
+            <a:stCxn id="33" idx="2"/>
             <a:endCxn id="84" idx="0"/>
           </p:cNvCxnSpPr>
           <p:nvPr/>
         </p:nvCxnSpPr>
         <p:spPr>
           <a:xfrm flipH="1">
-            <a:off x="6436214" y="2648546"/>
-            <a:ext cx="1516802" cy="961247"/>
+            <a:off x="6436214" y="2488231"/>
+            <a:ext cx="1671768" cy="1121562"/>
           </a:xfrm>
           <a:prstGeom prst="straightConnector1">
             <a:avLst/>
           </a:prstGeom>
-          <a:ln>
+          <a:ln w="38100">
             <a:solidFill>
-              <a:schemeClr val="tx1"/>
+              <a:srgbClr val="344857"/>
             </a:solidFill>
             <a:tailEnd type="triangle"/>
           </a:ln>
@@ -11110,58 +12288,6 @@
           </a:fontRef>
         </p:style>
       </p:cxnSp>
-      <p:sp>
-        <p:nvSpPr>
-          <p:cNvPr id="31" name="矩形 30"/>
-          <p:cNvSpPr/>
-          <p:nvPr/>
-        </p:nvSpPr>
-        <p:spPr>
-          <a:xfrm>
-            <a:off x="8943965" y="2823388"/>
-            <a:ext cx="977882" cy="417645"/>
-          </a:xfrm>
-          <a:prstGeom prst="rect">
-            <a:avLst/>
-          </a:prstGeom>
-          <a:noFill/>
-          <a:ln>
-            <a:noFill/>
-          </a:ln>
-        </p:spPr>
-        <p:style>
-          <a:lnRef idx="2">
-            <a:schemeClr val="dk1"/>
-          </a:lnRef>
-          <a:fillRef idx="1">
-            <a:schemeClr val="lt1"/>
-          </a:fillRef>
-          <a:effectRef idx="0">
-            <a:schemeClr val="dk1"/>
-          </a:effectRef>
-          <a:fontRef idx="minor">
-            <a:schemeClr val="dk1"/>
-          </a:fontRef>
-        </p:style>
-        <p:txBody>
-          <a:bodyPr rtlCol="0" anchor="ctr"/>
-          <a:lstStyle/>
-          <a:p>
-            <a:pPr algn="ctr"/>
-            <a:r>
-              <a:rPr lang="en-US" altLang="zh-TW" dirty="0" smtClean="0">
-                <a:latin typeface="Times New Roman" panose="02020603050405020304" pitchFamily="18" charset="0"/>
-                <a:cs typeface="Times New Roman" panose="02020603050405020304" pitchFamily="18" charset="0"/>
-              </a:rPr>
-              <a:t>small</a:t>
-            </a:r>
-            <a:endParaRPr lang="zh-TW" altLang="en-US" dirty="0">
-              <a:latin typeface="Times New Roman" panose="02020603050405020304" pitchFamily="18" charset="0"/>
-              <a:cs typeface="Times New Roman" panose="02020603050405020304" pitchFamily="18" charset="0"/>
-            </a:endParaRPr>
-          </a:p>
-        </p:txBody>
-      </p:sp>
       <p:sp>
         <p:nvSpPr>
           <p:cNvPr id="32" name="矩形 31"/>
@@ -11201,20 +12327,20 @@
           <a:p>
             <a:pPr algn="ctr"/>
             <a:r>
-              <a:rPr lang="en-US" altLang="zh-TW" dirty="0">
+              <a:rPr lang="en-US" altLang="zh-TW" sz="2000" i="1" dirty="0">
                 <a:latin typeface="Times New Roman" panose="02020603050405020304" pitchFamily="18" charset="0"/>
                 <a:cs typeface="Times New Roman" panose="02020603050405020304" pitchFamily="18" charset="0"/>
               </a:rPr>
               <a:t>l</a:t>
             </a:r>
             <a:r>
-              <a:rPr lang="en-US" altLang="zh-TW" dirty="0" smtClean="0">
+              <a:rPr lang="en-US" altLang="zh-TW" sz="2000" i="1" dirty="0" smtClean="0">
                 <a:latin typeface="Times New Roman" panose="02020603050405020304" pitchFamily="18" charset="0"/>
                 <a:cs typeface="Times New Roman" panose="02020603050405020304" pitchFamily="18" charset="0"/>
               </a:rPr>
               <a:t>arge</a:t>
             </a:r>
-            <a:endParaRPr lang="zh-TW" altLang="en-US" dirty="0">
+            <a:endParaRPr lang="zh-TW" altLang="en-US" sz="2000" i="1" dirty="0">
               <a:latin typeface="Times New Roman" panose="02020603050405020304" pitchFamily="18" charset="0"/>
               <a:cs typeface="Times New Roman" panose="02020603050405020304" pitchFamily="18" charset="0"/>
             </a:endParaRPr>
@@ -11232,15 +12358,15 @@
         </p:nvCxnSpPr>
         <p:spPr>
           <a:xfrm flipH="1">
-            <a:off x="1957679" y="1864270"/>
-            <a:ext cx="1099850" cy="1050845"/>
+            <a:off x="1553477" y="1864270"/>
+            <a:ext cx="1504052" cy="959119"/>
           </a:xfrm>
           <a:prstGeom prst="straightConnector1">
             <a:avLst/>
           </a:prstGeom>
-          <a:ln>
+          <a:ln w="38100">
             <a:solidFill>
-              <a:schemeClr val="tx1"/>
+              <a:srgbClr val="344857"/>
             </a:solidFill>
             <a:tailEnd type="triangle"/>
           </a:ln>
@@ -11272,14 +12398,14 @@
         <p:spPr>
           <a:xfrm>
             <a:off x="3057529" y="1864270"/>
-            <a:ext cx="1058885" cy="1050845"/>
+            <a:ext cx="1495230" cy="970588"/>
           </a:xfrm>
           <a:prstGeom prst="straightConnector1">
             <a:avLst/>
           </a:prstGeom>
-          <a:ln>
+          <a:ln w="38100">
             <a:solidFill>
-              <a:schemeClr val="tx1"/>
+              <a:srgbClr val="344857"/>
             </a:solidFill>
             <a:tailEnd type="triangle"/>
           </a:ln>
@@ -11352,7 +12478,7 @@
         </p:nvSpPr>
         <p:spPr>
           <a:xfrm>
-            <a:off x="818597" y="2135868"/>
+            <a:off x="756076" y="2000074"/>
             <a:ext cx="1332411" cy="546097"/>
           </a:xfrm>
           <a:prstGeom prst="rect">
@@ -11383,20 +12509,20 @@
           <a:p>
             <a:pPr algn="ctr"/>
             <a:r>
-              <a:rPr lang="en-US" altLang="zh-TW" dirty="0">
+              <a:rPr lang="en-US" altLang="zh-TW" sz="2000" i="1" dirty="0">
                 <a:latin typeface="Times New Roman" panose="02020603050405020304" pitchFamily="18" charset="0"/>
                 <a:cs typeface="Times New Roman" panose="02020603050405020304" pitchFamily="18" charset="0"/>
               </a:rPr>
               <a:t>m</a:t>
             </a:r>
             <a:r>
-              <a:rPr lang="en-US" altLang="zh-TW" dirty="0" smtClean="0">
+              <a:rPr lang="en-US" altLang="zh-TW" sz="2000" i="1" dirty="0" smtClean="0">
                 <a:latin typeface="Times New Roman" panose="02020603050405020304" pitchFamily="18" charset="0"/>
                 <a:cs typeface="Times New Roman" panose="02020603050405020304" pitchFamily="18" charset="0"/>
               </a:rPr>
               <a:t>odel bias</a:t>
             </a:r>
-            <a:endParaRPr lang="zh-TW" altLang="en-US" dirty="0">
+            <a:endParaRPr lang="zh-TW" altLang="en-US" sz="2000" i="1" dirty="0">
               <a:latin typeface="Times New Roman" panose="02020603050405020304" pitchFamily="18" charset="0"/>
               <a:cs typeface="Times New Roman" panose="02020603050405020304" pitchFamily="18" charset="0"/>
             </a:endParaRPr>
@@ -11411,7 +12537,7 @@
         </p:nvSpPr>
         <p:spPr>
           <a:xfrm>
-            <a:off x="3763174" y="2071834"/>
+            <a:off x="3934753" y="1973887"/>
             <a:ext cx="1479413" cy="546097"/>
           </a:xfrm>
           <a:prstGeom prst="rect">
@@ -11442,13 +12568,13 @@
           <a:p>
             <a:pPr algn="ctr"/>
             <a:r>
-              <a:rPr lang="en-US" altLang="zh-TW" dirty="0" smtClean="0">
+              <a:rPr lang="en-US" altLang="zh-TW" sz="2000" i="1" dirty="0" smtClean="0">
                 <a:latin typeface="Times New Roman" panose="02020603050405020304" pitchFamily="18" charset="0"/>
                 <a:cs typeface="Times New Roman" panose="02020603050405020304" pitchFamily="18" charset="0"/>
               </a:rPr>
               <a:t>optimization</a:t>
             </a:r>
-            <a:endParaRPr lang="zh-TW" altLang="en-US" dirty="0">
+            <a:endParaRPr lang="zh-TW" altLang="en-US" sz="2000" i="1" dirty="0">
               <a:latin typeface="Times New Roman" panose="02020603050405020304" pitchFamily="18" charset="0"/>
               <a:cs typeface="Times New Roman" panose="02020603050405020304" pitchFamily="18" charset="0"/>
             </a:endParaRPr>
@@ -11457,18 +12583,24 @@
       </p:sp>
       <p:sp>
         <p:nvSpPr>
-          <p:cNvPr id="63" name="矩形 62"/>
+          <p:cNvPr id="63" name="圓角矩形 62"/>
           <p:cNvSpPr/>
           <p:nvPr/>
         </p:nvSpPr>
         <p:spPr>
           <a:xfrm>
-            <a:off x="1088524" y="2915115"/>
-            <a:ext cx="1738309" cy="648054"/>
+            <a:off x="293477" y="2823389"/>
+            <a:ext cx="2520000" cy="720000"/>
           </a:xfrm>
-          <a:prstGeom prst="rect">
+          <a:prstGeom prst="roundRect">
             <a:avLst/>
           </a:prstGeom>
+          <a:solidFill>
+            <a:srgbClr val="F9CF93"/>
+          </a:solidFill>
+          <a:ln>
+            <a:noFill/>
+          </a:ln>
         </p:spPr>
         <p:style>
           <a:lnRef idx="2">
@@ -11490,22 +12622,18 @@
           <a:p>
             <a:pPr algn="ctr"/>
             <a:r>
-              <a:rPr lang="en-US" altLang="zh-TW" dirty="0" smtClean="0">
+              <a:rPr lang="en-US" altLang="zh-TW" sz="2000" dirty="0" smtClean="0">
                 <a:solidFill>
-                  <a:schemeClr val="accent5">
-                    <a:lumMod val="75000"/>
-                  </a:schemeClr>
+                  <a:schemeClr val="tx1"/>
                 </a:solidFill>
                 <a:latin typeface="Times New Roman" panose="02020603050405020304" pitchFamily="18" charset="0"/>
                 <a:cs typeface="Times New Roman" panose="02020603050405020304" pitchFamily="18" charset="0"/>
               </a:rPr>
               <a:t>Make your model complex</a:t>
             </a:r>
-            <a:endParaRPr lang="zh-TW" altLang="en-US" dirty="0">
+            <a:endParaRPr lang="zh-TW" altLang="en-US" sz="2000" dirty="0">
               <a:solidFill>
-                <a:schemeClr val="accent5">
-                  <a:lumMod val="75000"/>
-                </a:schemeClr>
+                <a:schemeClr val="tx1"/>
               </a:solidFill>
               <a:latin typeface="Times New Roman" panose="02020603050405020304" pitchFamily="18" charset="0"/>
               <a:cs typeface="Times New Roman" panose="02020603050405020304" pitchFamily="18" charset="0"/>
@@ -11515,18 +12643,24 @@
       </p:sp>
       <p:sp>
         <p:nvSpPr>
-          <p:cNvPr id="71" name="矩形 70"/>
+          <p:cNvPr id="71" name="圓角矩形 70"/>
           <p:cNvSpPr/>
           <p:nvPr/>
         </p:nvSpPr>
         <p:spPr>
           <a:xfrm>
-            <a:off x="3247259" y="2915115"/>
-            <a:ext cx="1738309" cy="648054"/>
+            <a:off x="3292759" y="2834858"/>
+            <a:ext cx="2520000" cy="720000"/>
           </a:xfrm>
-          <a:prstGeom prst="rect">
+          <a:prstGeom prst="roundRect">
             <a:avLst/>
           </a:prstGeom>
+          <a:solidFill>
+            <a:srgbClr val="F9CF93"/>
+          </a:solidFill>
+          <a:ln>
+            <a:noFill/>
+          </a:ln>
         </p:spPr>
         <p:style>
           <a:lnRef idx="2">
@@ -11548,22 +12682,38 @@
           <a:p>
             <a:pPr algn="ctr"/>
             <a:r>
-              <a:rPr lang="en-US" altLang="zh-TW" dirty="0" smtClean="0">
+              <a:rPr lang="en-US" altLang="zh-TW" sz="2000" dirty="0" smtClean="0">
                 <a:solidFill>
-                  <a:schemeClr val="accent5">
-                    <a:lumMod val="75000"/>
-                  </a:schemeClr>
+                  <a:schemeClr val="tx1"/>
                 </a:solidFill>
                 <a:latin typeface="Times New Roman" panose="02020603050405020304" pitchFamily="18" charset="0"/>
                 <a:cs typeface="Times New Roman" panose="02020603050405020304" pitchFamily="18" charset="0"/>
               </a:rPr>
-              <a:t>Try another hyper-parameter</a:t>
+              <a:t>Try another </a:t>
             </a:r>
-            <a:endParaRPr lang="zh-TW" altLang="en-US" dirty="0">
+            <a:endParaRPr lang="en-US" altLang="zh-TW" sz="2000" dirty="0" smtClean="0">
               <a:solidFill>
-                <a:schemeClr val="accent5">
-                  <a:lumMod val="75000"/>
-                </a:schemeClr>
+                <a:schemeClr val="tx1"/>
+              </a:solidFill>
+              <a:latin typeface="Times New Roman" panose="02020603050405020304" pitchFamily="18" charset="0"/>
+              <a:cs typeface="Times New Roman" panose="02020603050405020304" pitchFamily="18" charset="0"/>
+            </a:endParaRPr>
+          </a:p>
+          <a:p>
+            <a:pPr algn="ctr"/>
+            <a:r>
+              <a:rPr lang="en-US" altLang="zh-TW" sz="2000" dirty="0" smtClean="0">
+                <a:solidFill>
+                  <a:schemeClr val="tx1"/>
+                </a:solidFill>
+                <a:latin typeface="Times New Roman" panose="02020603050405020304" pitchFamily="18" charset="0"/>
+                <a:cs typeface="Times New Roman" panose="02020603050405020304" pitchFamily="18" charset="0"/>
+              </a:rPr>
+              <a:t>hyper-parameter</a:t>
+            </a:r>
+            <a:endParaRPr lang="zh-TW" altLang="en-US" sz="2000" dirty="0">
+              <a:solidFill>
+                <a:schemeClr val="tx1"/>
               </a:solidFill>
               <a:latin typeface="Times New Roman" panose="02020603050405020304" pitchFamily="18" charset="0"/>
               <a:cs typeface="Times New Roman" panose="02020603050405020304" pitchFamily="18" charset="0"/>
@@ -11627,15 +12777,15 @@
         </p:nvCxnSpPr>
         <p:spPr>
           <a:xfrm flipH="1">
-            <a:off x="4856019" y="3671564"/>
-            <a:ext cx="1580195" cy="942450"/>
+            <a:off x="4198033" y="3671564"/>
+            <a:ext cx="2238181" cy="1405313"/>
           </a:xfrm>
           <a:prstGeom prst="straightConnector1">
             <a:avLst/>
           </a:prstGeom>
-          <a:ln>
+          <a:ln w="38100">
             <a:solidFill>
-              <a:schemeClr val="tx1"/>
+              <a:srgbClr val="344857"/>
             </a:solidFill>
             <a:tailEnd type="triangle"/>
           </a:ln>
@@ -11667,14 +12817,14 @@
         <p:spPr>
           <a:xfrm>
             <a:off x="6436214" y="3671564"/>
-            <a:ext cx="1741304" cy="942450"/>
+            <a:ext cx="2230303" cy="1405313"/>
           </a:xfrm>
           <a:prstGeom prst="straightConnector1">
             <a:avLst/>
           </a:prstGeom>
-          <a:ln>
+          <a:ln w="38100">
             <a:solidFill>
-              <a:schemeClr val="tx1"/>
+              <a:srgbClr val="344857"/>
             </a:solidFill>
             <a:tailEnd type="triangle"/>
           </a:ln>
@@ -11702,7 +12852,7 @@
         </p:nvSpPr>
         <p:spPr>
           <a:xfrm>
-            <a:off x="4109259" y="3857565"/>
+            <a:off x="3745675" y="3868285"/>
             <a:ext cx="1332411" cy="546097"/>
           </a:xfrm>
           <a:prstGeom prst="rect">
@@ -11733,13 +12883,13 @@
           <a:p>
             <a:pPr algn="ctr"/>
             <a:r>
-              <a:rPr lang="en-US" altLang="zh-TW" dirty="0" smtClean="0">
+              <a:rPr lang="en-US" altLang="zh-TW" sz="2000" i="1" dirty="0" smtClean="0">
                 <a:latin typeface="Times New Roman" panose="02020603050405020304" pitchFamily="18" charset="0"/>
                 <a:cs typeface="Times New Roman" panose="02020603050405020304" pitchFamily="18" charset="0"/>
               </a:rPr>
               <a:t>overfitting</a:t>
             </a:r>
-            <a:endParaRPr lang="zh-TW" altLang="en-US" dirty="0">
+            <a:endParaRPr lang="zh-TW" altLang="en-US" sz="2000" i="1" dirty="0">
               <a:latin typeface="Times New Roman" panose="02020603050405020304" pitchFamily="18" charset="0"/>
               <a:cs typeface="Times New Roman" panose="02020603050405020304" pitchFamily="18" charset="0"/>
             </a:endParaRPr>
@@ -11754,7 +12904,7 @@
         </p:nvSpPr>
         <p:spPr>
           <a:xfrm>
-            <a:off x="7430758" y="3857564"/>
+            <a:off x="7794342" y="3872875"/>
             <a:ext cx="1332411" cy="546097"/>
           </a:xfrm>
           <a:prstGeom prst="rect">
@@ -11785,13 +12935,13 @@
           <a:p>
             <a:pPr algn="ctr"/>
             <a:r>
-              <a:rPr lang="en-US" altLang="zh-TW" dirty="0" smtClean="0">
+              <a:rPr lang="en-US" altLang="zh-TW" sz="2000" i="1" dirty="0" smtClean="0">
                 <a:latin typeface="Times New Roman" panose="02020603050405020304" pitchFamily="18" charset="0"/>
                 <a:cs typeface="Times New Roman" panose="02020603050405020304" pitchFamily="18" charset="0"/>
               </a:rPr>
               <a:t>mismatch</a:t>
             </a:r>
-            <a:endParaRPr lang="zh-TW" altLang="en-US" dirty="0">
+            <a:endParaRPr lang="zh-TW" altLang="en-US" sz="2000" i="1" dirty="0">
               <a:latin typeface="Times New Roman" panose="02020603050405020304" pitchFamily="18" charset="0"/>
               <a:cs typeface="Times New Roman" panose="02020603050405020304" pitchFamily="18" charset="0"/>
             </a:endParaRPr>
@@ -11800,18 +12950,24 @@
       </p:sp>
       <p:sp>
         <p:nvSpPr>
-          <p:cNvPr id="131" name="矩形 130"/>
+          <p:cNvPr id="131" name="圓角矩形 130"/>
           <p:cNvSpPr/>
           <p:nvPr/>
         </p:nvSpPr>
         <p:spPr>
           <a:xfrm>
-            <a:off x="3436932" y="4614014"/>
-            <a:ext cx="2838174" cy="991126"/>
+            <a:off x="2578033" y="5076877"/>
+            <a:ext cx="3240000" cy="1080000"/>
           </a:xfrm>
-          <a:prstGeom prst="rect">
+          <a:prstGeom prst="roundRect">
             <a:avLst/>
           </a:prstGeom>
+          <a:solidFill>
+            <a:srgbClr val="F9CF93"/>
+          </a:solidFill>
+          <a:ln>
+            <a:noFill/>
+          </a:ln>
         </p:spPr>
         <p:style>
           <a:lnRef idx="2">
@@ -11836,11 +12992,9 @@
               <a:buChar char="-"/>
             </a:pPr>
             <a:r>
-              <a:rPr lang="en-US" altLang="zh-TW" dirty="0" smtClean="0">
+              <a:rPr lang="en-US" altLang="zh-TW" sz="2000" dirty="0" smtClean="0">
                 <a:solidFill>
-                  <a:schemeClr val="accent5">
-                    <a:lumMod val="75000"/>
-                  </a:schemeClr>
+                  <a:schemeClr val="tx1"/>
                 </a:solidFill>
                 <a:latin typeface="Times New Roman" panose="02020603050405020304" pitchFamily="18" charset="0"/>
                 <a:cs typeface="Times New Roman" panose="02020603050405020304" pitchFamily="18" charset="0"/>
@@ -11854,11 +13008,9 @@
               <a:buChar char="-"/>
             </a:pPr>
             <a:r>
-              <a:rPr lang="en-US" altLang="zh-TW" dirty="0">
+              <a:rPr lang="en-US" altLang="zh-TW" sz="2000" dirty="0">
                 <a:solidFill>
-                  <a:schemeClr val="accent5">
-                    <a:lumMod val="75000"/>
-                  </a:schemeClr>
+                  <a:schemeClr val="tx1"/>
                 </a:solidFill>
                 <a:latin typeface="Times New Roman" panose="02020603050405020304" pitchFamily="18" charset="0"/>
                 <a:cs typeface="Times New Roman" panose="02020603050405020304" pitchFamily="18" charset="0"/>
@@ -11866,11 +13018,9 @@
               <a:t>Data </a:t>
             </a:r>
             <a:r>
-              <a:rPr lang="en-US" altLang="zh-TW" dirty="0" smtClean="0">
+              <a:rPr lang="en-US" altLang="zh-TW" sz="2000" dirty="0" smtClean="0">
                 <a:solidFill>
-                  <a:schemeClr val="accent5">
-                    <a:lumMod val="75000"/>
-                  </a:schemeClr>
+                  <a:schemeClr val="tx1"/>
                 </a:solidFill>
                 <a:latin typeface="Times New Roman" panose="02020603050405020304" pitchFamily="18" charset="0"/>
                 <a:cs typeface="Times New Roman" panose="02020603050405020304" pitchFamily="18" charset="0"/>
@@ -11884,11 +13034,9 @@
               <a:buChar char="-"/>
             </a:pPr>
             <a:r>
-              <a:rPr lang="en-US" altLang="zh-TW" dirty="0">
+              <a:rPr lang="en-US" altLang="zh-TW" sz="2000" dirty="0">
                 <a:solidFill>
-                  <a:schemeClr val="accent5">
-                    <a:lumMod val="75000"/>
-                  </a:schemeClr>
+                  <a:schemeClr val="tx1"/>
                 </a:solidFill>
                 <a:latin typeface="Times New Roman" panose="02020603050405020304" pitchFamily="18" charset="0"/>
                 <a:cs typeface="Times New Roman" panose="02020603050405020304" pitchFamily="18" charset="0"/>
@@ -11896,22 +13044,18 @@
               <a:t>Make your model </a:t>
             </a:r>
             <a:r>
-              <a:rPr lang="en-US" altLang="zh-TW" dirty="0" smtClean="0">
+              <a:rPr lang="en-US" altLang="zh-TW" sz="2000" dirty="0" smtClean="0">
                 <a:solidFill>
-                  <a:schemeClr val="accent5">
-                    <a:lumMod val="75000"/>
-                  </a:schemeClr>
+                  <a:schemeClr val="tx1"/>
                 </a:solidFill>
                 <a:latin typeface="Times New Roman" panose="02020603050405020304" pitchFamily="18" charset="0"/>
                 <a:cs typeface="Times New Roman" panose="02020603050405020304" pitchFamily="18" charset="0"/>
               </a:rPr>
               <a:t>simpler</a:t>
             </a:r>
-            <a:endParaRPr lang="zh-TW" altLang="en-US" dirty="0">
+            <a:endParaRPr lang="zh-TW" altLang="en-US" sz="2000" dirty="0">
               <a:solidFill>
-                <a:schemeClr val="accent5">
-                  <a:lumMod val="75000"/>
-                </a:schemeClr>
+                <a:schemeClr val="tx1"/>
               </a:solidFill>
               <a:latin typeface="Times New Roman" panose="02020603050405020304" pitchFamily="18" charset="0"/>
               <a:cs typeface="Times New Roman" panose="02020603050405020304" pitchFamily="18" charset="0"/>
@@ -11930,15 +13074,15 @@
         </p:nvCxnSpPr>
         <p:spPr>
           <a:xfrm rot="16200000" flipH="1">
-            <a:off x="1924101" y="3596746"/>
-            <a:ext cx="1546408" cy="1479253"/>
+            <a:off x="1029011" y="4067855"/>
+            <a:ext cx="2073488" cy="1024556"/>
           </a:xfrm>
           <a:prstGeom prst="bentConnector2">
             <a:avLst/>
           </a:prstGeom>
-          <a:ln>
+          <a:ln w="38100">
             <a:solidFill>
-              <a:schemeClr val="tx1"/>
+              <a:srgbClr val="344857"/>
             </a:solidFill>
             <a:prstDash val="dash"/>
             <a:headEnd type="triangle"/>
@@ -11968,8 +13112,8 @@
         </p:nvSpPr>
         <p:spPr>
           <a:xfrm>
-            <a:off x="1088524" y="5109578"/>
-            <a:ext cx="1662960" cy="470965"/>
+            <a:off x="1509840" y="4466534"/>
+            <a:ext cx="1958838" cy="470965"/>
           </a:xfrm>
           <a:prstGeom prst="rect">
             <a:avLst/>
@@ -11999,20 +13143,20 @@
           <a:p>
             <a:pPr algn="ctr"/>
             <a:r>
-              <a:rPr lang="en-US" altLang="zh-TW" dirty="0">
+              <a:rPr lang="en-US" altLang="zh-TW" sz="2000" i="1" dirty="0">
                 <a:latin typeface="Times New Roman" panose="02020603050405020304" pitchFamily="18" charset="0"/>
                 <a:cs typeface="Times New Roman" panose="02020603050405020304" pitchFamily="18" charset="0"/>
               </a:rPr>
               <a:t>v</a:t>
             </a:r>
             <a:r>
-              <a:rPr lang="en-US" altLang="zh-TW" dirty="0" smtClean="0">
+              <a:rPr lang="en-US" altLang="zh-TW" sz="2000" i="1" dirty="0" smtClean="0">
                 <a:latin typeface="Times New Roman" panose="02020603050405020304" pitchFamily="18" charset="0"/>
                 <a:cs typeface="Times New Roman" panose="02020603050405020304" pitchFamily="18" charset="0"/>
               </a:rPr>
               <a:t>alidation data</a:t>
             </a:r>
-            <a:endParaRPr lang="zh-TW" altLang="en-US" dirty="0">
+            <a:endParaRPr lang="zh-TW" altLang="en-US" sz="2000" i="1" dirty="0">
               <a:latin typeface="Times New Roman" panose="02020603050405020304" pitchFamily="18" charset="0"/>
               <a:cs typeface="Times New Roman" panose="02020603050405020304" pitchFamily="18" charset="0"/>
             </a:endParaRPr>
@@ -12021,18 +13165,24 @@
       </p:sp>
       <p:sp>
         <p:nvSpPr>
-          <p:cNvPr id="151" name="矩形 150"/>
+          <p:cNvPr id="151" name="圓角矩形 150"/>
           <p:cNvSpPr/>
           <p:nvPr/>
         </p:nvSpPr>
         <p:spPr>
           <a:xfrm>
-            <a:off x="6758431" y="4614014"/>
-            <a:ext cx="2838174" cy="991126"/>
+            <a:off x="7046517" y="5076877"/>
+            <a:ext cx="3240000" cy="1080000"/>
           </a:xfrm>
-          <a:prstGeom prst="rect">
+          <a:prstGeom prst="roundRect">
             <a:avLst/>
           </a:prstGeom>
+          <a:solidFill>
+            <a:srgbClr val="F9CF93"/>
+          </a:solidFill>
+          <a:ln>
+            <a:noFill/>
+          </a:ln>
         </p:spPr>
         <p:style>
           <a:lnRef idx="2">
@@ -12054,22 +13204,48 @@
           <a:p>
             <a:pPr algn="ctr"/>
             <a:r>
-              <a:rPr lang="en-US" altLang="zh-TW" dirty="0" smtClean="0">
+              <a:rPr lang="en-US" altLang="zh-TW" sz="2000" dirty="0" smtClean="0">
                 <a:solidFill>
-                  <a:schemeClr val="accent5">
-                    <a:lumMod val="75000"/>
-                  </a:schemeClr>
+                  <a:schemeClr val="tx1"/>
                 </a:solidFill>
                 <a:latin typeface="Times New Roman" panose="02020603050405020304" pitchFamily="18" charset="0"/>
                 <a:cs typeface="Times New Roman" panose="02020603050405020304" pitchFamily="18" charset="0"/>
               </a:rPr>
-              <a:t>Training and testing data have different distributions</a:t>
+              <a:t>Training and testing data </a:t>
             </a:r>
-            <a:endParaRPr lang="zh-TW" altLang="en-US" dirty="0">
+            <a:endParaRPr lang="en-US" altLang="zh-TW" sz="2000" dirty="0" smtClean="0">
               <a:solidFill>
-                <a:schemeClr val="accent5">
-                  <a:lumMod val="75000"/>
-                </a:schemeClr>
+                <a:schemeClr val="tx1"/>
+              </a:solidFill>
+              <a:latin typeface="Times New Roman" panose="02020603050405020304" pitchFamily="18" charset="0"/>
+              <a:cs typeface="Times New Roman" panose="02020603050405020304" pitchFamily="18" charset="0"/>
+            </a:endParaRPr>
+          </a:p>
+          <a:p>
+            <a:pPr algn="ctr"/>
+            <a:r>
+              <a:rPr lang="en-US" altLang="zh-TW" sz="2000" dirty="0" smtClean="0">
+                <a:solidFill>
+                  <a:schemeClr val="tx1"/>
+                </a:solidFill>
+                <a:latin typeface="Times New Roman" panose="02020603050405020304" pitchFamily="18" charset="0"/>
+                <a:cs typeface="Times New Roman" panose="02020603050405020304" pitchFamily="18" charset="0"/>
+              </a:rPr>
+              <a:t>have </a:t>
+            </a:r>
+            <a:r>
+              <a:rPr lang="en-US" altLang="zh-TW" sz="2000" dirty="0" smtClean="0">
+                <a:solidFill>
+                  <a:schemeClr val="tx1"/>
+                </a:solidFill>
+                <a:latin typeface="Times New Roman" panose="02020603050405020304" pitchFamily="18" charset="0"/>
+                <a:cs typeface="Times New Roman" panose="02020603050405020304" pitchFamily="18" charset="0"/>
+              </a:rPr>
+              <a:t>different distributions</a:t>
+            </a:r>
+            <a:endParaRPr lang="zh-TW" altLang="en-US" sz="2000" dirty="0">
+              <a:solidFill>
+                <a:schemeClr val="tx1"/>
               </a:solidFill>
               <a:latin typeface="Times New Roman" panose="02020603050405020304" pitchFamily="18" charset="0"/>
               <a:cs typeface="Times New Roman" panose="02020603050405020304" pitchFamily="18" charset="0"/>
@@ -12099,8 +13275,401 @@
         </p:blipFill>
         <p:spPr>
           <a:xfrm>
-            <a:off x="9087128" y="3609793"/>
-            <a:ext cx="838832" cy="777630"/>
+            <a:off x="9808810" y="2852068"/>
+            <a:ext cx="1491460" cy="1382641"/>
+          </a:xfrm>
+          <a:prstGeom prst="rect">
+            <a:avLst/>
+          </a:prstGeom>
+        </p:spPr>
+      </p:pic>
+      <p:sp>
+        <p:nvSpPr>
+          <p:cNvPr id="33" name="圓角矩形 32"/>
+          <p:cNvSpPr/>
+          <p:nvPr/>
+        </p:nvSpPr>
+        <p:spPr>
+          <a:xfrm>
+            <a:off x="6847982" y="1768231"/>
+            <a:ext cx="2520000" cy="720000"/>
+          </a:xfrm>
+          <a:prstGeom prst="roundRect">
+            <a:avLst/>
+          </a:prstGeom>
+          <a:solidFill>
+            <a:srgbClr val="DBD0C0"/>
+          </a:solidFill>
+          <a:ln>
+            <a:noFill/>
+          </a:ln>
+        </p:spPr>
+        <p:style>
+          <a:lnRef idx="2">
+            <a:schemeClr val="dk1"/>
+          </a:lnRef>
+          <a:fillRef idx="1">
+            <a:schemeClr val="lt1"/>
+          </a:fillRef>
+          <a:effectRef idx="0">
+            <a:schemeClr val="dk1"/>
+          </a:effectRef>
+          <a:fontRef idx="minor">
+            <a:schemeClr val="dk1"/>
+          </a:fontRef>
+        </p:style>
+        <p:txBody>
+          <a:bodyPr rtlCol="0" anchor="ctr"/>
+          <a:lstStyle/>
+          <a:p>
+            <a:pPr algn="ctr"/>
+            <a:r>
+              <a:rPr lang="en-US" altLang="zh-TW" sz="2000" dirty="0" smtClean="0">
+                <a:latin typeface="Times New Roman" panose="02020603050405020304" pitchFamily="18" charset="0"/>
+                <a:cs typeface="Times New Roman" panose="02020603050405020304" pitchFamily="18" charset="0"/>
+              </a:rPr>
+              <a:t>Loss on </a:t>
+            </a:r>
+            <a:r>
+              <a:rPr lang="en-US" altLang="zh-TW" sz="2000" dirty="0" smtClean="0">
+                <a:latin typeface="Times New Roman" panose="02020603050405020304" pitchFamily="18" charset="0"/>
+                <a:cs typeface="Times New Roman" panose="02020603050405020304" pitchFamily="18" charset="0"/>
+              </a:rPr>
+              <a:t>testing </a:t>
+            </a:r>
+            <a:r>
+              <a:rPr lang="en-US" altLang="zh-TW" sz="2000" dirty="0" smtClean="0">
+                <a:latin typeface="Times New Roman" panose="02020603050405020304" pitchFamily="18" charset="0"/>
+                <a:cs typeface="Times New Roman" panose="02020603050405020304" pitchFamily="18" charset="0"/>
+              </a:rPr>
+              <a:t>data</a:t>
+            </a:r>
+            <a:endParaRPr lang="zh-TW" altLang="en-US" sz="2000" dirty="0">
+              <a:latin typeface="Times New Roman" panose="02020603050405020304" pitchFamily="18" charset="0"/>
+              <a:cs typeface="Times New Roman" panose="02020603050405020304" pitchFamily="18" charset="0"/>
+            </a:endParaRPr>
+          </a:p>
+        </p:txBody>
+      </p:sp>
+      <p:sp>
+        <p:nvSpPr>
+          <p:cNvPr id="22" name="矩形 21"/>
+          <p:cNvSpPr/>
+          <p:nvPr/>
+        </p:nvSpPr>
+        <p:spPr>
+          <a:xfrm>
+            <a:off x="3057528" y="1048091"/>
+            <a:ext cx="977882" cy="417645"/>
+          </a:xfrm>
+          <a:prstGeom prst="rect">
+            <a:avLst/>
+          </a:prstGeom>
+          <a:noFill/>
+          <a:ln>
+            <a:noFill/>
+          </a:ln>
+        </p:spPr>
+        <p:style>
+          <a:lnRef idx="2">
+            <a:schemeClr val="dk1"/>
+          </a:lnRef>
+          <a:fillRef idx="1">
+            <a:schemeClr val="lt1"/>
+          </a:fillRef>
+          <a:effectRef idx="0">
+            <a:schemeClr val="dk1"/>
+          </a:effectRef>
+          <a:fontRef idx="minor">
+            <a:schemeClr val="dk1"/>
+          </a:fontRef>
+        </p:style>
+        <p:txBody>
+          <a:bodyPr rtlCol="0" anchor="ctr"/>
+          <a:lstStyle/>
+          <a:p>
+            <a:pPr algn="ctr"/>
+            <a:r>
+              <a:rPr lang="en-US" altLang="zh-TW" sz="2000" i="1" dirty="0">
+                <a:solidFill>
+                  <a:schemeClr val="tx1"/>
+                </a:solidFill>
+                <a:latin typeface="Times New Roman" panose="02020603050405020304" pitchFamily="18" charset="0"/>
+                <a:cs typeface="Times New Roman" panose="02020603050405020304" pitchFamily="18" charset="0"/>
+              </a:rPr>
+              <a:t>l</a:t>
+            </a:r>
+            <a:r>
+              <a:rPr lang="en-US" altLang="zh-TW" sz="2000" i="1" dirty="0" smtClean="0">
+                <a:solidFill>
+                  <a:schemeClr val="tx1"/>
+                </a:solidFill>
+                <a:latin typeface="Times New Roman" panose="02020603050405020304" pitchFamily="18" charset="0"/>
+                <a:cs typeface="Times New Roman" panose="02020603050405020304" pitchFamily="18" charset="0"/>
+              </a:rPr>
+              <a:t>arge</a:t>
+            </a:r>
+            <a:endParaRPr lang="zh-TW" altLang="en-US" sz="2000" i="1" dirty="0">
+              <a:solidFill>
+                <a:schemeClr val="tx1"/>
+              </a:solidFill>
+              <a:latin typeface="Times New Roman" panose="02020603050405020304" pitchFamily="18" charset="0"/>
+              <a:cs typeface="Times New Roman" panose="02020603050405020304" pitchFamily="18" charset="0"/>
+            </a:endParaRPr>
+          </a:p>
+        </p:txBody>
+      </p:sp>
+      <p:sp>
+        <p:nvSpPr>
+          <p:cNvPr id="31" name="矩形 30"/>
+          <p:cNvSpPr/>
+          <p:nvPr/>
+        </p:nvSpPr>
+        <p:spPr>
+          <a:xfrm>
+            <a:off x="9347731" y="2823388"/>
+            <a:ext cx="977882" cy="417645"/>
+          </a:xfrm>
+          <a:prstGeom prst="rect">
+            <a:avLst/>
+          </a:prstGeom>
+          <a:noFill/>
+          <a:ln>
+            <a:noFill/>
+          </a:ln>
+        </p:spPr>
+        <p:style>
+          <a:lnRef idx="2">
+            <a:schemeClr val="dk1"/>
+          </a:lnRef>
+          <a:fillRef idx="1">
+            <a:schemeClr val="lt1"/>
+          </a:fillRef>
+          <a:effectRef idx="0">
+            <a:schemeClr val="dk1"/>
+          </a:effectRef>
+          <a:fontRef idx="minor">
+            <a:schemeClr val="dk1"/>
+          </a:fontRef>
+        </p:style>
+        <p:txBody>
+          <a:bodyPr rtlCol="0" anchor="ctr"/>
+          <a:lstStyle/>
+          <a:p>
+            <a:pPr algn="ctr"/>
+            <a:r>
+              <a:rPr lang="en-US" altLang="zh-TW" sz="2000" i="1" dirty="0" smtClean="0">
+                <a:latin typeface="Times New Roman" panose="02020603050405020304" pitchFamily="18" charset="0"/>
+                <a:cs typeface="Times New Roman" panose="02020603050405020304" pitchFamily="18" charset="0"/>
+              </a:rPr>
+              <a:t>small</a:t>
+            </a:r>
+            <a:endParaRPr lang="zh-TW" altLang="en-US" sz="2000" i="1" dirty="0">
+              <a:latin typeface="Times New Roman" panose="02020603050405020304" pitchFamily="18" charset="0"/>
+              <a:cs typeface="Times New Roman" panose="02020603050405020304" pitchFamily="18" charset="0"/>
+            </a:endParaRPr>
+          </a:p>
+        </p:txBody>
+      </p:sp>
+    </p:spTree>
+    <p:extLst>
+      <p:ext uri="{BB962C8B-B14F-4D97-AF65-F5344CB8AC3E}">
+        <p14:creationId xmlns:p14="http://schemas.microsoft.com/office/powerpoint/2010/main" val="3522835346"/>
+      </p:ext>
+    </p:extLst>
+  </p:cSld>
+  <p:clrMapOvr>
+    <a:masterClrMapping/>
+  </p:clrMapOvr>
+  <p:timing>
+    <p:tnLst>
+      <p:par>
+        <p:cTn id="1" dur="indefinite" restart="never" nodeType="tmRoot"/>
+      </p:par>
+    </p:tnLst>
+  </p:timing>
+</p:sld>
+</file>
+
+<file path=ppt/slides/slide6.xml><?xml version="1.0" encoding="utf-8"?>
+<p:sld xmlns:a="http://schemas.openxmlformats.org/drawingml/2006/main" xmlns:r="http://schemas.openxmlformats.org/officeDocument/2006/relationships" xmlns:p="http://schemas.openxmlformats.org/presentationml/2006/main">
+  <p:cSld>
+    <p:spTree>
+      <p:nvGrpSpPr>
+        <p:cNvPr id="1" name=""/>
+        <p:cNvGrpSpPr/>
+        <p:nvPr/>
+      </p:nvGrpSpPr>
+      <p:grpSpPr>
+        <a:xfrm>
+          <a:off x="0" y="0"/>
+          <a:ext cx="0" cy="0"/>
+          <a:chOff x="0" y="0"/>
+          <a:chExt cx="0" cy="0"/>
+        </a:xfrm>
+      </p:grpSpPr>
+      <p:pic>
+        <p:nvPicPr>
+          <p:cNvPr id="4" name="圖片 3"/>
+          <p:cNvPicPr>
+            <a:picLocks noChangeAspect="1"/>
+          </p:cNvPicPr>
+          <p:nvPr/>
+        </p:nvPicPr>
+        <p:blipFill>
+          <a:blip r:embed="rId2"/>
+          <a:stretch>
+            <a:fillRect/>
+          </a:stretch>
+        </p:blipFill>
+        <p:spPr>
+          <a:xfrm>
+            <a:off x="269000" y="218961"/>
+            <a:ext cx="2542857" cy="2457143"/>
+          </a:xfrm>
+          <a:prstGeom prst="rect">
+            <a:avLst/>
+          </a:prstGeom>
+        </p:spPr>
+      </p:pic>
+      <p:pic>
+        <p:nvPicPr>
+          <p:cNvPr id="5" name="圖片 4"/>
+          <p:cNvPicPr>
+            <a:picLocks noChangeAspect="1"/>
+          </p:cNvPicPr>
+          <p:nvPr/>
+        </p:nvPicPr>
+        <p:blipFill>
+          <a:blip r:embed="rId3"/>
+          <a:stretch>
+            <a:fillRect/>
+          </a:stretch>
+        </p:blipFill>
+        <p:spPr>
+          <a:xfrm>
+            <a:off x="3007071" y="228484"/>
+            <a:ext cx="2476190" cy="2438095"/>
+          </a:xfrm>
+          <a:prstGeom prst="rect">
+            <a:avLst/>
+          </a:prstGeom>
+        </p:spPr>
+      </p:pic>
+      <p:pic>
+        <p:nvPicPr>
+          <p:cNvPr id="6" name="圖片 5"/>
+          <p:cNvPicPr>
+            <a:picLocks noChangeAspect="1"/>
+          </p:cNvPicPr>
+          <p:nvPr/>
+        </p:nvPicPr>
+        <p:blipFill>
+          <a:blip r:embed="rId4"/>
+          <a:stretch>
+            <a:fillRect/>
+          </a:stretch>
+        </p:blipFill>
+        <p:spPr>
+          <a:xfrm>
+            <a:off x="5678475" y="218960"/>
+            <a:ext cx="2542857" cy="2447619"/>
+          </a:xfrm>
+          <a:prstGeom prst="rect">
+            <a:avLst/>
+          </a:prstGeom>
+        </p:spPr>
+      </p:pic>
+      <p:pic>
+        <p:nvPicPr>
+          <p:cNvPr id="7" name="圖片 6"/>
+          <p:cNvPicPr>
+            <a:picLocks noChangeAspect="1"/>
+          </p:cNvPicPr>
+          <p:nvPr/>
+        </p:nvPicPr>
+        <p:blipFill>
+          <a:blip r:embed="rId5"/>
+          <a:stretch>
+            <a:fillRect/>
+          </a:stretch>
+        </p:blipFill>
+        <p:spPr>
+          <a:xfrm>
+            <a:off x="8583188" y="228484"/>
+            <a:ext cx="2504762" cy="2457143"/>
+          </a:xfrm>
+          <a:prstGeom prst="rect">
+            <a:avLst/>
+          </a:prstGeom>
+        </p:spPr>
+      </p:pic>
+      <p:pic>
+        <p:nvPicPr>
+          <p:cNvPr id="8" name="圖片 7"/>
+          <p:cNvPicPr>
+            <a:picLocks noChangeAspect="1"/>
+          </p:cNvPicPr>
+          <p:nvPr/>
+        </p:nvPicPr>
+        <p:blipFill>
+          <a:blip r:embed="rId6"/>
+          <a:stretch>
+            <a:fillRect/>
+          </a:stretch>
+        </p:blipFill>
+        <p:spPr>
+          <a:xfrm>
+            <a:off x="173762" y="3071689"/>
+            <a:ext cx="2638095" cy="2609524"/>
+          </a:xfrm>
+          <a:prstGeom prst="rect">
+            <a:avLst/>
+          </a:prstGeom>
+        </p:spPr>
+      </p:pic>
+      <p:pic>
+        <p:nvPicPr>
+          <p:cNvPr id="9" name="圖片 8"/>
+          <p:cNvPicPr>
+            <a:picLocks noChangeAspect="1"/>
+          </p:cNvPicPr>
+          <p:nvPr/>
+        </p:nvPicPr>
+        <p:blipFill>
+          <a:blip r:embed="rId7"/>
+          <a:stretch>
+            <a:fillRect/>
+          </a:stretch>
+        </p:blipFill>
+        <p:spPr>
+          <a:xfrm>
+            <a:off x="2988023" y="3157404"/>
+            <a:ext cx="2514286" cy="2523809"/>
+          </a:xfrm>
+          <a:prstGeom prst="rect">
+            <a:avLst/>
+          </a:prstGeom>
+        </p:spPr>
+      </p:pic>
+      <p:pic>
+        <p:nvPicPr>
+          <p:cNvPr id="10" name="圖片 9"/>
+          <p:cNvPicPr>
+            <a:picLocks noChangeAspect="1"/>
+          </p:cNvPicPr>
+          <p:nvPr/>
+        </p:nvPicPr>
+        <p:blipFill>
+          <a:blip r:embed="rId8"/>
+          <a:stretch>
+            <a:fillRect/>
+          </a:stretch>
+        </p:blipFill>
+        <p:spPr>
+          <a:xfrm>
+            <a:off x="5678475" y="3176451"/>
+            <a:ext cx="2542857" cy="2504762"/>
           </a:xfrm>
           <a:prstGeom prst="rect">
             <a:avLst/>
@@ -12110,7 +13679,7 @@
     </p:spTree>
     <p:extLst>
       <p:ext uri="{BB962C8B-B14F-4D97-AF65-F5344CB8AC3E}">
-        <p14:creationId xmlns:p14="http://schemas.microsoft.com/office/powerpoint/2010/main" val="3522835346"/>
+        <p14:creationId xmlns:p14="http://schemas.microsoft.com/office/powerpoint/2010/main" val="4133149664"/>
       </p:ext>
     </p:extLst>
   </p:cSld>
